--- a/Wi18_content/DSMCER/L13.SVM_Unsupervised.pptx
+++ b/Wi18_content/DSMCER/L13.SVM_Unsupervised.pptx
@@ -6,7 +6,7 @@
     <p:sldMasterId id="2147483652" r:id="rId2"/>
   </p:sldMasterIdLst>
   <p:notesMasterIdLst>
-    <p:notesMasterId r:id="rId30"/>
+    <p:notesMasterId r:id="rId39"/>
   </p:notesMasterIdLst>
   <p:sldIdLst>
     <p:sldId id="276" r:id="rId3"/>
@@ -14,28 +14,37 @@
     <p:sldId id="389" r:id="rId5"/>
     <p:sldId id="410" r:id="rId6"/>
     <p:sldId id="390" r:id="rId7"/>
-    <p:sldId id="391" r:id="rId8"/>
-    <p:sldId id="401" r:id="rId9"/>
-    <p:sldId id="392" r:id="rId10"/>
-    <p:sldId id="395" r:id="rId11"/>
-    <p:sldId id="396" r:id="rId12"/>
-    <p:sldId id="402" r:id="rId13"/>
-    <p:sldId id="397" r:id="rId14"/>
-    <p:sldId id="398" r:id="rId15"/>
-    <p:sldId id="399" r:id="rId16"/>
-    <p:sldId id="403" r:id="rId17"/>
-    <p:sldId id="404" r:id="rId18"/>
-    <p:sldId id="393" r:id="rId19"/>
-    <p:sldId id="405" r:id="rId20"/>
-    <p:sldId id="406" r:id="rId21"/>
-    <p:sldId id="407" r:id="rId22"/>
-    <p:sldId id="408" r:id="rId23"/>
-    <p:sldId id="409" r:id="rId24"/>
-    <p:sldId id="411" r:id="rId25"/>
-    <p:sldId id="413" r:id="rId26"/>
-    <p:sldId id="412" r:id="rId27"/>
-    <p:sldId id="394" r:id="rId28"/>
-    <p:sldId id="400" r:id="rId29"/>
+    <p:sldId id="417" r:id="rId8"/>
+    <p:sldId id="418" r:id="rId9"/>
+    <p:sldId id="419" r:id="rId10"/>
+    <p:sldId id="420" r:id="rId11"/>
+    <p:sldId id="421" r:id="rId12"/>
+    <p:sldId id="416" r:id="rId13"/>
+    <p:sldId id="422" r:id="rId14"/>
+    <p:sldId id="424" r:id="rId15"/>
+    <p:sldId id="425" r:id="rId16"/>
+    <p:sldId id="391" r:id="rId17"/>
+    <p:sldId id="401" r:id="rId18"/>
+    <p:sldId id="392" r:id="rId19"/>
+    <p:sldId id="395" r:id="rId20"/>
+    <p:sldId id="396" r:id="rId21"/>
+    <p:sldId id="402" r:id="rId22"/>
+    <p:sldId id="397" r:id="rId23"/>
+    <p:sldId id="398" r:id="rId24"/>
+    <p:sldId id="399" r:id="rId25"/>
+    <p:sldId id="403" r:id="rId26"/>
+    <p:sldId id="404" r:id="rId27"/>
+    <p:sldId id="393" r:id="rId28"/>
+    <p:sldId id="405" r:id="rId29"/>
+    <p:sldId id="406" r:id="rId30"/>
+    <p:sldId id="407" r:id="rId31"/>
+    <p:sldId id="408" r:id="rId32"/>
+    <p:sldId id="409" r:id="rId33"/>
+    <p:sldId id="411" r:id="rId34"/>
+    <p:sldId id="413" r:id="rId35"/>
+    <p:sldId id="412" r:id="rId36"/>
+    <p:sldId id="394" r:id="rId37"/>
+    <p:sldId id="400" r:id="rId38"/>
   </p:sldIdLst>
   <p:sldSz cx="9144000" cy="6858000" type="screen4x3"/>
   <p:notesSz cx="6858000" cy="9144000"/>
@@ -238,7 +247,7 @@
           <a:p>
             <a:fld id="{BBEA69A4-43A8-4442-8088-0B845332DB30}" type="datetimeFigureOut">
               <a:rPr lang="en-US" smtClean="0"/>
-              <a:t>3/6/17</a:t>
+              <a:t>3/1/18</a:t>
             </a:fld>
             <a:endParaRPr lang="en-US"/>
           </a:p>
@@ -590,6 +599,365 @@
 </p:notes>
 </file>
 
+<file path=ppt/notesSlides/notesSlide10.xml><?xml version="1.0" encoding="utf-8"?>
+<p:notes xmlns:a="http://schemas.openxmlformats.org/drawingml/2006/main" xmlns:r="http://schemas.openxmlformats.org/officeDocument/2006/relationships" xmlns:p="http://schemas.openxmlformats.org/presentationml/2006/main">
+  <p:cSld>
+    <p:spTree>
+      <p:nvGrpSpPr>
+        <p:cNvPr id="1" name=""/>
+        <p:cNvGrpSpPr/>
+        <p:nvPr/>
+      </p:nvGrpSpPr>
+      <p:grpSpPr>
+        <a:xfrm>
+          <a:off x="0" y="0"/>
+          <a:ext cx="0" cy="0"/>
+          <a:chOff x="0" y="0"/>
+          <a:chExt cx="0" cy="0"/>
+        </a:xfrm>
+      </p:grpSpPr>
+      <p:sp>
+        <p:nvSpPr>
+          <p:cNvPr id="2" name="Slide Image Placeholder 1"/>
+          <p:cNvSpPr>
+            <a:spLocks noGrp="1" noRot="1" noChangeAspect="1"/>
+          </p:cNvSpPr>
+          <p:nvPr>
+            <p:ph type="sldImg"/>
+          </p:nvPr>
+        </p:nvSpPr>
+        <p:spPr/>
+      </p:sp>
+      <p:sp>
+        <p:nvSpPr>
+          <p:cNvPr id="3" name="Notes Placeholder 2"/>
+          <p:cNvSpPr>
+            <a:spLocks noGrp="1"/>
+          </p:cNvSpPr>
+          <p:nvPr>
+            <p:ph type="body" idx="1"/>
+          </p:nvPr>
+        </p:nvSpPr>
+        <p:spPr/>
+        <p:txBody>
+          <a:bodyPr/>
+          <a:lstStyle/>
+          <a:p>
+            <a:endParaRPr lang="en-US" dirty="0"/>
+          </a:p>
+        </p:txBody>
+      </p:sp>
+      <p:sp>
+        <p:nvSpPr>
+          <p:cNvPr id="4" name="Slide Number Placeholder 3"/>
+          <p:cNvSpPr>
+            <a:spLocks noGrp="1"/>
+          </p:cNvSpPr>
+          <p:nvPr>
+            <p:ph type="sldNum" sz="quarter" idx="10"/>
+          </p:nvPr>
+        </p:nvSpPr>
+        <p:spPr/>
+        <p:txBody>
+          <a:bodyPr/>
+          <a:lstStyle/>
+          <a:p>
+            <a:fld id="{3539985C-6B1E-BE4B-8B6E-1AD097E07E34}" type="slidenum">
+              <a:rPr lang="en-US" smtClean="0"/>
+              <a:t>14</a:t>
+            </a:fld>
+            <a:endParaRPr lang="en-US"/>
+          </a:p>
+        </p:txBody>
+      </p:sp>
+    </p:spTree>
+    <p:extLst>
+      <p:ext uri="{BB962C8B-B14F-4D97-AF65-F5344CB8AC3E}">
+        <p14:creationId xmlns:p14="http://schemas.microsoft.com/office/powerpoint/2010/main" val="287881573"/>
+      </p:ext>
+    </p:extLst>
+  </p:cSld>
+  <p:clrMapOvr>
+    <a:masterClrMapping/>
+  </p:clrMapOvr>
+</p:notes>
+</file>
+
+<file path=ppt/notesSlides/notesSlide11.xml><?xml version="1.0" encoding="utf-8"?>
+<p:notes xmlns:a="http://schemas.openxmlformats.org/drawingml/2006/main" xmlns:r="http://schemas.openxmlformats.org/officeDocument/2006/relationships" xmlns:p="http://schemas.openxmlformats.org/presentationml/2006/main">
+  <p:cSld>
+    <p:spTree>
+      <p:nvGrpSpPr>
+        <p:cNvPr id="1" name=""/>
+        <p:cNvGrpSpPr/>
+        <p:nvPr/>
+      </p:nvGrpSpPr>
+      <p:grpSpPr>
+        <a:xfrm>
+          <a:off x="0" y="0"/>
+          <a:ext cx="0" cy="0"/>
+          <a:chOff x="0" y="0"/>
+          <a:chExt cx="0" cy="0"/>
+        </a:xfrm>
+      </p:grpSpPr>
+      <p:sp>
+        <p:nvSpPr>
+          <p:cNvPr id="2" name="Slide Image Placeholder 1"/>
+          <p:cNvSpPr>
+            <a:spLocks noGrp="1" noRot="1" noChangeAspect="1"/>
+          </p:cNvSpPr>
+          <p:nvPr>
+            <p:ph type="sldImg"/>
+          </p:nvPr>
+        </p:nvSpPr>
+        <p:spPr/>
+      </p:sp>
+      <p:sp>
+        <p:nvSpPr>
+          <p:cNvPr id="3" name="Notes Placeholder 2"/>
+          <p:cNvSpPr>
+            <a:spLocks noGrp="1"/>
+          </p:cNvSpPr>
+          <p:nvPr>
+            <p:ph type="body" idx="1"/>
+          </p:nvPr>
+        </p:nvSpPr>
+        <p:spPr/>
+        <p:txBody>
+          <a:bodyPr/>
+          <a:lstStyle/>
+          <a:p>
+            <a:pPr marL="0" marR="0" lvl="1" indent="0" algn="l" defTabSz="914400" rtl="0" eaLnBrk="1" fontAlgn="auto" latinLnBrk="0" hangingPunct="1">
+              <a:lnSpc>
+                <a:spcPct val="100000"/>
+              </a:lnSpc>
+              <a:spcBef>
+                <a:spcPts val="0"/>
+              </a:spcBef>
+              <a:spcAft>
+                <a:spcPts val="0"/>
+              </a:spcAft>
+              <a:buClrTx/>
+              <a:buSzTx/>
+              <a:buFontTx/>
+              <a:buNone/>
+              <a:tabLst/>
+              <a:defRPr/>
+            </a:pPr>
+            <a:r>
+              <a:rPr lang="en-US" dirty="0" smtClean="0"/>
+              <a:t>Warning: need to get away from thinking of this a prediction/response! </a:t>
+            </a:r>
+          </a:p>
+          <a:p>
+            <a:endParaRPr lang="en-US" dirty="0"/>
+          </a:p>
+        </p:txBody>
+      </p:sp>
+      <p:sp>
+        <p:nvSpPr>
+          <p:cNvPr id="4" name="Slide Number Placeholder 3"/>
+          <p:cNvSpPr>
+            <a:spLocks noGrp="1"/>
+          </p:cNvSpPr>
+          <p:nvPr>
+            <p:ph type="sldNum" sz="quarter" idx="10"/>
+          </p:nvPr>
+        </p:nvSpPr>
+        <p:spPr/>
+        <p:txBody>
+          <a:bodyPr/>
+          <a:lstStyle/>
+          <a:p>
+            <a:fld id="{3539985C-6B1E-BE4B-8B6E-1AD097E07E34}" type="slidenum">
+              <a:rPr lang="en-US" smtClean="0"/>
+              <a:t>17</a:t>
+            </a:fld>
+            <a:endParaRPr lang="en-US"/>
+          </a:p>
+        </p:txBody>
+      </p:sp>
+    </p:spTree>
+    <p:extLst>
+      <p:ext uri="{BB962C8B-B14F-4D97-AF65-F5344CB8AC3E}">
+        <p14:creationId xmlns:p14="http://schemas.microsoft.com/office/powerpoint/2010/main" val="2080449117"/>
+      </p:ext>
+    </p:extLst>
+  </p:cSld>
+  <p:clrMapOvr>
+    <a:masterClrMapping/>
+  </p:clrMapOvr>
+</p:notes>
+</file>
+
+<file path=ppt/notesSlides/notesSlide12.xml><?xml version="1.0" encoding="utf-8"?>
+<p:notes xmlns:a="http://schemas.openxmlformats.org/drawingml/2006/main" xmlns:r="http://schemas.openxmlformats.org/officeDocument/2006/relationships" xmlns:p="http://schemas.openxmlformats.org/presentationml/2006/main">
+  <p:cSld>
+    <p:spTree>
+      <p:nvGrpSpPr>
+        <p:cNvPr id="1" name=""/>
+        <p:cNvGrpSpPr/>
+        <p:nvPr/>
+      </p:nvGrpSpPr>
+      <p:grpSpPr>
+        <a:xfrm>
+          <a:off x="0" y="0"/>
+          <a:ext cx="0" cy="0"/>
+          <a:chOff x="0" y="0"/>
+          <a:chExt cx="0" cy="0"/>
+        </a:xfrm>
+      </p:grpSpPr>
+      <p:sp>
+        <p:nvSpPr>
+          <p:cNvPr id="2" name="Slide Image Placeholder 1"/>
+          <p:cNvSpPr>
+            <a:spLocks noGrp="1" noRot="1" noChangeAspect="1"/>
+          </p:cNvSpPr>
+          <p:nvPr>
+            <p:ph type="sldImg"/>
+          </p:nvPr>
+        </p:nvSpPr>
+        <p:spPr/>
+      </p:sp>
+      <p:sp>
+        <p:nvSpPr>
+          <p:cNvPr id="3" name="Notes Placeholder 2"/>
+          <p:cNvSpPr>
+            <a:spLocks noGrp="1"/>
+          </p:cNvSpPr>
+          <p:nvPr>
+            <p:ph type="body" idx="1"/>
+          </p:nvPr>
+        </p:nvSpPr>
+        <p:spPr/>
+        <p:txBody>
+          <a:bodyPr/>
+          <a:lstStyle/>
+          <a:p>
+            <a:endParaRPr lang="en-US" dirty="0"/>
+          </a:p>
+        </p:txBody>
+      </p:sp>
+      <p:sp>
+        <p:nvSpPr>
+          <p:cNvPr id="4" name="Slide Number Placeholder 3"/>
+          <p:cNvSpPr>
+            <a:spLocks noGrp="1"/>
+          </p:cNvSpPr>
+          <p:nvPr>
+            <p:ph type="sldNum" sz="quarter" idx="10"/>
+          </p:nvPr>
+        </p:nvSpPr>
+        <p:spPr/>
+        <p:txBody>
+          <a:bodyPr/>
+          <a:lstStyle/>
+          <a:p>
+            <a:fld id="{3539985C-6B1E-BE4B-8B6E-1AD097E07E34}" type="slidenum">
+              <a:rPr lang="en-US" smtClean="0"/>
+              <a:t>18</a:t>
+            </a:fld>
+            <a:endParaRPr lang="en-US"/>
+          </a:p>
+        </p:txBody>
+      </p:sp>
+    </p:spTree>
+    <p:extLst>
+      <p:ext uri="{BB962C8B-B14F-4D97-AF65-F5344CB8AC3E}">
+        <p14:creationId xmlns:p14="http://schemas.microsoft.com/office/powerpoint/2010/main" val="1150067240"/>
+      </p:ext>
+    </p:extLst>
+  </p:cSld>
+  <p:clrMapOvr>
+    <a:masterClrMapping/>
+  </p:clrMapOvr>
+</p:notes>
+</file>
+
+<file path=ppt/notesSlides/notesSlide13.xml><?xml version="1.0" encoding="utf-8"?>
+<p:notes xmlns:a="http://schemas.openxmlformats.org/drawingml/2006/main" xmlns:r="http://schemas.openxmlformats.org/officeDocument/2006/relationships" xmlns:p="http://schemas.openxmlformats.org/presentationml/2006/main">
+  <p:cSld>
+    <p:spTree>
+      <p:nvGrpSpPr>
+        <p:cNvPr id="1" name=""/>
+        <p:cNvGrpSpPr/>
+        <p:nvPr/>
+      </p:nvGrpSpPr>
+      <p:grpSpPr>
+        <a:xfrm>
+          <a:off x="0" y="0"/>
+          <a:ext cx="0" cy="0"/>
+          <a:chOff x="0" y="0"/>
+          <a:chExt cx="0" cy="0"/>
+        </a:xfrm>
+      </p:grpSpPr>
+      <p:sp>
+        <p:nvSpPr>
+          <p:cNvPr id="2" name="Slide Image Placeholder 1"/>
+          <p:cNvSpPr>
+            <a:spLocks noGrp="1" noRot="1" noChangeAspect="1"/>
+          </p:cNvSpPr>
+          <p:nvPr>
+            <p:ph type="sldImg"/>
+          </p:nvPr>
+        </p:nvSpPr>
+        <p:spPr/>
+      </p:sp>
+      <p:sp>
+        <p:nvSpPr>
+          <p:cNvPr id="3" name="Notes Placeholder 2"/>
+          <p:cNvSpPr>
+            <a:spLocks noGrp="1"/>
+          </p:cNvSpPr>
+          <p:nvPr>
+            <p:ph type="body" idx="1"/>
+          </p:nvPr>
+        </p:nvSpPr>
+        <p:spPr/>
+        <p:txBody>
+          <a:bodyPr/>
+          <a:lstStyle/>
+          <a:p>
+            <a:endParaRPr lang="en-US" dirty="0"/>
+          </a:p>
+        </p:txBody>
+      </p:sp>
+      <p:sp>
+        <p:nvSpPr>
+          <p:cNvPr id="4" name="Slide Number Placeholder 3"/>
+          <p:cNvSpPr>
+            <a:spLocks noGrp="1"/>
+          </p:cNvSpPr>
+          <p:nvPr>
+            <p:ph type="sldNum" sz="quarter" idx="10"/>
+          </p:nvPr>
+        </p:nvSpPr>
+        <p:spPr/>
+        <p:txBody>
+          <a:bodyPr/>
+          <a:lstStyle/>
+          <a:p>
+            <a:fld id="{3539985C-6B1E-BE4B-8B6E-1AD097E07E34}" type="slidenum">
+              <a:rPr lang="en-US" smtClean="0"/>
+              <a:t>25</a:t>
+            </a:fld>
+            <a:endParaRPr lang="en-US"/>
+          </a:p>
+        </p:txBody>
+      </p:sp>
+    </p:spTree>
+    <p:extLst>
+      <p:ext uri="{BB962C8B-B14F-4D97-AF65-F5344CB8AC3E}">
+        <p14:creationId xmlns:p14="http://schemas.microsoft.com/office/powerpoint/2010/main" val="124003567"/>
+      </p:ext>
+    </p:extLst>
+  </p:cSld>
+  <p:clrMapOvr>
+    <a:masterClrMapping/>
+  </p:clrMapOvr>
+</p:notes>
+</file>
+
 <file path=ppt/notesSlides/notesSlide2.xml><?xml version="1.0" encoding="utf-8"?>
 <p:notes xmlns:a="http://schemas.openxmlformats.org/drawingml/2006/main" xmlns:r="http://schemas.openxmlformats.org/officeDocument/2006/relationships" xmlns:p="http://schemas.openxmlformats.org/presentationml/2006/main">
   <p:cSld>
@@ -634,29 +1002,6 @@
           <a:bodyPr/>
           <a:lstStyle/>
           <a:p>
-            <a:pPr marL="0" marR="0" lvl="1" indent="0" algn="l" defTabSz="914400" rtl="0" eaLnBrk="1" fontAlgn="auto" latinLnBrk="0" hangingPunct="1">
-              <a:lnSpc>
-                <a:spcPct val="100000"/>
-              </a:lnSpc>
-              <a:spcBef>
-                <a:spcPts val="0"/>
-              </a:spcBef>
-              <a:spcAft>
-                <a:spcPts val="0"/>
-              </a:spcAft>
-              <a:buClrTx/>
-              <a:buSzTx/>
-              <a:buFontTx/>
-              <a:buNone/>
-              <a:tabLst/>
-              <a:defRPr/>
-            </a:pPr>
-            <a:r>
-              <a:rPr lang="en-US" dirty="0" smtClean="0"/>
-              <a:t>Warning: need to get away from thinking of this a prediction/response! </a:t>
-            </a:r>
-          </a:p>
-          <a:p>
             <a:endParaRPr lang="en-US" dirty="0"/>
           </a:p>
         </p:txBody>
@@ -678,7 +1023,7 @@
           <a:p>
             <a:fld id="{3539985C-6B1E-BE4B-8B6E-1AD097E07E34}" type="slidenum">
               <a:rPr lang="en-US" smtClean="0"/>
-              <a:t>8</a:t>
+              <a:t>6</a:t>
             </a:fld>
             <a:endParaRPr lang="en-US"/>
           </a:p>
@@ -687,7 +1032,7 @@
     </p:spTree>
     <p:extLst>
       <p:ext uri="{BB962C8B-B14F-4D97-AF65-F5344CB8AC3E}">
-        <p14:creationId xmlns:p14="http://schemas.microsoft.com/office/powerpoint/2010/main" val="2080449117"/>
+        <p14:creationId xmlns:p14="http://schemas.microsoft.com/office/powerpoint/2010/main" val="1247685574"/>
       </p:ext>
     </p:extLst>
   </p:cSld>
@@ -762,7 +1107,7 @@
           <a:p>
             <a:fld id="{3539985C-6B1E-BE4B-8B6E-1AD097E07E34}" type="slidenum">
               <a:rPr lang="en-US" smtClean="0"/>
-              <a:t>9</a:t>
+              <a:t>7</a:t>
             </a:fld>
             <a:endParaRPr lang="en-US"/>
           </a:p>
@@ -771,7 +1116,7 @@
     </p:spTree>
     <p:extLst>
       <p:ext uri="{BB962C8B-B14F-4D97-AF65-F5344CB8AC3E}">
-        <p14:creationId xmlns:p14="http://schemas.microsoft.com/office/powerpoint/2010/main" val="1150067240"/>
+        <p14:creationId xmlns:p14="http://schemas.microsoft.com/office/powerpoint/2010/main" val="2040353966"/>
       </p:ext>
     </p:extLst>
   </p:cSld>
@@ -846,7 +1191,7 @@
           <a:p>
             <a:fld id="{3539985C-6B1E-BE4B-8B6E-1AD097E07E34}" type="slidenum">
               <a:rPr lang="en-US" smtClean="0"/>
-              <a:t>16</a:t>
+              <a:t>8</a:t>
             </a:fld>
             <a:endParaRPr lang="en-US"/>
           </a:p>
@@ -855,7 +1200,427 @@
     </p:spTree>
     <p:extLst>
       <p:ext uri="{BB962C8B-B14F-4D97-AF65-F5344CB8AC3E}">
-        <p14:creationId xmlns:p14="http://schemas.microsoft.com/office/powerpoint/2010/main" val="124003567"/>
+        <p14:creationId xmlns:p14="http://schemas.microsoft.com/office/powerpoint/2010/main" val="1207917854"/>
+      </p:ext>
+    </p:extLst>
+  </p:cSld>
+  <p:clrMapOvr>
+    <a:masterClrMapping/>
+  </p:clrMapOvr>
+</p:notes>
+</file>
+
+<file path=ppt/notesSlides/notesSlide5.xml><?xml version="1.0" encoding="utf-8"?>
+<p:notes xmlns:a="http://schemas.openxmlformats.org/drawingml/2006/main" xmlns:r="http://schemas.openxmlformats.org/officeDocument/2006/relationships" xmlns:p="http://schemas.openxmlformats.org/presentationml/2006/main">
+  <p:cSld>
+    <p:spTree>
+      <p:nvGrpSpPr>
+        <p:cNvPr id="1" name=""/>
+        <p:cNvGrpSpPr/>
+        <p:nvPr/>
+      </p:nvGrpSpPr>
+      <p:grpSpPr>
+        <a:xfrm>
+          <a:off x="0" y="0"/>
+          <a:ext cx="0" cy="0"/>
+          <a:chOff x="0" y="0"/>
+          <a:chExt cx="0" cy="0"/>
+        </a:xfrm>
+      </p:grpSpPr>
+      <p:sp>
+        <p:nvSpPr>
+          <p:cNvPr id="2" name="Slide Image Placeholder 1"/>
+          <p:cNvSpPr>
+            <a:spLocks noGrp="1" noRot="1" noChangeAspect="1"/>
+          </p:cNvSpPr>
+          <p:nvPr>
+            <p:ph type="sldImg"/>
+          </p:nvPr>
+        </p:nvSpPr>
+        <p:spPr/>
+      </p:sp>
+      <p:sp>
+        <p:nvSpPr>
+          <p:cNvPr id="3" name="Notes Placeholder 2"/>
+          <p:cNvSpPr>
+            <a:spLocks noGrp="1"/>
+          </p:cNvSpPr>
+          <p:nvPr>
+            <p:ph type="body" idx="1"/>
+          </p:nvPr>
+        </p:nvSpPr>
+        <p:spPr/>
+        <p:txBody>
+          <a:bodyPr/>
+          <a:lstStyle/>
+          <a:p>
+            <a:endParaRPr lang="en-US" dirty="0"/>
+          </a:p>
+        </p:txBody>
+      </p:sp>
+      <p:sp>
+        <p:nvSpPr>
+          <p:cNvPr id="4" name="Slide Number Placeholder 3"/>
+          <p:cNvSpPr>
+            <a:spLocks noGrp="1"/>
+          </p:cNvSpPr>
+          <p:nvPr>
+            <p:ph type="sldNum" sz="quarter" idx="10"/>
+          </p:nvPr>
+        </p:nvSpPr>
+        <p:spPr/>
+        <p:txBody>
+          <a:bodyPr/>
+          <a:lstStyle/>
+          <a:p>
+            <a:fld id="{3539985C-6B1E-BE4B-8B6E-1AD097E07E34}" type="slidenum">
+              <a:rPr lang="en-US" smtClean="0"/>
+              <a:t>9</a:t>
+            </a:fld>
+            <a:endParaRPr lang="en-US"/>
+          </a:p>
+        </p:txBody>
+      </p:sp>
+    </p:spTree>
+    <p:extLst>
+      <p:ext uri="{BB962C8B-B14F-4D97-AF65-F5344CB8AC3E}">
+        <p14:creationId xmlns:p14="http://schemas.microsoft.com/office/powerpoint/2010/main" val="2117864958"/>
+      </p:ext>
+    </p:extLst>
+  </p:cSld>
+  <p:clrMapOvr>
+    <a:masterClrMapping/>
+  </p:clrMapOvr>
+</p:notes>
+</file>
+
+<file path=ppt/notesSlides/notesSlide6.xml><?xml version="1.0" encoding="utf-8"?>
+<p:notes xmlns:a="http://schemas.openxmlformats.org/drawingml/2006/main" xmlns:r="http://schemas.openxmlformats.org/officeDocument/2006/relationships" xmlns:p="http://schemas.openxmlformats.org/presentationml/2006/main">
+  <p:cSld>
+    <p:spTree>
+      <p:nvGrpSpPr>
+        <p:cNvPr id="1" name=""/>
+        <p:cNvGrpSpPr/>
+        <p:nvPr/>
+      </p:nvGrpSpPr>
+      <p:grpSpPr>
+        <a:xfrm>
+          <a:off x="0" y="0"/>
+          <a:ext cx="0" cy="0"/>
+          <a:chOff x="0" y="0"/>
+          <a:chExt cx="0" cy="0"/>
+        </a:xfrm>
+      </p:grpSpPr>
+      <p:sp>
+        <p:nvSpPr>
+          <p:cNvPr id="2" name="Slide Image Placeholder 1"/>
+          <p:cNvSpPr>
+            <a:spLocks noGrp="1" noRot="1" noChangeAspect="1"/>
+          </p:cNvSpPr>
+          <p:nvPr>
+            <p:ph type="sldImg"/>
+          </p:nvPr>
+        </p:nvSpPr>
+        <p:spPr/>
+      </p:sp>
+      <p:sp>
+        <p:nvSpPr>
+          <p:cNvPr id="3" name="Notes Placeholder 2"/>
+          <p:cNvSpPr>
+            <a:spLocks noGrp="1"/>
+          </p:cNvSpPr>
+          <p:nvPr>
+            <p:ph type="body" idx="1"/>
+          </p:nvPr>
+        </p:nvSpPr>
+        <p:spPr/>
+        <p:txBody>
+          <a:bodyPr/>
+          <a:lstStyle/>
+          <a:p>
+            <a:endParaRPr lang="en-US" dirty="0"/>
+          </a:p>
+        </p:txBody>
+      </p:sp>
+      <p:sp>
+        <p:nvSpPr>
+          <p:cNvPr id="4" name="Slide Number Placeholder 3"/>
+          <p:cNvSpPr>
+            <a:spLocks noGrp="1"/>
+          </p:cNvSpPr>
+          <p:nvPr>
+            <p:ph type="sldNum" sz="quarter" idx="10"/>
+          </p:nvPr>
+        </p:nvSpPr>
+        <p:spPr/>
+        <p:txBody>
+          <a:bodyPr/>
+          <a:lstStyle/>
+          <a:p>
+            <a:fld id="{3539985C-6B1E-BE4B-8B6E-1AD097E07E34}" type="slidenum">
+              <a:rPr lang="en-US" smtClean="0"/>
+              <a:t>10</a:t>
+            </a:fld>
+            <a:endParaRPr lang="en-US"/>
+          </a:p>
+        </p:txBody>
+      </p:sp>
+    </p:spTree>
+    <p:extLst>
+      <p:ext uri="{BB962C8B-B14F-4D97-AF65-F5344CB8AC3E}">
+        <p14:creationId xmlns:p14="http://schemas.microsoft.com/office/powerpoint/2010/main" val="2124088306"/>
+      </p:ext>
+    </p:extLst>
+  </p:cSld>
+  <p:clrMapOvr>
+    <a:masterClrMapping/>
+  </p:clrMapOvr>
+</p:notes>
+</file>
+
+<file path=ppt/notesSlides/notesSlide7.xml><?xml version="1.0" encoding="utf-8"?>
+<p:notes xmlns:a="http://schemas.openxmlformats.org/drawingml/2006/main" xmlns:r="http://schemas.openxmlformats.org/officeDocument/2006/relationships" xmlns:p="http://schemas.openxmlformats.org/presentationml/2006/main">
+  <p:cSld>
+    <p:spTree>
+      <p:nvGrpSpPr>
+        <p:cNvPr id="1" name=""/>
+        <p:cNvGrpSpPr/>
+        <p:nvPr/>
+      </p:nvGrpSpPr>
+      <p:grpSpPr>
+        <a:xfrm>
+          <a:off x="0" y="0"/>
+          <a:ext cx="0" cy="0"/>
+          <a:chOff x="0" y="0"/>
+          <a:chExt cx="0" cy="0"/>
+        </a:xfrm>
+      </p:grpSpPr>
+      <p:sp>
+        <p:nvSpPr>
+          <p:cNvPr id="2" name="Slide Image Placeholder 1"/>
+          <p:cNvSpPr>
+            <a:spLocks noGrp="1" noRot="1" noChangeAspect="1"/>
+          </p:cNvSpPr>
+          <p:nvPr>
+            <p:ph type="sldImg"/>
+          </p:nvPr>
+        </p:nvSpPr>
+        <p:spPr/>
+      </p:sp>
+      <p:sp>
+        <p:nvSpPr>
+          <p:cNvPr id="3" name="Notes Placeholder 2"/>
+          <p:cNvSpPr>
+            <a:spLocks noGrp="1"/>
+          </p:cNvSpPr>
+          <p:nvPr>
+            <p:ph type="body" idx="1"/>
+          </p:nvPr>
+        </p:nvSpPr>
+        <p:spPr/>
+        <p:txBody>
+          <a:bodyPr/>
+          <a:lstStyle/>
+          <a:p>
+            <a:endParaRPr lang="en-US" dirty="0"/>
+          </a:p>
+        </p:txBody>
+      </p:sp>
+      <p:sp>
+        <p:nvSpPr>
+          <p:cNvPr id="4" name="Slide Number Placeholder 3"/>
+          <p:cNvSpPr>
+            <a:spLocks noGrp="1"/>
+          </p:cNvSpPr>
+          <p:nvPr>
+            <p:ph type="sldNum" sz="quarter" idx="10"/>
+          </p:nvPr>
+        </p:nvSpPr>
+        <p:spPr/>
+        <p:txBody>
+          <a:bodyPr/>
+          <a:lstStyle/>
+          <a:p>
+            <a:fld id="{3539985C-6B1E-BE4B-8B6E-1AD097E07E34}" type="slidenum">
+              <a:rPr lang="en-US" smtClean="0"/>
+              <a:t>11</a:t>
+            </a:fld>
+            <a:endParaRPr lang="en-US"/>
+          </a:p>
+        </p:txBody>
+      </p:sp>
+    </p:spTree>
+    <p:extLst>
+      <p:ext uri="{BB962C8B-B14F-4D97-AF65-F5344CB8AC3E}">
+        <p14:creationId xmlns:p14="http://schemas.microsoft.com/office/powerpoint/2010/main" val="1822270650"/>
+      </p:ext>
+    </p:extLst>
+  </p:cSld>
+  <p:clrMapOvr>
+    <a:masterClrMapping/>
+  </p:clrMapOvr>
+</p:notes>
+</file>
+
+<file path=ppt/notesSlides/notesSlide8.xml><?xml version="1.0" encoding="utf-8"?>
+<p:notes xmlns:a="http://schemas.openxmlformats.org/drawingml/2006/main" xmlns:r="http://schemas.openxmlformats.org/officeDocument/2006/relationships" xmlns:p="http://schemas.openxmlformats.org/presentationml/2006/main">
+  <p:cSld>
+    <p:spTree>
+      <p:nvGrpSpPr>
+        <p:cNvPr id="1" name=""/>
+        <p:cNvGrpSpPr/>
+        <p:nvPr/>
+      </p:nvGrpSpPr>
+      <p:grpSpPr>
+        <a:xfrm>
+          <a:off x="0" y="0"/>
+          <a:ext cx="0" cy="0"/>
+          <a:chOff x="0" y="0"/>
+          <a:chExt cx="0" cy="0"/>
+        </a:xfrm>
+      </p:grpSpPr>
+      <p:sp>
+        <p:nvSpPr>
+          <p:cNvPr id="2" name="Slide Image Placeholder 1"/>
+          <p:cNvSpPr>
+            <a:spLocks noGrp="1" noRot="1" noChangeAspect="1"/>
+          </p:cNvSpPr>
+          <p:nvPr>
+            <p:ph type="sldImg"/>
+          </p:nvPr>
+        </p:nvSpPr>
+        <p:spPr/>
+      </p:sp>
+      <p:sp>
+        <p:nvSpPr>
+          <p:cNvPr id="3" name="Notes Placeholder 2"/>
+          <p:cNvSpPr>
+            <a:spLocks noGrp="1"/>
+          </p:cNvSpPr>
+          <p:nvPr>
+            <p:ph type="body" idx="1"/>
+          </p:nvPr>
+        </p:nvSpPr>
+        <p:spPr/>
+        <p:txBody>
+          <a:bodyPr/>
+          <a:lstStyle/>
+          <a:p>
+            <a:endParaRPr lang="en-US" dirty="0"/>
+          </a:p>
+        </p:txBody>
+      </p:sp>
+      <p:sp>
+        <p:nvSpPr>
+          <p:cNvPr id="4" name="Slide Number Placeholder 3"/>
+          <p:cNvSpPr>
+            <a:spLocks noGrp="1"/>
+          </p:cNvSpPr>
+          <p:nvPr>
+            <p:ph type="sldNum" sz="quarter" idx="10"/>
+          </p:nvPr>
+        </p:nvSpPr>
+        <p:spPr/>
+        <p:txBody>
+          <a:bodyPr/>
+          <a:lstStyle/>
+          <a:p>
+            <a:fld id="{3539985C-6B1E-BE4B-8B6E-1AD097E07E34}" type="slidenum">
+              <a:rPr lang="en-US" smtClean="0"/>
+              <a:t>12</a:t>
+            </a:fld>
+            <a:endParaRPr lang="en-US"/>
+          </a:p>
+        </p:txBody>
+      </p:sp>
+    </p:spTree>
+    <p:extLst>
+      <p:ext uri="{BB962C8B-B14F-4D97-AF65-F5344CB8AC3E}">
+        <p14:creationId xmlns:p14="http://schemas.microsoft.com/office/powerpoint/2010/main" val="571100613"/>
+      </p:ext>
+    </p:extLst>
+  </p:cSld>
+  <p:clrMapOvr>
+    <a:masterClrMapping/>
+  </p:clrMapOvr>
+</p:notes>
+</file>
+
+<file path=ppt/notesSlides/notesSlide9.xml><?xml version="1.0" encoding="utf-8"?>
+<p:notes xmlns:a="http://schemas.openxmlformats.org/drawingml/2006/main" xmlns:r="http://schemas.openxmlformats.org/officeDocument/2006/relationships" xmlns:p="http://schemas.openxmlformats.org/presentationml/2006/main">
+  <p:cSld>
+    <p:spTree>
+      <p:nvGrpSpPr>
+        <p:cNvPr id="1" name=""/>
+        <p:cNvGrpSpPr/>
+        <p:nvPr/>
+      </p:nvGrpSpPr>
+      <p:grpSpPr>
+        <a:xfrm>
+          <a:off x="0" y="0"/>
+          <a:ext cx="0" cy="0"/>
+          <a:chOff x="0" y="0"/>
+          <a:chExt cx="0" cy="0"/>
+        </a:xfrm>
+      </p:grpSpPr>
+      <p:sp>
+        <p:nvSpPr>
+          <p:cNvPr id="2" name="Slide Image Placeholder 1"/>
+          <p:cNvSpPr>
+            <a:spLocks noGrp="1" noRot="1" noChangeAspect="1"/>
+          </p:cNvSpPr>
+          <p:nvPr>
+            <p:ph type="sldImg"/>
+          </p:nvPr>
+        </p:nvSpPr>
+        <p:spPr/>
+      </p:sp>
+      <p:sp>
+        <p:nvSpPr>
+          <p:cNvPr id="3" name="Notes Placeholder 2"/>
+          <p:cNvSpPr>
+            <a:spLocks noGrp="1"/>
+          </p:cNvSpPr>
+          <p:nvPr>
+            <p:ph type="body" idx="1"/>
+          </p:nvPr>
+        </p:nvSpPr>
+        <p:spPr/>
+        <p:txBody>
+          <a:bodyPr/>
+          <a:lstStyle/>
+          <a:p>
+            <a:endParaRPr lang="en-US" dirty="0"/>
+          </a:p>
+        </p:txBody>
+      </p:sp>
+      <p:sp>
+        <p:nvSpPr>
+          <p:cNvPr id="4" name="Slide Number Placeholder 3"/>
+          <p:cNvSpPr>
+            <a:spLocks noGrp="1"/>
+          </p:cNvSpPr>
+          <p:nvPr>
+            <p:ph type="sldNum" sz="quarter" idx="10"/>
+          </p:nvPr>
+        </p:nvSpPr>
+        <p:spPr/>
+        <p:txBody>
+          <a:bodyPr/>
+          <a:lstStyle/>
+          <a:p>
+            <a:fld id="{3539985C-6B1E-BE4B-8B6E-1AD097E07E34}" type="slidenum">
+              <a:rPr lang="en-US" smtClean="0"/>
+              <a:t>13</a:t>
+            </a:fld>
+            <a:endParaRPr lang="en-US"/>
+          </a:p>
+        </p:txBody>
+      </p:sp>
+    </p:spTree>
+    <p:extLst>
+      <p:ext uri="{BB962C8B-B14F-4D97-AF65-F5344CB8AC3E}">
+        <p14:creationId xmlns:p14="http://schemas.microsoft.com/office/powerpoint/2010/main" val="1288284277"/>
       </p:ext>
     </p:extLst>
   </p:cSld>
@@ -3800,13 +4565,25 @@
           <a:p>
             <a:r>
               <a:rPr lang="en-US" dirty="0" smtClean="0"/>
-              <a:t>Week 10 L1: Unsupervised Learning</a:t>
-            </a:r>
-          </a:p>
-          <a:p>
-            <a:r>
-              <a:rPr lang="en-US" dirty="0" smtClean="0"/>
-              <a:t>March 6, 2017</a:t>
+              <a:t>SVM &amp; Unsupervised </a:t>
+            </a:r>
+            <a:r>
+              <a:rPr lang="en-US" dirty="0" smtClean="0"/>
+              <a:t>Learning</a:t>
+            </a:r>
+          </a:p>
+          <a:p>
+            <a:r>
+              <a:rPr lang="en-US" dirty="0" smtClean="0"/>
+              <a:t>March </a:t>
+            </a:r>
+            <a:r>
+              <a:rPr lang="en-US" dirty="0" smtClean="0"/>
+              <a:t>1, </a:t>
+            </a:r>
+            <a:r>
+              <a:rPr lang="en-US" dirty="0" smtClean="0"/>
+              <a:t>2017</a:t>
             </a:r>
           </a:p>
         </p:txBody>
@@ -3865,15 +4642,7 @@
           <a:p>
             <a:r>
               <a:rPr lang="en-US" dirty="0" smtClean="0"/>
-              <a:t>The 2</a:t>
-            </a:r>
-            <a:r>
-              <a:rPr lang="en-US" baseline="30000" dirty="0" smtClean="0"/>
-              <a:t>nd</a:t>
-            </a:r>
-            <a:r>
-              <a:rPr lang="en-US" dirty="0" smtClean="0"/>
-              <a:t> principal component</a:t>
+              <a:t>Support vector machine (SVM)</a:t>
             </a:r>
             <a:endParaRPr lang="en-US" dirty="0"/>
           </a:p>
@@ -3889,111 +4658,25 @@
             <p:ph type="body" sz="quarter" idx="11"/>
           </p:nvPr>
         </p:nvSpPr>
-        <p:spPr/>
+        <p:spPr>
+          <a:xfrm>
+            <a:off x="492996" y="1726998"/>
+            <a:ext cx="8659793" cy="4722440"/>
+          </a:xfrm>
+        </p:spPr>
         <p:txBody>
           <a:bodyPr/>
           <a:lstStyle/>
           <a:p>
-            <a:r>
-              <a:rPr lang="en-US" dirty="0" smtClean="0"/>
-              <a:t>But what if there are other variables that help describe the variance in our observables? </a:t>
-            </a:r>
-          </a:p>
-          <a:p>
-            <a:r>
-              <a:rPr lang="en-US" dirty="0" smtClean="0"/>
-              <a:t>The 2</a:t>
-            </a:r>
-            <a:r>
-              <a:rPr lang="en-US" baseline="30000" dirty="0" smtClean="0"/>
-              <a:t>nd</a:t>
-            </a:r>
-            <a:r>
-              <a:rPr lang="en-US" dirty="0" smtClean="0"/>
-              <a:t> PC </a:t>
-            </a:r>
-            <a:r>
-              <a:rPr lang="en-US" dirty="0"/>
-              <a:t>(</a:t>
-            </a:r>
-            <a:r>
-              <a:rPr lang="en-US" i="1" dirty="0" smtClean="0">
-                <a:latin typeface="times new roman" charset="0"/>
-              </a:rPr>
-              <a:t>Z</a:t>
-            </a:r>
-            <a:r>
-              <a:rPr lang="en-US" i="1" baseline="-25000" dirty="0" smtClean="0">
-                <a:latin typeface="times new roman" charset="0"/>
-              </a:rPr>
-              <a:t>2</a:t>
-            </a:r>
-            <a:r>
-              <a:rPr lang="en-US" dirty="0" smtClean="0"/>
-              <a:t>) is the linear combination of </a:t>
-            </a:r>
-            <a:r>
-              <a:rPr lang="en-US" dirty="0" smtClean="0">
-                <a:latin typeface="symbol" charset="2"/>
-              </a:rPr>
-              <a:t>f</a:t>
-            </a:r>
-            <a:r>
-              <a:rPr lang="en-US" sz="2000" baseline="-25000" dirty="0" smtClean="0">
-                <a:latin typeface="open sans" charset="0"/>
-              </a:rPr>
-              <a:t>j2</a:t>
-            </a:r>
-            <a:r>
-              <a:rPr lang="en-US" dirty="0" smtClean="0"/>
-              <a:t>X</a:t>
-            </a:r>
-            <a:r>
-              <a:rPr lang="en-US" baseline="-25000" dirty="0" smtClean="0"/>
-              <a:t>j</a:t>
-            </a:r>
-            <a:r>
-              <a:rPr lang="en-US" dirty="0" smtClean="0"/>
-              <a:t> that has maximum variance: </a:t>
-            </a:r>
-            <a:r>
-              <a:rPr lang="en-US" b="0" dirty="0" smtClean="0"/>
-              <a:t>must be orthogonal, or totally uncorrelated to </a:t>
-            </a:r>
-            <a:r>
-              <a:rPr lang="en-US" b="0" i="1" dirty="0" smtClean="0">
-                <a:latin typeface="times new roman" charset="0"/>
-              </a:rPr>
-              <a:t>Z</a:t>
-            </a:r>
-            <a:r>
-              <a:rPr lang="en-US" b="0" i="1" baseline="-25000" dirty="0" smtClean="0">
-                <a:latin typeface="times new roman" charset="0"/>
-              </a:rPr>
-              <a:t>1 </a:t>
-            </a:r>
-            <a:endParaRPr lang="en-US" dirty="0" smtClean="0"/>
-          </a:p>
-          <a:p>
-            <a:endParaRPr lang="en-US" dirty="0" smtClean="0"/>
-          </a:p>
-          <a:p>
-            <a:endParaRPr lang="en-US" dirty="0" smtClean="0"/>
-          </a:p>
-          <a:p>
-            <a:r>
-              <a:rPr lang="en-US" dirty="0" smtClean="0"/>
-              <a:t>The orthogonality of the 2</a:t>
-            </a:r>
-            <a:r>
-              <a:rPr lang="en-US" baseline="30000" dirty="0" smtClean="0"/>
-              <a:t>nd</a:t>
-            </a:r>
-            <a:r>
-              <a:rPr lang="en-US" dirty="0" smtClean="0"/>
-              <a:t> PC comes in as an additional constraint </a:t>
-            </a:r>
-            <a:endParaRPr lang="en-US" b="0" dirty="0"/>
+            <a:pPr defTabSz="914400">
+              <a:spcBef>
+                <a:spcPts val="0"/>
+              </a:spcBef>
+            </a:pPr>
+            <a:r>
+              <a:rPr lang="en-US" sz="2000" dirty="0" smtClean="0"/>
+              <a:t>Example effect of C</a:t>
+            </a:r>
           </a:p>
         </p:txBody>
       </p:sp>
@@ -4006,25 +4689,253 @@
           <p:nvPr/>
         </p:nvPicPr>
         <p:blipFill>
-          <a:blip r:embed="rId2"/>
+          <a:blip r:embed="rId3"/>
           <a:stretch>
             <a:fillRect/>
           </a:stretch>
         </p:blipFill>
         <p:spPr>
           <a:xfrm>
-            <a:off x="965544" y="3803515"/>
-            <a:ext cx="8178456" cy="658373"/>
+            <a:off x="3302000" y="190152"/>
+            <a:ext cx="5842000" cy="6604000"/>
           </a:xfrm>
           <a:prstGeom prst="rect">
             <a:avLst/>
           </a:prstGeom>
         </p:spPr>
       </p:pic>
+      <p:sp>
+        <p:nvSpPr>
+          <p:cNvPr id="7" name="TextBox 6"/>
+          <p:cNvSpPr txBox="1"/>
+          <p:nvPr/>
+        </p:nvSpPr>
+        <p:spPr>
+          <a:xfrm>
+            <a:off x="927902" y="3400267"/>
+            <a:ext cx="2631688" cy="646331"/>
+          </a:xfrm>
+          <a:prstGeom prst="rect">
+            <a:avLst/>
+          </a:prstGeom>
+          <a:noFill/>
+        </p:spPr>
+        <p:txBody>
+          <a:bodyPr wrap="square" rtlCol="0">
+            <a:spAutoFit/>
+          </a:bodyPr>
+          <a:lstStyle/>
+          <a:p>
+            <a:r>
+              <a:rPr lang="en-US" dirty="0" smtClean="0"/>
+              <a:t>This is called a support vector classifier (SVC).</a:t>
+            </a:r>
+            <a:endParaRPr lang="en-US" dirty="0"/>
+          </a:p>
+        </p:txBody>
+      </p:sp>
+      <p:sp>
+        <p:nvSpPr>
+          <p:cNvPr id="8" name="Rectangle 7"/>
+          <p:cNvSpPr/>
+          <p:nvPr/>
+        </p:nvSpPr>
+        <p:spPr>
+          <a:xfrm>
+            <a:off x="1016000" y="5698465"/>
+            <a:ext cx="7840419" cy="923330"/>
+          </a:xfrm>
+          <a:prstGeom prst="rect">
+            <a:avLst/>
+          </a:prstGeom>
+          <a:solidFill>
+            <a:schemeClr val="bg2"/>
+          </a:solidFill>
+        </p:spPr>
+        <p:txBody>
+          <a:bodyPr wrap="square">
+            <a:spAutoFit/>
+          </a:bodyPr>
+          <a:lstStyle/>
+          <a:p>
+            <a:r>
+              <a:rPr lang="en-US" i="1" dirty="0"/>
+              <a:t>class </a:t>
+            </a:r>
+            <a:r>
+              <a:rPr lang="en-US" dirty="0" err="1"/>
+              <a:t>sklearn.svm.LinearSVC</a:t>
+            </a:r>
+            <a:r>
+              <a:rPr lang="en-US" dirty="0"/>
+              <a:t>(</a:t>
+            </a:r>
+            <a:r>
+              <a:rPr lang="en-US" i="1" dirty="0"/>
+              <a:t>penalty=’l2’</a:t>
+            </a:r>
+            <a:r>
+              <a:rPr lang="en-US" dirty="0"/>
+              <a:t>, </a:t>
+            </a:r>
+            <a:r>
+              <a:rPr lang="en-US" i="1" dirty="0"/>
+              <a:t>loss=’</a:t>
+            </a:r>
+            <a:r>
+              <a:rPr lang="en-US" i="1" dirty="0" err="1"/>
+              <a:t>squared_hinge</a:t>
+            </a:r>
+            <a:r>
+              <a:rPr lang="en-US" i="1" dirty="0"/>
+              <a:t>’</a:t>
+            </a:r>
+            <a:r>
+              <a:rPr lang="en-US" dirty="0"/>
+              <a:t>, </a:t>
+            </a:r>
+            <a:r>
+              <a:rPr lang="en-US" i="1" dirty="0"/>
+              <a:t>dual=True</a:t>
+            </a:r>
+            <a:r>
+              <a:rPr lang="en-US" dirty="0"/>
+              <a:t>, </a:t>
+            </a:r>
+            <a:r>
+              <a:rPr lang="en-US" i="1" dirty="0" err="1"/>
+              <a:t>tol</a:t>
+            </a:r>
+            <a:r>
+              <a:rPr lang="en-US" i="1" dirty="0"/>
+              <a:t>=0.0001</a:t>
+            </a:r>
+            <a:r>
+              <a:rPr lang="en-US" dirty="0"/>
+              <a:t>, </a:t>
+            </a:r>
+            <a:r>
+              <a:rPr lang="en-US" i="1" dirty="0"/>
+              <a:t>C=1.0</a:t>
+            </a:r>
+            <a:r>
+              <a:rPr lang="en-US" dirty="0"/>
+              <a:t>, </a:t>
+            </a:r>
+            <a:r>
+              <a:rPr lang="en-US" i="1" dirty="0" err="1"/>
+              <a:t>multi_class</a:t>
+            </a:r>
+            <a:r>
+              <a:rPr lang="en-US" i="1" dirty="0"/>
+              <a:t>=’</a:t>
+            </a:r>
+            <a:r>
+              <a:rPr lang="en-US" i="1" dirty="0" err="1"/>
+              <a:t>ovr</a:t>
+            </a:r>
+            <a:r>
+              <a:rPr lang="en-US" i="1" dirty="0"/>
+              <a:t>’</a:t>
+            </a:r>
+            <a:r>
+              <a:rPr lang="en-US" dirty="0"/>
+              <a:t>, </a:t>
+            </a:r>
+            <a:r>
+              <a:rPr lang="en-US" i="1" dirty="0" err="1"/>
+              <a:t>fit_intercept</a:t>
+            </a:r>
+            <a:r>
+              <a:rPr lang="en-US" i="1" dirty="0"/>
+              <a:t>=True</a:t>
+            </a:r>
+            <a:r>
+              <a:rPr lang="en-US" dirty="0"/>
+              <a:t>, </a:t>
+            </a:r>
+            <a:r>
+              <a:rPr lang="en-US" i="1" dirty="0" err="1"/>
+              <a:t>intercept_scaling</a:t>
+            </a:r>
+            <a:r>
+              <a:rPr lang="en-US" i="1" dirty="0"/>
+              <a:t>=1</a:t>
+            </a:r>
+            <a:r>
+              <a:rPr lang="en-US" dirty="0"/>
+              <a:t>, </a:t>
+            </a:r>
+            <a:r>
+              <a:rPr lang="en-US" i="1" dirty="0" err="1"/>
+              <a:t>class_weight</a:t>
+            </a:r>
+            <a:r>
+              <a:rPr lang="en-US" i="1" dirty="0"/>
+              <a:t>=None</a:t>
+            </a:r>
+            <a:r>
+              <a:rPr lang="en-US" dirty="0"/>
+              <a:t>, </a:t>
+            </a:r>
+            <a:r>
+              <a:rPr lang="en-US" i="1" dirty="0"/>
+              <a:t>verbose=0</a:t>
+            </a:r>
+            <a:r>
+              <a:rPr lang="en-US" dirty="0"/>
+              <a:t>, </a:t>
+            </a:r>
+            <a:r>
+              <a:rPr lang="en-US" i="1" dirty="0" err="1"/>
+              <a:t>random_state</a:t>
+            </a:r>
+            <a:r>
+              <a:rPr lang="en-US" i="1" dirty="0"/>
+              <a:t>=None</a:t>
+            </a:r>
+            <a:r>
+              <a:rPr lang="en-US" dirty="0"/>
+              <a:t>, </a:t>
+            </a:r>
+            <a:r>
+              <a:rPr lang="en-US" i="1" dirty="0" err="1"/>
+              <a:t>max_iter</a:t>
+            </a:r>
+            <a:r>
+              <a:rPr lang="en-US" i="1" dirty="0"/>
+              <a:t>=1000</a:t>
+            </a:r>
+            <a:r>
+              <a:rPr lang="en-US" dirty="0"/>
+              <a:t>)</a:t>
+            </a:r>
+            <a:r>
+              <a:rPr lang="en-US" dirty="0">
+                <a:solidFill>
+                  <a:srgbClr val="2878A2"/>
+                </a:solidFill>
+                <a:hlinkClick r:id="rId4"/>
+              </a:rPr>
+              <a:t>[source]</a:t>
+            </a:r>
+            <a:r>
+              <a:rPr lang="en-US" dirty="0">
+                <a:solidFill>
+                  <a:srgbClr val="C60F0F"/>
+                </a:solidFill>
+                <a:hlinkClick r:id="rId5" tooltip="Permalink to this definition"/>
+              </a:rPr>
+              <a:t>¶</a:t>
+            </a:r>
+            <a:endParaRPr lang="en-US" dirty="0"/>
+          </a:p>
+        </p:txBody>
+      </p:sp>
     </p:spTree>
     <p:extLst>
       <p:ext uri="{BB962C8B-B14F-4D97-AF65-F5344CB8AC3E}">
-        <p14:creationId xmlns:p14="http://schemas.microsoft.com/office/powerpoint/2010/main" val="1004616797"/>
+        <p14:creationId xmlns:p14="http://schemas.microsoft.com/office/powerpoint/2010/main" val="2075545961"/>
       </p:ext>
     </p:extLst>
   </p:cSld>
@@ -4034,9 +4945,80 @@
   <p:timing>
     <p:tnLst>
       <p:par>
-        <p:cTn id="1" dur="indefinite" restart="never" nodeType="tmRoot"/>
+        <p:cTn id="1" dur="indefinite" restart="never" nodeType="tmRoot">
+          <p:childTnLst>
+            <p:seq concurrent="1" nextAc="seek">
+              <p:cTn id="2" dur="indefinite" nodeType="mainSeq">
+                <p:childTnLst>
+                  <p:par>
+                    <p:cTn id="3" fill="hold">
+                      <p:stCondLst>
+                        <p:cond delay="indefinite"/>
+                      </p:stCondLst>
+                      <p:childTnLst>
+                        <p:par>
+                          <p:cTn id="4" fill="hold">
+                            <p:stCondLst>
+                              <p:cond delay="0"/>
+                            </p:stCondLst>
+                            <p:childTnLst>
+                              <p:par>
+                                <p:cTn id="5" presetID="1" presetClass="entr" presetSubtype="0" fill="hold" grpId="0" nodeType="clickEffect">
+                                  <p:stCondLst>
+                                    <p:cond delay="0"/>
+                                  </p:stCondLst>
+                                  <p:childTnLst>
+                                    <p:set>
+                                      <p:cBhvr>
+                                        <p:cTn id="6" dur="1" fill="hold">
+                                          <p:stCondLst>
+                                            <p:cond delay="0"/>
+                                          </p:stCondLst>
+                                        </p:cTn>
+                                        <p:tgtEl>
+                                          <p:spTgt spid="8"/>
+                                        </p:tgtEl>
+                                        <p:attrNameLst>
+                                          <p:attrName>style.visibility</p:attrName>
+                                        </p:attrNameLst>
+                                      </p:cBhvr>
+                                      <p:to>
+                                        <p:strVal val="visible"/>
+                                      </p:to>
+                                    </p:set>
+                                  </p:childTnLst>
+                                </p:cTn>
+                              </p:par>
+                            </p:childTnLst>
+                          </p:cTn>
+                        </p:par>
+                      </p:childTnLst>
+                    </p:cTn>
+                  </p:par>
+                </p:childTnLst>
+              </p:cTn>
+              <p:prevCondLst>
+                <p:cond evt="onPrev" delay="0">
+                  <p:tgtEl>
+                    <p:sldTgt/>
+                  </p:tgtEl>
+                </p:cond>
+              </p:prevCondLst>
+              <p:nextCondLst>
+                <p:cond evt="onNext" delay="0">
+                  <p:tgtEl>
+                    <p:sldTgt/>
+                  </p:tgtEl>
+                </p:cond>
+              </p:nextCondLst>
+            </p:seq>
+          </p:childTnLst>
+        </p:cTn>
       </p:par>
     </p:tnLst>
+    <p:bldLst>
+      <p:bldP spid="8" grpId="0" animBg="1"/>
+    </p:bldLst>
   </p:timing>
 </p:sld>
 </file>
@@ -4075,7 +5057,7 @@
           <a:p>
             <a:r>
               <a:rPr lang="en-US" dirty="0" smtClean="0"/>
-              <a:t>PCA summary </a:t>
+              <a:t>Support vector machine (SVM)</a:t>
             </a:r>
             <a:endParaRPr lang="en-US" dirty="0"/>
           </a:p>
@@ -4091,37 +5073,43 @@
             <p:ph type="body" sz="quarter" idx="11"/>
           </p:nvPr>
         </p:nvSpPr>
-        <p:spPr/>
+        <p:spPr>
+          <a:xfrm>
+            <a:off x="492996" y="1726998"/>
+            <a:ext cx="8659793" cy="4015497"/>
+          </a:xfrm>
+        </p:spPr>
         <p:txBody>
           <a:bodyPr/>
           <a:lstStyle/>
           <a:p>
             <a:r>
               <a:rPr lang="en-US" dirty="0" smtClean="0"/>
-              <a:t>There are many principal components, they are usually determined through </a:t>
-            </a:r>
-            <a:r>
-              <a:rPr lang="en-US" dirty="0" err="1" smtClean="0"/>
-              <a:t>eigen</a:t>
-            </a:r>
-            <a:r>
-              <a:rPr lang="en-US" dirty="0" smtClean="0"/>
-              <a:t> decomposition of the covariance matrix of X  </a:t>
-            </a:r>
-          </a:p>
-          <a:p>
-            <a:r>
-              <a:rPr lang="en-US" dirty="0" smtClean="0"/>
-              <a:t>The eigenvalues, when ordered, often display a </a:t>
-            </a:r>
-            <a:r>
-              <a:rPr lang="en-US" b="0" dirty="0" smtClean="0"/>
-              <a:t>spectral gap</a:t>
-            </a:r>
-            <a:r>
-              <a:rPr lang="en-US" dirty="0" smtClean="0"/>
-              <a:t>, which can be useful in determining which set are the more useful to focus on</a:t>
-            </a:r>
+              <a:t>What happens when a linear boundary does not suffice?</a:t>
+            </a:r>
+            <a:endParaRPr lang="en-US" dirty="0" smtClean="0"/>
+          </a:p>
+          <a:p>
+            <a:endParaRPr lang="en-US" sz="1800" dirty="0" smtClean="0"/>
+          </a:p>
+          <a:p>
+            <a:endParaRPr lang="en-US" sz="1800" dirty="0"/>
+          </a:p>
+          <a:p>
+            <a:endParaRPr lang="en-US" sz="1800" dirty="0" smtClean="0"/>
+          </a:p>
+          <a:p>
+            <a:endParaRPr lang="en-US" sz="1800" dirty="0"/>
+          </a:p>
+          <a:p>
+            <a:pPr marL="0" indent="0">
+              <a:buNone/>
+            </a:pPr>
+            <a:r>
+              <a:rPr lang="en-US" sz="2800" dirty="0" smtClean="0"/>
+              <a:t>Data from figs 9.8/9.9</a:t>
+            </a:r>
+            <a:endParaRPr lang="en-US" sz="2800" dirty="0"/>
           </a:p>
         </p:txBody>
       </p:sp>
@@ -4134,15 +5122,15 @@
           <p:nvPr/>
         </p:nvPicPr>
         <p:blipFill>
-          <a:blip r:embed="rId2"/>
+          <a:blip r:embed="rId3"/>
           <a:stretch>
             <a:fillRect/>
           </a:stretch>
         </p:blipFill>
         <p:spPr>
           <a:xfrm>
-            <a:off x="5386604" y="4231532"/>
-            <a:ext cx="3757395" cy="2779138"/>
+            <a:off x="0" y="4478056"/>
+            <a:ext cx="4822893" cy="2378922"/>
           </a:xfrm>
           <a:prstGeom prst="rect">
             <a:avLst/>
@@ -4151,14 +5139,14 @@
       </p:pic>
       <p:sp>
         <p:nvSpPr>
-          <p:cNvPr id="5" name="TextBox 4"/>
+          <p:cNvPr id="6" name="TextBox 5"/>
           <p:cNvSpPr txBox="1"/>
           <p:nvPr/>
         </p:nvSpPr>
         <p:spPr>
           <a:xfrm>
-            <a:off x="603115" y="6235430"/>
-            <a:ext cx="2611099" cy="369332"/>
+            <a:off x="330416" y="4104839"/>
+            <a:ext cx="1898918" cy="369332"/>
           </a:xfrm>
           <a:prstGeom prst="rect">
             <a:avLst/>
@@ -4173,7 +5161,37 @@
           <a:p>
             <a:r>
               <a:rPr lang="en-US" dirty="0" smtClean="0"/>
-              <a:t>Random internet picture: </a:t>
+              <a:t>2 features, 2 class </a:t>
+            </a:r>
+            <a:endParaRPr lang="en-US" dirty="0"/>
+          </a:p>
+        </p:txBody>
+      </p:sp>
+      <p:sp>
+        <p:nvSpPr>
+          <p:cNvPr id="7" name="TextBox 6"/>
+          <p:cNvSpPr txBox="1"/>
+          <p:nvPr/>
+        </p:nvSpPr>
+        <p:spPr>
+          <a:xfrm>
+            <a:off x="2665493" y="4104839"/>
+            <a:ext cx="1721240" cy="369332"/>
+          </a:xfrm>
+          <a:prstGeom prst="rect">
+            <a:avLst/>
+          </a:prstGeom>
+          <a:noFill/>
+        </p:spPr>
+        <p:txBody>
+          <a:bodyPr wrap="none" rtlCol="0">
+            <a:spAutoFit/>
+          </a:bodyPr>
+          <a:lstStyle/>
+          <a:p>
+            <a:r>
+              <a:rPr lang="en-US" smtClean="0"/>
+              <a:t>Linear boundary</a:t>
             </a:r>
             <a:endParaRPr lang="en-US" dirty="0"/>
           </a:p>
@@ -4182,7 +5200,7 @@
     </p:spTree>
     <p:extLst>
       <p:ext uri="{BB962C8B-B14F-4D97-AF65-F5344CB8AC3E}">
-        <p14:creationId xmlns:p14="http://schemas.microsoft.com/office/powerpoint/2010/main" val="2029519704"/>
+        <p14:creationId xmlns:p14="http://schemas.microsoft.com/office/powerpoint/2010/main" val="2025440921"/>
       </p:ext>
     </p:extLst>
   </p:cSld>
@@ -4233,374 +5251,188 @@
           <a:p>
             <a:r>
               <a:rPr lang="en-US" dirty="0" smtClean="0"/>
-              <a:t>PCA analysis results may depend on the scale of X</a:t>
-            </a:r>
-            <a:r>
-              <a:rPr lang="en-US" baseline="-25000" dirty="0" smtClean="0"/>
-              <a:t>i</a:t>
-            </a:r>
-            <a:r>
-              <a:rPr lang="en-US" dirty="0" smtClean="0"/>
-              <a:t>!</a:t>
+              <a:t>Support vector machine (SVM)</a:t>
             </a:r>
             <a:endParaRPr lang="en-US" dirty="0"/>
           </a:p>
         </p:txBody>
       </p:sp>
-      <mc:AlternateContent xmlns:mc="http://schemas.openxmlformats.org/markup-compatibility/2006" xmlns:a14="http://schemas.microsoft.com/office/drawing/2010/main">
-        <mc:Choice Requires="a14">
-          <p:sp>
-            <p:nvSpPr>
-              <p:cNvPr id="3" name="Text Placeholder 2"/>
-              <p:cNvSpPr>
-                <a:spLocks noGrp="1"/>
-              </p:cNvSpPr>
-              <p:nvPr>
-                <p:ph type="body" sz="quarter" idx="11"/>
-              </p:nvPr>
-            </p:nvSpPr>
-            <p:spPr/>
-            <p:txBody>
-              <a:bodyPr/>
-              <a:lstStyle/>
-              <a:p>
-                <a:r>
-                  <a:rPr lang="en-US" dirty="0" smtClean="0"/>
-                  <a:t>As in Ridge and LASSO regression, the ultimate answer of your PCA analysis is not </a:t>
-                </a:r>
-                <a:r>
-                  <a:rPr lang="en-US" b="0" dirty="0" smtClean="0"/>
-                  <a:t>scale invariant</a:t>
-                </a:r>
-                <a:r>
-                  <a:rPr lang="en-US" dirty="0" smtClean="0"/>
-                  <a:t>!   </a:t>
-                </a:r>
-              </a:p>
-              <a:p>
-                <a:r>
-                  <a:rPr lang="en-US" dirty="0" smtClean="0"/>
-                  <a:t>Prior to conducting PCA you should: </a:t>
-                </a:r>
-              </a:p>
-              <a:p>
-                <a:pPr marL="914400" lvl="1" indent="-457200">
-                  <a:buFont typeface="+mj-lt"/>
-                  <a:buAutoNum type="arabicPeriod"/>
-                </a:pPr>
-                <a:r>
-                  <a:rPr lang="en-US" dirty="0" smtClean="0"/>
-                  <a:t>Set all the means of each X</a:t>
-                </a:r>
-                <a:r>
-                  <a:rPr lang="en-US" baseline="-25000" dirty="0" smtClean="0"/>
-                  <a:t>i</a:t>
-                </a:r>
-                <a:r>
-                  <a:rPr lang="en-US" dirty="0" smtClean="0"/>
-                  <a:t> equal to zero: </a:t>
-                </a:r>
-                <a:r>
-                  <a:rPr lang="en-US" b="0" dirty="0" smtClean="0"/>
-                  <a:t>transformation </a:t>
-                </a:r>
-                <a14:m>
-                  <m:oMath xmlns:m="http://schemas.openxmlformats.org/officeDocument/2006/math">
-                    <m:sSub>
-                      <m:sSubPr>
-                        <m:ctrlPr>
-                          <a:rPr lang="en-US" b="0" i="1" smtClean="0">
-                            <a:latin typeface="Cambria Math" charset="0"/>
-                          </a:rPr>
-                        </m:ctrlPr>
-                      </m:sSubPr>
-                      <m:e>
-                        <m:sSub>
-                          <m:sSubPr>
-                            <m:ctrlPr>
-                              <a:rPr lang="en-US" b="0" i="1" smtClean="0">
-                                <a:latin typeface="Cambria Math" charset="0"/>
-                              </a:rPr>
-                            </m:ctrlPr>
-                          </m:sSubPr>
-                          <m:e>
-                            <m:acc>
-                              <m:accPr>
-                                <m:chr m:val="́"/>
-                                <m:ctrlPr>
-                                  <a:rPr lang="en-US" b="0" i="1" smtClean="0">
-                                    <a:latin typeface="Cambria Math" charset="0"/>
-                                  </a:rPr>
-                                </m:ctrlPr>
-                              </m:accPr>
-                              <m:e>
-                                <m:r>
-                                  <a:rPr lang="en-US" b="0" i="1" smtClean="0">
-                                    <a:latin typeface="Cambria Math" charset="0"/>
-                                  </a:rPr>
-                                  <m:t>𝑋</m:t>
-                                </m:r>
-                              </m:e>
-                            </m:acc>
-                          </m:e>
-                          <m:sub>
-                            <m:r>
-                              <a:rPr lang="en-US" b="0" i="1" smtClean="0">
-                                <a:latin typeface="Cambria Math" charset="0"/>
-                              </a:rPr>
-                              <m:t>𝑖</m:t>
-                            </m:r>
-                          </m:sub>
-                        </m:sSub>
-                        <m:r>
-                          <a:rPr lang="en-US" b="0" i="1" smtClean="0">
-                            <a:latin typeface="Cambria Math" charset="0"/>
-                          </a:rPr>
-                          <m:t>=</m:t>
-                        </m:r>
-                        <m:r>
-                          <a:rPr lang="en-US" b="0" i="1" smtClean="0">
-                            <a:latin typeface="Cambria Math" charset="0"/>
-                          </a:rPr>
-                          <m:t>𝑋</m:t>
-                        </m:r>
-                      </m:e>
-                      <m:sub>
-                        <m:r>
-                          <a:rPr lang="en-US" b="0" i="1" smtClean="0">
-                            <a:latin typeface="Cambria Math" charset="0"/>
-                          </a:rPr>
-                          <m:t>𝑖</m:t>
-                        </m:r>
-                      </m:sub>
-                    </m:sSub>
-                    <m:r>
-                      <a:rPr lang="en-US" b="0" i="1" smtClean="0">
-                        <a:latin typeface="Cambria Math" charset="0"/>
-                      </a:rPr>
-                      <m:t>−</m:t>
-                    </m:r>
-                    <m:acc>
-                      <m:accPr>
-                        <m:chr m:val="̅"/>
-                        <m:ctrlPr>
-                          <a:rPr lang="en-US" b="0" i="1" smtClean="0">
-                            <a:latin typeface="Cambria Math" charset="0"/>
-                          </a:rPr>
-                        </m:ctrlPr>
-                      </m:accPr>
-                      <m:e>
-                        <m:r>
-                          <a:rPr lang="en-US" b="0" i="1" smtClean="0">
-                            <a:latin typeface="Cambria Math" charset="0"/>
-                          </a:rPr>
-                          <m:t>𝑋</m:t>
-                        </m:r>
-                      </m:e>
-                    </m:acc>
-                  </m:oMath>
-                </a14:m>
-                <a:r>
-                  <a:rPr lang="en-US" b="0" dirty="0" smtClean="0"/>
-                  <a:t> </a:t>
-                </a:r>
-              </a:p>
-              <a:p>
-                <a:pPr marL="914400" lvl="1" indent="-457200">
-                  <a:buFont typeface="+mj-lt"/>
-                  <a:buAutoNum type="arabicPeriod"/>
-                </a:pPr>
-                <a:r>
-                  <a:rPr lang="en-US" dirty="0" smtClean="0"/>
-                  <a:t>Set the variance of each </a:t>
-                </a:r>
-                <a:r>
-                  <a:rPr lang="en-US" dirty="0"/>
-                  <a:t>X</a:t>
-                </a:r>
-                <a:r>
-                  <a:rPr lang="en-US" baseline="-25000" dirty="0"/>
-                  <a:t>i</a:t>
-                </a:r>
-                <a:r>
-                  <a:rPr lang="en-US" dirty="0"/>
-                  <a:t> equal to </a:t>
-                </a:r>
-                <a:r>
-                  <a:rPr lang="en-US" dirty="0" smtClean="0"/>
-                  <a:t>one: </a:t>
-                </a:r>
-                <a:r>
-                  <a:rPr lang="en-US" b="0" dirty="0" smtClean="0"/>
-                  <a:t>transformation </a:t>
-                </a:r>
-                <a14:m>
-                  <m:oMath xmlns:m="http://schemas.openxmlformats.org/officeDocument/2006/math">
-                    <m:sSub>
-                      <m:sSubPr>
-                        <m:ctrlPr>
-                          <a:rPr lang="en-US" b="0" i="1">
-                            <a:latin typeface="Cambria Math" charset="0"/>
-                          </a:rPr>
-                        </m:ctrlPr>
-                      </m:sSubPr>
-                      <m:e>
-                        <m:sSub>
-                          <m:sSubPr>
-                            <m:ctrlPr>
-                              <a:rPr lang="en-US" b="0" i="1">
-                                <a:latin typeface="Cambria Math" charset="0"/>
-                              </a:rPr>
-                            </m:ctrlPr>
-                          </m:sSubPr>
-                          <m:e>
-                            <m:acc>
-                              <m:accPr>
-                                <m:chr m:val="́"/>
-                                <m:ctrlPr>
-                                  <a:rPr lang="en-US" b="0" i="1">
-                                    <a:latin typeface="Cambria Math" charset="0"/>
-                                  </a:rPr>
-                                </m:ctrlPr>
-                              </m:accPr>
-                              <m:e>
-                                <m:r>
-                                  <a:rPr lang="en-US" b="0" i="1">
-                                    <a:latin typeface="Cambria Math" charset="0"/>
-                                  </a:rPr>
-                                  <m:t>𝑋</m:t>
-                                </m:r>
-                              </m:e>
-                            </m:acc>
-                          </m:e>
-                          <m:sub>
-                            <m:r>
-                              <a:rPr lang="en-US" b="0" i="1">
-                                <a:latin typeface="Cambria Math" charset="0"/>
-                              </a:rPr>
-                              <m:t>𝑖</m:t>
-                            </m:r>
-                          </m:sub>
-                        </m:sSub>
-                        <m:r>
-                          <a:rPr lang="en-US" b="0" i="1">
-                            <a:latin typeface="Cambria Math" charset="0"/>
-                          </a:rPr>
-                          <m:t>=</m:t>
-                        </m:r>
-                        <m:r>
-                          <a:rPr lang="en-US" b="0" i="1">
-                            <a:latin typeface="Cambria Math" charset="0"/>
-                          </a:rPr>
-                          <m:t>𝑋</m:t>
-                        </m:r>
-                      </m:e>
-                      <m:sub>
-                        <m:r>
-                          <a:rPr lang="en-US" b="0" i="1">
-                            <a:latin typeface="Cambria Math" charset="0"/>
-                          </a:rPr>
-                          <m:t>𝑖</m:t>
-                        </m:r>
-                      </m:sub>
-                    </m:sSub>
-                    <m:r>
-                      <a:rPr lang="en-US" b="0" i="1" smtClean="0">
-                        <a:latin typeface="Cambria Math" charset="0"/>
-                      </a:rPr>
-                      <m:t>/</m:t>
-                    </m:r>
-                    <m:sSub>
-                      <m:sSubPr>
-                        <m:ctrlPr>
-                          <a:rPr lang="en-US" b="0" i="1" smtClean="0">
-                            <a:latin typeface="Cambria Math" charset="0"/>
-                          </a:rPr>
-                        </m:ctrlPr>
-                      </m:sSubPr>
-                      <m:e>
-                        <m:r>
-                          <a:rPr lang="en-US" b="0" i="1" smtClean="0">
-                            <a:latin typeface="Cambria Math" charset="0"/>
-                            <a:ea typeface="Cambria Math" charset="0"/>
-                            <a:cs typeface="Cambria Math" charset="0"/>
-                          </a:rPr>
-                          <m:t>𝜎</m:t>
-                        </m:r>
-                      </m:e>
-                      <m:sub>
-                        <m:r>
-                          <a:rPr lang="en-US" b="0" i="1" smtClean="0">
-                            <a:latin typeface="Cambria Math" charset="0"/>
-                          </a:rPr>
-                          <m:t>𝑖</m:t>
-                        </m:r>
-                      </m:sub>
-                    </m:sSub>
-                  </m:oMath>
-                </a14:m>
-                <a:r>
-                  <a:rPr lang="en-US" b="0" dirty="0" smtClean="0"/>
-                  <a:t> </a:t>
-                </a:r>
-                <a:endParaRPr lang="en-US" dirty="0" smtClean="0"/>
-              </a:p>
-              <a:p>
-                <a:r>
-                  <a:rPr lang="en-US" dirty="0">
-                    <a:sym typeface="Wingdings"/>
-                  </a:rPr>
-                  <a:t>W</a:t>
-                </a:r>
-                <a:r>
-                  <a:rPr lang="en-US" dirty="0" smtClean="0">
-                    <a:sym typeface="Wingdings"/>
-                  </a:rPr>
-                  <a:t>e are looking for variables that explain the variance and don’t want the order of magnitude (or choice of units!) to numerically swamp out an important effect</a:t>
-                </a:r>
-                <a:endParaRPr lang="en-US" dirty="0"/>
-              </a:p>
-            </p:txBody>
-          </p:sp>
-        </mc:Choice>
-        <mc:Fallback xmlns="">
-          <p:sp>
-            <p:nvSpPr>
-              <p:cNvPr id="3" name="Text Placeholder 2"/>
-              <p:cNvSpPr>
-                <a:spLocks noGrp="1" noRot="1" noChangeAspect="1" noMove="1" noResize="1" noEditPoints="1" noAdjustHandles="1" noChangeArrowheads="1" noChangeShapeType="1" noTextEdit="1"/>
-              </p:cNvSpPr>
-              <p:nvPr>
-                <p:ph type="body" sz="quarter" idx="11"/>
-              </p:nvPr>
-            </p:nvSpPr>
-            <p:spPr>
-              <a:blipFill rotWithShape="0">
-                <a:blip r:embed="rId2"/>
-                <a:stretch>
-                  <a:fillRect l="-1115" t="-1366" r="-669" b="-6980"/>
-                </a:stretch>
-              </a:blipFill>
-            </p:spPr>
-            <p:txBody>
-              <a:bodyPr/>
-              <a:lstStyle/>
-              <a:p>
-                <a:r>
-                  <a:rPr lang="en-US">
-                    <a:noFill/>
-                  </a:rPr>
-                  <a:t> </a:t>
-                </a:r>
-              </a:p>
-            </p:txBody>
-          </p:sp>
-        </mc:Fallback>
-      </mc:AlternateContent>
+      <p:sp>
+        <p:nvSpPr>
+          <p:cNvPr id="3" name="Text Placeholder 2"/>
+          <p:cNvSpPr>
+            <a:spLocks noGrp="1"/>
+          </p:cNvSpPr>
+          <p:nvPr>
+            <p:ph type="body" sz="quarter" idx="11"/>
+          </p:nvPr>
+        </p:nvSpPr>
+        <p:spPr>
+          <a:xfrm>
+            <a:off x="492996" y="1726998"/>
+            <a:ext cx="8659793" cy="4015497"/>
+          </a:xfrm>
+        </p:spPr>
+        <p:txBody>
+          <a:bodyPr/>
+          <a:lstStyle/>
+          <a:p>
+            <a:r>
+              <a:rPr lang="en-US" dirty="0" smtClean="0"/>
+              <a:t>We can use the “kernel trick”</a:t>
+            </a:r>
+          </a:p>
+          <a:p>
+            <a:pPr lvl="1"/>
+            <a:r>
+              <a:rPr lang="en-US" sz="1800" dirty="0" smtClean="0"/>
+              <a:t>Use a </a:t>
+            </a:r>
+            <a:r>
+              <a:rPr lang="en-US" sz="1800" b="0" dirty="0" smtClean="0"/>
+              <a:t>kernel</a:t>
+            </a:r>
+            <a:r>
+              <a:rPr lang="en-US" sz="1800" dirty="0" smtClean="0"/>
+              <a:t> function K that transforms the data into a higher dimensional space (i.e. more dimensions than </a:t>
+            </a:r>
+            <a:r>
+              <a:rPr lang="en-US" sz="1800" i="1" dirty="0" smtClean="0"/>
+              <a:t>p</a:t>
+            </a:r>
+            <a:r>
+              <a:rPr lang="en-US" sz="1800" dirty="0" smtClean="0"/>
+              <a:t>)</a:t>
+            </a:r>
+          </a:p>
+          <a:p>
+            <a:pPr lvl="1"/>
+            <a:r>
+              <a:rPr lang="en-US" sz="1800" dirty="0" smtClean="0"/>
+              <a:t>The kernel functions are chosen such that they quantify the similar of two points in the higher dimensional space using only the inner product of the two points</a:t>
+            </a:r>
+          </a:p>
+          <a:p>
+            <a:pPr lvl="1"/>
+            <a:endParaRPr lang="en-US" sz="1800" dirty="0"/>
+          </a:p>
+          <a:p>
+            <a:pPr lvl="1"/>
+            <a:endParaRPr lang="en-US" sz="1800" dirty="0" smtClean="0"/>
+          </a:p>
+          <a:p>
+            <a:pPr lvl="1"/>
+            <a:endParaRPr lang="en-US" sz="1800" dirty="0" smtClean="0"/>
+          </a:p>
+          <a:p>
+            <a:pPr lvl="1"/>
+            <a:r>
+              <a:rPr lang="en-US" sz="1800" dirty="0" smtClean="0"/>
+              <a:t>What kernel is this?</a:t>
+            </a:r>
+            <a:endParaRPr lang="en-US" sz="1800" dirty="0" smtClean="0"/>
+          </a:p>
+          <a:p>
+            <a:pPr lvl="1"/>
+            <a:endParaRPr lang="en-US" sz="1800" dirty="0"/>
+          </a:p>
+          <a:p>
+            <a:pPr lvl="1"/>
+            <a:endParaRPr lang="en-US" sz="1800" dirty="0" smtClean="0"/>
+          </a:p>
+          <a:p>
+            <a:endParaRPr lang="en-US" sz="1800" dirty="0"/>
+          </a:p>
+          <a:p>
+            <a:endParaRPr lang="en-US" sz="1800" dirty="0" smtClean="0"/>
+          </a:p>
+          <a:p>
+            <a:endParaRPr lang="en-US" sz="1800" dirty="0"/>
+          </a:p>
+        </p:txBody>
+      </p:sp>
+      <p:pic>
+        <p:nvPicPr>
+          <p:cNvPr id="10" name="Picture 9"/>
+          <p:cNvPicPr>
+            <a:picLocks noChangeAspect="1"/>
+          </p:cNvPicPr>
+          <p:nvPr/>
+        </p:nvPicPr>
+        <p:blipFill>
+          <a:blip r:embed="rId3"/>
+          <a:stretch>
+            <a:fillRect/>
+          </a:stretch>
+        </p:blipFill>
+        <p:spPr>
+          <a:xfrm>
+            <a:off x="3187700" y="5268168"/>
+            <a:ext cx="2959100" cy="1086252"/>
+          </a:xfrm>
+          <a:prstGeom prst="rect">
+            <a:avLst/>
+          </a:prstGeom>
+        </p:spPr>
+      </p:pic>
+      <p:pic>
+        <p:nvPicPr>
+          <p:cNvPr id="11" name="Picture 10"/>
+          <p:cNvPicPr>
+            <a:picLocks noChangeAspect="1"/>
+          </p:cNvPicPr>
+          <p:nvPr/>
+        </p:nvPicPr>
+        <p:blipFill>
+          <a:blip r:embed="rId4"/>
+          <a:stretch>
+            <a:fillRect/>
+          </a:stretch>
+        </p:blipFill>
+        <p:spPr>
+          <a:xfrm>
+            <a:off x="3819592" y="3600449"/>
+            <a:ext cx="2657408" cy="904257"/>
+          </a:xfrm>
+          <a:prstGeom prst="rect">
+            <a:avLst/>
+          </a:prstGeom>
+        </p:spPr>
+      </p:pic>
+      <p:sp>
+        <p:nvSpPr>
+          <p:cNvPr id="12" name="TextBox 11"/>
+          <p:cNvSpPr txBox="1"/>
+          <p:nvPr/>
+        </p:nvSpPr>
+        <p:spPr>
+          <a:xfrm>
+            <a:off x="6477000" y="3867911"/>
+            <a:ext cx="2138119" cy="369332"/>
+          </a:xfrm>
+          <a:prstGeom prst="rect">
+            <a:avLst/>
+          </a:prstGeom>
+          <a:noFill/>
+        </p:spPr>
+        <p:txBody>
+          <a:bodyPr wrap="square" rtlCol="0">
+            <a:spAutoFit/>
+          </a:bodyPr>
+          <a:lstStyle/>
+          <a:p>
+            <a:r>
+              <a:rPr lang="en-US" smtClean="0"/>
+              <a:t>Inner product</a:t>
+            </a:r>
+            <a:endParaRPr lang="en-US" dirty="0"/>
+          </a:p>
+        </p:txBody>
+      </p:sp>
     </p:spTree>
     <p:extLst>
       <p:ext uri="{BB962C8B-B14F-4D97-AF65-F5344CB8AC3E}">
-        <p14:creationId xmlns:p14="http://schemas.microsoft.com/office/powerpoint/2010/main" val="508934046"/>
+        <p14:creationId xmlns:p14="http://schemas.microsoft.com/office/powerpoint/2010/main" val="1268438226"/>
       </p:ext>
     </p:extLst>
   </p:cSld>
@@ -4651,7 +5483,7 @@
           <a:p>
             <a:r>
               <a:rPr lang="en-US" dirty="0" smtClean="0"/>
-              <a:t>How to use principal components</a:t>
+              <a:t>Support vector machine (SVM)</a:t>
             </a:r>
             <a:endParaRPr lang="en-US" dirty="0"/>
           </a:p>
@@ -4667,32 +5499,231 @@
             <p:ph type="body" sz="quarter" idx="11"/>
           </p:nvPr>
         </p:nvSpPr>
-        <p:spPr/>
+        <p:spPr>
+          <a:xfrm>
+            <a:off x="492996" y="1726998"/>
+            <a:ext cx="8659793" cy="4015497"/>
+          </a:xfrm>
+        </p:spPr>
         <p:txBody>
           <a:bodyPr/>
           <a:lstStyle/>
           <a:p>
             <a:r>
               <a:rPr lang="en-US" dirty="0" smtClean="0"/>
-              <a:t>PCA is usually an “exploratory” method </a:t>
-            </a:r>
-          </a:p>
-          <a:p>
-            <a:endParaRPr lang="en-US" dirty="0" smtClean="0"/>
-          </a:p>
-          <a:p>
-            <a:r>
-              <a:rPr lang="en-US" dirty="0" smtClean="0"/>
-              <a:t>Proportion of variance explained and what this means in practice</a:t>
-            </a:r>
-          </a:p>
-          <a:p>
+              <a:t>A non-linear kernel function turns the SVC into and SVM</a:t>
+            </a:r>
+          </a:p>
+          <a:p>
+            <a:r>
+              <a:rPr lang="en-US" dirty="0" smtClean="0"/>
+              <a:t>More interesting kernels</a:t>
+            </a:r>
+            <a:endParaRPr lang="en-US" sz="1800" dirty="0"/>
+          </a:p>
+        </p:txBody>
+      </p:sp>
+      <p:pic>
+        <p:nvPicPr>
+          <p:cNvPr id="4" name="Picture 3"/>
+          <p:cNvPicPr>
+            <a:picLocks noChangeAspect="1"/>
+          </p:cNvPicPr>
+          <p:nvPr/>
+        </p:nvPicPr>
+        <p:blipFill rotWithShape="1">
+          <a:blip r:embed="rId3"/>
+          <a:srcRect b="87217"/>
+          <a:stretch/>
+        </p:blipFill>
+        <p:spPr>
+          <a:xfrm>
+            <a:off x="1454150" y="2584450"/>
+            <a:ext cx="5143500" cy="709458"/>
+          </a:xfrm>
+          <a:prstGeom prst="rect">
+            <a:avLst/>
+          </a:prstGeom>
+        </p:spPr>
+      </p:pic>
+      <p:pic>
+        <p:nvPicPr>
+          <p:cNvPr id="6" name="Picture 5"/>
+          <p:cNvPicPr>
+            <a:picLocks noChangeAspect="1"/>
+          </p:cNvPicPr>
+          <p:nvPr/>
+        </p:nvPicPr>
+        <p:blipFill rotWithShape="1">
+          <a:blip r:embed="rId3"/>
+          <a:srcRect t="87300"/>
+          <a:stretch/>
+        </p:blipFill>
+        <p:spPr>
+          <a:xfrm>
+            <a:off x="1454150" y="3111546"/>
+            <a:ext cx="5143500" cy="704850"/>
+          </a:xfrm>
+          <a:prstGeom prst="rect">
+            <a:avLst/>
+          </a:prstGeom>
+        </p:spPr>
+      </p:pic>
+      <p:sp>
+        <p:nvSpPr>
+          <p:cNvPr id="13" name="TextBox 12"/>
+          <p:cNvSpPr txBox="1"/>
+          <p:nvPr/>
+        </p:nvSpPr>
+        <p:spPr>
+          <a:xfrm>
+            <a:off x="6350000" y="2754513"/>
+            <a:ext cx="2138119" cy="369332"/>
+          </a:xfrm>
+          <a:prstGeom prst="rect">
+            <a:avLst/>
+          </a:prstGeom>
+          <a:noFill/>
+        </p:spPr>
+        <p:txBody>
+          <a:bodyPr wrap="square" rtlCol="0">
+            <a:spAutoFit/>
+          </a:bodyPr>
+          <a:lstStyle/>
+          <a:p>
+            <a:r>
+              <a:rPr lang="en-US" smtClean="0"/>
+              <a:t>Polynomial kernel</a:t>
+            </a:r>
             <a:endParaRPr lang="en-US" dirty="0"/>
           </a:p>
-          <a:p>
-            <a:r>
-              <a:rPr lang="en-US" dirty="0" smtClean="0"/>
-              <a:t>You could potentially bootstrap your PCA if you have enough data, but take care </a:t>
+        </p:txBody>
+      </p:sp>
+      <p:sp>
+        <p:nvSpPr>
+          <p:cNvPr id="14" name="TextBox 13"/>
+          <p:cNvSpPr txBox="1"/>
+          <p:nvPr/>
+        </p:nvSpPr>
+        <p:spPr>
+          <a:xfrm>
+            <a:off x="6350000" y="3270851"/>
+            <a:ext cx="2138119" cy="369332"/>
+          </a:xfrm>
+          <a:prstGeom prst="rect">
+            <a:avLst/>
+          </a:prstGeom>
+          <a:noFill/>
+        </p:spPr>
+        <p:txBody>
+          <a:bodyPr wrap="square" rtlCol="0">
+            <a:spAutoFit/>
+          </a:bodyPr>
+          <a:lstStyle/>
+          <a:p>
+            <a:r>
+              <a:rPr lang="en-US" dirty="0" smtClean="0"/>
+              <a:t>Radial kernel</a:t>
+            </a:r>
+            <a:endParaRPr lang="en-US" dirty="0"/>
+          </a:p>
+        </p:txBody>
+      </p:sp>
+      <p:pic>
+        <p:nvPicPr>
+          <p:cNvPr id="15" name="Picture 14"/>
+          <p:cNvPicPr>
+            <a:picLocks noChangeAspect="1"/>
+          </p:cNvPicPr>
+          <p:nvPr/>
+        </p:nvPicPr>
+        <p:blipFill>
+          <a:blip r:embed="rId4"/>
+          <a:stretch>
+            <a:fillRect/>
+          </a:stretch>
+        </p:blipFill>
+        <p:spPr>
+          <a:xfrm>
+            <a:off x="2007568" y="4370167"/>
+            <a:ext cx="4685332" cy="2380966"/>
+          </a:xfrm>
+          <a:prstGeom prst="rect">
+            <a:avLst/>
+          </a:prstGeom>
+        </p:spPr>
+      </p:pic>
+      <p:sp>
+        <p:nvSpPr>
+          <p:cNvPr id="16" name="TextBox 15"/>
+          <p:cNvSpPr txBox="1"/>
+          <p:nvPr/>
+        </p:nvSpPr>
+        <p:spPr>
+          <a:xfrm>
+            <a:off x="2501070" y="3859471"/>
+            <a:ext cx="1783758" cy="646331"/>
+          </a:xfrm>
+          <a:prstGeom prst="rect">
+            <a:avLst/>
+          </a:prstGeom>
+          <a:noFill/>
+        </p:spPr>
+        <p:txBody>
+          <a:bodyPr wrap="none" rtlCol="0">
+            <a:spAutoFit/>
+          </a:bodyPr>
+          <a:lstStyle/>
+          <a:p>
+            <a:pPr algn="ctr"/>
+            <a:r>
+              <a:rPr lang="en-US" dirty="0" smtClean="0"/>
+              <a:t>SVM: </a:t>
+            </a:r>
+          </a:p>
+          <a:p>
+            <a:pPr algn="ctr"/>
+            <a:r>
+              <a:rPr lang="en-US" dirty="0" smtClean="0"/>
+              <a:t>curved boundary</a:t>
+            </a:r>
+            <a:endParaRPr lang="en-US" dirty="0"/>
+          </a:p>
+        </p:txBody>
+      </p:sp>
+      <p:sp>
+        <p:nvSpPr>
+          <p:cNvPr id="17" name="TextBox 16"/>
+          <p:cNvSpPr txBox="1"/>
+          <p:nvPr/>
+        </p:nvSpPr>
+        <p:spPr>
+          <a:xfrm>
+            <a:off x="4881726" y="3859472"/>
+            <a:ext cx="1666931" cy="646331"/>
+          </a:xfrm>
+          <a:prstGeom prst="rect">
+            <a:avLst/>
+          </a:prstGeom>
+          <a:noFill/>
+        </p:spPr>
+        <p:txBody>
+          <a:bodyPr wrap="none" rtlCol="0">
+            <a:spAutoFit/>
+          </a:bodyPr>
+          <a:lstStyle/>
+          <a:p>
+            <a:pPr algn="ctr"/>
+            <a:r>
+              <a:rPr lang="en-US" dirty="0" smtClean="0"/>
+              <a:t>SVM: </a:t>
+            </a:r>
+          </a:p>
+          <a:p>
+            <a:pPr algn="ctr"/>
+            <a:r>
+              <a:rPr lang="en-US" dirty="0" smtClean="0"/>
+              <a:t>radial boundary</a:t>
             </a:r>
             <a:endParaRPr lang="en-US" dirty="0"/>
           </a:p>
@@ -4701,7 +5732,7 @@
     </p:spTree>
     <p:extLst>
       <p:ext uri="{BB962C8B-B14F-4D97-AF65-F5344CB8AC3E}">
-        <p14:creationId xmlns:p14="http://schemas.microsoft.com/office/powerpoint/2010/main" val="905492027"/>
+        <p14:creationId xmlns:p14="http://schemas.microsoft.com/office/powerpoint/2010/main" val="144971425"/>
       </p:ext>
     </p:extLst>
   </p:cSld>
@@ -4752,7 +5783,7 @@
           <a:p>
             <a:r>
               <a:rPr lang="en-US" dirty="0" smtClean="0"/>
-              <a:t>Python implementation and tips </a:t>
+              <a:t>Support vector machine (SVM)</a:t>
             </a:r>
             <a:endParaRPr lang="en-US" dirty="0"/>
           </a:p>
@@ -4768,87 +5799,28 @@
             <p:ph type="body" sz="quarter" idx="11"/>
           </p:nvPr>
         </p:nvSpPr>
-        <p:spPr/>
+        <p:spPr>
+          <a:xfrm>
+            <a:off x="492996" y="1726998"/>
+            <a:ext cx="8659793" cy="4015497"/>
+          </a:xfrm>
+        </p:spPr>
         <p:txBody>
           <a:bodyPr/>
           <a:lstStyle/>
           <a:p>
             <a:r>
               <a:rPr lang="en-US" dirty="0" smtClean="0"/>
-              <a:t>PCA can become expensive to calculate, especially as the data set size grows </a:t>
-            </a:r>
-          </a:p>
-          <a:p>
-            <a:pPr lvl="1"/>
-            <a:r>
-              <a:rPr lang="en-US" dirty="0" smtClean="0"/>
-              <a:t>As a result there are often many methods to pick from </a:t>
-            </a:r>
-          </a:p>
-          <a:p>
-            <a:r>
-              <a:rPr lang="en-US" dirty="0" smtClean="0"/>
-              <a:t>Implementation is easy and many tutorials online, </a:t>
-            </a:r>
-            <a:r>
-              <a:rPr lang="en-US" dirty="0" err="1" smtClean="0"/>
-              <a:t>sklearn</a:t>
-            </a:r>
-            <a:r>
-              <a:rPr lang="en-US" dirty="0" smtClean="0"/>
-              <a:t> PCA is well supported</a:t>
-            </a:r>
-          </a:p>
-          <a:p>
-            <a:r>
-              <a:rPr lang="en-US" dirty="0" smtClean="0"/>
-              <a:t>Advice</a:t>
-            </a:r>
-          </a:p>
-          <a:p>
-            <a:pPr lvl="1"/>
-            <a:r>
-              <a:rPr lang="en-US" dirty="0" smtClean="0"/>
-              <a:t>Go slow and use a subset of your data (if you have many points) </a:t>
-            </a:r>
-          </a:p>
-          <a:p>
-            <a:pPr lvl="1"/>
-            <a:r>
-              <a:rPr lang="en-US" dirty="0" smtClean="0"/>
-              <a:t>Use PCA as a </a:t>
-            </a:r>
-            <a:r>
-              <a:rPr lang="en-US" b="0" dirty="0" smtClean="0"/>
-              <a:t>guide</a:t>
-            </a:r>
-            <a:r>
-              <a:rPr lang="en-US" dirty="0" smtClean="0"/>
-              <a:t> and as an </a:t>
-            </a:r>
-            <a:r>
-              <a:rPr lang="en-US" b="0" dirty="0" smtClean="0"/>
-              <a:t>exploratory tool</a:t>
-            </a:r>
-            <a:r>
-              <a:rPr lang="en-US" dirty="0" smtClean="0"/>
-              <a:t> </a:t>
-            </a:r>
-          </a:p>
-          <a:p>
-            <a:pPr lvl="1"/>
-            <a:r>
-              <a:rPr lang="en-US" dirty="0" smtClean="0"/>
-              <a:t>Constantly interrogate the results and ask if they make sense! You don’t have “test set error” to fall back on, so you need to use your brain!</a:t>
-            </a:r>
-            <a:endParaRPr lang="en-US" dirty="0"/>
+              <a:t>Python time!</a:t>
+            </a:r>
+            <a:endParaRPr lang="en-US" sz="1800" dirty="0"/>
           </a:p>
         </p:txBody>
       </p:sp>
     </p:spTree>
     <p:extLst>
       <p:ext uri="{BB962C8B-B14F-4D97-AF65-F5344CB8AC3E}">
-        <p14:creationId xmlns:p14="http://schemas.microsoft.com/office/powerpoint/2010/main" val="1032593030"/>
+        <p14:creationId xmlns:p14="http://schemas.microsoft.com/office/powerpoint/2010/main" val="174427504"/>
       </p:ext>
     </p:extLst>
   </p:cSld>
@@ -4866,2216 +5838,6 @@
 </file>
 
 <file path=ppt/slides/slide15.xml><?xml version="1.0" encoding="utf-8"?>
-<p:sld xmlns:a="http://schemas.openxmlformats.org/drawingml/2006/main" xmlns:r="http://schemas.openxmlformats.org/officeDocument/2006/relationships" xmlns:p="http://schemas.openxmlformats.org/presentationml/2006/main">
-  <p:cSld>
-    <p:spTree>
-      <p:nvGrpSpPr>
-        <p:cNvPr id="1" name=""/>
-        <p:cNvGrpSpPr/>
-        <p:nvPr/>
-      </p:nvGrpSpPr>
-      <p:grpSpPr>
-        <a:xfrm>
-          <a:off x="0" y="0"/>
-          <a:ext cx="0" cy="0"/>
-          <a:chOff x="0" y="0"/>
-          <a:chExt cx="0" cy="0"/>
-        </a:xfrm>
-      </p:grpSpPr>
-      <p:sp>
-        <p:nvSpPr>
-          <p:cNvPr id="2" name="Text Placeholder 1"/>
-          <p:cNvSpPr>
-            <a:spLocks noGrp="1"/>
-          </p:cNvSpPr>
-          <p:nvPr>
-            <p:ph type="body" sz="quarter" idx="10"/>
-          </p:nvPr>
-        </p:nvSpPr>
-        <p:spPr/>
-        <p:txBody>
-          <a:bodyPr/>
-          <a:lstStyle/>
-          <a:p>
-            <a:r>
-              <a:rPr lang="en-US" dirty="0" smtClean="0"/>
-              <a:t>PCA questions? </a:t>
-            </a:r>
-            <a:endParaRPr lang="en-US" dirty="0"/>
-          </a:p>
-        </p:txBody>
-      </p:sp>
-      <p:sp>
-        <p:nvSpPr>
-          <p:cNvPr id="3" name="Text Placeholder 2"/>
-          <p:cNvSpPr>
-            <a:spLocks noGrp="1"/>
-          </p:cNvSpPr>
-          <p:nvPr>
-            <p:ph type="body" sz="quarter" idx="11"/>
-          </p:nvPr>
-        </p:nvSpPr>
-        <p:spPr/>
-        <p:txBody>
-          <a:bodyPr/>
-          <a:lstStyle/>
-          <a:p>
-            <a:endParaRPr lang="en-US"/>
-          </a:p>
-        </p:txBody>
-      </p:sp>
-    </p:spTree>
-    <p:extLst>
-      <p:ext uri="{BB962C8B-B14F-4D97-AF65-F5344CB8AC3E}">
-        <p14:creationId xmlns:p14="http://schemas.microsoft.com/office/powerpoint/2010/main" val="159312409"/>
-      </p:ext>
-    </p:extLst>
-  </p:cSld>
-  <p:clrMapOvr>
-    <a:masterClrMapping/>
-  </p:clrMapOvr>
-  <p:timing>
-    <p:tnLst>
-      <p:par>
-        <p:cTn id="1" dur="indefinite" restart="never" nodeType="tmRoot"/>
-      </p:par>
-    </p:tnLst>
-  </p:timing>
-</p:sld>
-</file>
-
-<file path=ppt/slides/slide16.xml><?xml version="1.0" encoding="utf-8"?>
-<p:sld xmlns:a="http://schemas.openxmlformats.org/drawingml/2006/main" xmlns:r="http://schemas.openxmlformats.org/officeDocument/2006/relationships" xmlns:p="http://schemas.openxmlformats.org/presentationml/2006/main">
-  <p:cSld>
-    <p:spTree>
-      <p:nvGrpSpPr>
-        <p:cNvPr id="1" name=""/>
-        <p:cNvGrpSpPr/>
-        <p:nvPr/>
-      </p:nvGrpSpPr>
-      <p:grpSpPr>
-        <a:xfrm>
-          <a:off x="0" y="0"/>
-          <a:ext cx="0" cy="0"/>
-          <a:chOff x="0" y="0"/>
-          <a:chExt cx="0" cy="0"/>
-        </a:xfrm>
-      </p:grpSpPr>
-      <p:sp>
-        <p:nvSpPr>
-          <p:cNvPr id="2" name="Text Placeholder 1"/>
-          <p:cNvSpPr>
-            <a:spLocks noGrp="1"/>
-          </p:cNvSpPr>
-          <p:nvPr>
-            <p:ph type="body" sz="quarter" idx="10"/>
-          </p:nvPr>
-        </p:nvSpPr>
-        <p:spPr/>
-        <p:txBody>
-          <a:bodyPr/>
-          <a:lstStyle/>
-          <a:p>
-            <a:r>
-              <a:rPr lang="en-US" dirty="0" smtClean="0"/>
-              <a:t>Clustering</a:t>
-            </a:r>
-            <a:endParaRPr lang="en-US" dirty="0"/>
-          </a:p>
-        </p:txBody>
-      </p:sp>
-      <p:sp>
-        <p:nvSpPr>
-          <p:cNvPr id="3" name="Text Placeholder 2"/>
-          <p:cNvSpPr>
-            <a:spLocks noGrp="1"/>
-          </p:cNvSpPr>
-          <p:nvPr>
-            <p:ph type="body" sz="quarter" idx="11"/>
-          </p:nvPr>
-        </p:nvSpPr>
-        <p:spPr/>
-        <p:txBody>
-          <a:bodyPr/>
-          <a:lstStyle/>
-          <a:p>
-            <a:r>
-              <a:rPr lang="en-US" sz="2000" dirty="0" smtClean="0"/>
-              <a:t>Our other main tool in unsupervised learning is </a:t>
-            </a:r>
-            <a:r>
-              <a:rPr lang="en-US" sz="2000" b="0" dirty="0" smtClean="0"/>
-              <a:t>clustering</a:t>
-            </a:r>
-            <a:r>
-              <a:rPr lang="en-US" sz="2000" dirty="0" smtClean="0"/>
-              <a:t> </a:t>
-            </a:r>
-          </a:p>
-          <a:p>
-            <a:r>
-              <a:rPr lang="en-US" sz="2000" dirty="0" smtClean="0"/>
-              <a:t>Clustering seeks to group items by minimizing a </a:t>
-            </a:r>
-            <a:r>
-              <a:rPr lang="en-US" sz="2000" b="0" dirty="0" smtClean="0"/>
-              <a:t>distance metric</a:t>
-            </a:r>
-            <a:r>
-              <a:rPr lang="en-US" sz="2000" dirty="0"/>
-              <a:t> </a:t>
-            </a:r>
-            <a:r>
-              <a:rPr lang="en-US" sz="2000" dirty="0" smtClean="0"/>
-              <a:t>between groups of observations or groups of features </a:t>
-            </a:r>
-          </a:p>
-          <a:p>
-            <a:r>
-              <a:rPr lang="en-US" sz="2000" dirty="0"/>
-              <a:t>K means</a:t>
-            </a:r>
-          </a:p>
-          <a:p>
-            <a:pPr lvl="1"/>
-            <a:r>
-              <a:rPr lang="en-US" sz="1800" dirty="0"/>
-              <a:t>Algorithm</a:t>
-            </a:r>
-          </a:p>
-          <a:p>
-            <a:pPr lvl="1"/>
-            <a:r>
-              <a:rPr lang="en-US" sz="1800" dirty="0"/>
-              <a:t>How to use it </a:t>
-            </a:r>
-          </a:p>
-          <a:p>
-            <a:pPr lvl="1"/>
-            <a:r>
-              <a:rPr lang="en-US" sz="1800" dirty="0"/>
-              <a:t>What the results mean </a:t>
-            </a:r>
-          </a:p>
-          <a:p>
-            <a:pPr lvl="1"/>
-            <a:r>
-              <a:rPr lang="en-US" sz="1800" dirty="0"/>
-              <a:t>Warnings: size K , many trials</a:t>
-            </a:r>
-          </a:p>
-          <a:p>
-            <a:r>
-              <a:rPr lang="en-US" sz="2000" dirty="0"/>
-              <a:t>Hierarchical clustering</a:t>
-            </a:r>
-          </a:p>
-          <a:p>
-            <a:r>
-              <a:rPr lang="en-US" sz="2000" dirty="0"/>
-              <a:t>Lots of other </a:t>
-            </a:r>
-            <a:r>
-              <a:rPr lang="en-US" sz="2000" dirty="0" smtClean="0"/>
-              <a:t>approaches // clustering vs PCA </a:t>
-            </a:r>
-            <a:endParaRPr lang="en-US" sz="2000" dirty="0"/>
-          </a:p>
-          <a:p>
-            <a:r>
-              <a:rPr lang="en-US" sz="2000" dirty="0"/>
-              <a:t>How to implement it in </a:t>
-            </a:r>
-            <a:r>
-              <a:rPr lang="en-US" sz="2000" dirty="0" smtClean="0"/>
-              <a:t>Python</a:t>
-            </a:r>
-            <a:endParaRPr lang="en-US" sz="2000" dirty="0"/>
-          </a:p>
-        </p:txBody>
-      </p:sp>
-    </p:spTree>
-    <p:extLst>
-      <p:ext uri="{BB962C8B-B14F-4D97-AF65-F5344CB8AC3E}">
-        <p14:creationId xmlns:p14="http://schemas.microsoft.com/office/powerpoint/2010/main" val="1651655801"/>
-      </p:ext>
-    </p:extLst>
-  </p:cSld>
-  <p:clrMapOvr>
-    <a:masterClrMapping/>
-  </p:clrMapOvr>
-  <p:timing>
-    <p:tnLst>
-      <p:par>
-        <p:cTn id="1" dur="indefinite" restart="never" nodeType="tmRoot"/>
-      </p:par>
-    </p:tnLst>
-  </p:timing>
-</p:sld>
-</file>
-
-<file path=ppt/slides/slide17.xml><?xml version="1.0" encoding="utf-8"?>
-<p:sld xmlns:a="http://schemas.openxmlformats.org/drawingml/2006/main" xmlns:r="http://schemas.openxmlformats.org/officeDocument/2006/relationships" xmlns:p="http://schemas.openxmlformats.org/presentationml/2006/main">
-  <p:cSld>
-    <p:spTree>
-      <p:nvGrpSpPr>
-        <p:cNvPr id="1" name=""/>
-        <p:cNvGrpSpPr/>
-        <p:nvPr/>
-      </p:nvGrpSpPr>
-      <p:grpSpPr>
-        <a:xfrm>
-          <a:off x="0" y="0"/>
-          <a:ext cx="0" cy="0"/>
-          <a:chOff x="0" y="0"/>
-          <a:chExt cx="0" cy="0"/>
-        </a:xfrm>
-      </p:grpSpPr>
-      <p:sp>
-        <p:nvSpPr>
-          <p:cNvPr id="2" name="Text Placeholder 1"/>
-          <p:cNvSpPr>
-            <a:spLocks noGrp="1"/>
-          </p:cNvSpPr>
-          <p:nvPr>
-            <p:ph type="body" sz="quarter" idx="10"/>
-          </p:nvPr>
-        </p:nvSpPr>
-        <p:spPr/>
-        <p:txBody>
-          <a:bodyPr/>
-          <a:lstStyle/>
-          <a:p>
-            <a:r>
-              <a:rPr lang="en-US" dirty="0" smtClean="0"/>
-              <a:t>K-means clustering, a simple algorithm</a:t>
-            </a:r>
-            <a:endParaRPr lang="en-US" dirty="0"/>
-          </a:p>
-        </p:txBody>
-      </p:sp>
-      <p:sp>
-        <p:nvSpPr>
-          <p:cNvPr id="3" name="Text Placeholder 2"/>
-          <p:cNvSpPr>
-            <a:spLocks noGrp="1"/>
-          </p:cNvSpPr>
-          <p:nvPr>
-            <p:ph type="body" sz="quarter" idx="11"/>
-          </p:nvPr>
-        </p:nvSpPr>
-        <p:spPr>
-          <a:xfrm>
-            <a:off x="659305" y="1736725"/>
-            <a:ext cx="8196210" cy="4459794"/>
-          </a:xfrm>
-        </p:spPr>
-        <p:txBody>
-          <a:bodyPr/>
-          <a:lstStyle/>
-          <a:p>
-            <a:r>
-              <a:rPr lang="en-US" dirty="0" smtClean="0"/>
-              <a:t>One of the most common clustering methods</a:t>
-            </a:r>
-          </a:p>
-          <a:p>
-            <a:r>
-              <a:rPr lang="en-US" dirty="0" smtClean="0"/>
-              <a:t>Requires, as an input, specification of the final number of clusters you want (</a:t>
-            </a:r>
-            <a:r>
-              <a:rPr lang="en-US" b="0" dirty="0" smtClean="0"/>
-              <a:t>K</a:t>
-            </a:r>
-            <a:r>
-              <a:rPr lang="en-US" dirty="0" smtClean="0"/>
-              <a:t>) </a:t>
-            </a:r>
-          </a:p>
-          <a:p>
-            <a:r>
-              <a:rPr lang="en-US" dirty="0" smtClean="0"/>
-              <a:t>Rules: </a:t>
-            </a:r>
-          </a:p>
-          <a:p>
-            <a:pPr lvl="1"/>
-            <a:r>
-              <a:rPr lang="en-US" dirty="0" smtClean="0"/>
-              <a:t>Each observation must be placed in at least one of the clusters</a:t>
-            </a:r>
-          </a:p>
-          <a:p>
-            <a:pPr lvl="1"/>
-            <a:r>
-              <a:rPr lang="en-US" dirty="0" smtClean="0"/>
-              <a:t>No clusters may overlap, each observation can only be placed in a single cluster </a:t>
-            </a:r>
-          </a:p>
-          <a:p>
-            <a:pPr lvl="1"/>
-            <a:r>
-              <a:rPr lang="en-US" dirty="0" smtClean="0"/>
-              <a:t>The goal is to minimize the </a:t>
-            </a:r>
-            <a:r>
-              <a:rPr lang="en-US" b="0" dirty="0" smtClean="0"/>
-              <a:t>variance of observations within each of the clusters </a:t>
-            </a:r>
-            <a:endParaRPr lang="en-US" dirty="0" smtClean="0"/>
-          </a:p>
-          <a:p>
-            <a:pPr lvl="1"/>
-            <a:endParaRPr lang="en-US" dirty="0"/>
-          </a:p>
-        </p:txBody>
-      </p:sp>
-    </p:spTree>
-    <p:extLst>
-      <p:ext uri="{BB962C8B-B14F-4D97-AF65-F5344CB8AC3E}">
-        <p14:creationId xmlns:p14="http://schemas.microsoft.com/office/powerpoint/2010/main" val="551810385"/>
-      </p:ext>
-    </p:extLst>
-  </p:cSld>
-  <p:clrMapOvr>
-    <a:masterClrMapping/>
-  </p:clrMapOvr>
-  <p:timing>
-    <p:tnLst>
-      <p:par>
-        <p:cTn id="1" dur="indefinite" restart="never" nodeType="tmRoot"/>
-      </p:par>
-    </p:tnLst>
-  </p:timing>
-</p:sld>
-</file>
-
-<file path=ppt/slides/slide18.xml><?xml version="1.0" encoding="utf-8"?>
-<p:sld xmlns:a="http://schemas.openxmlformats.org/drawingml/2006/main" xmlns:r="http://schemas.openxmlformats.org/officeDocument/2006/relationships" xmlns:p="http://schemas.openxmlformats.org/presentationml/2006/main">
-  <p:cSld>
-    <p:spTree>
-      <p:nvGrpSpPr>
-        <p:cNvPr id="1" name=""/>
-        <p:cNvGrpSpPr/>
-        <p:nvPr/>
-      </p:nvGrpSpPr>
-      <p:grpSpPr>
-        <a:xfrm>
-          <a:off x="0" y="0"/>
-          <a:ext cx="0" cy="0"/>
-          <a:chOff x="0" y="0"/>
-          <a:chExt cx="0" cy="0"/>
-        </a:xfrm>
-      </p:grpSpPr>
-      <p:sp>
-        <p:nvSpPr>
-          <p:cNvPr id="2" name="Text Placeholder 1"/>
-          <p:cNvSpPr>
-            <a:spLocks noGrp="1"/>
-          </p:cNvSpPr>
-          <p:nvPr>
-            <p:ph type="body" sz="quarter" idx="10"/>
-          </p:nvPr>
-        </p:nvSpPr>
-        <p:spPr/>
-        <p:txBody>
-          <a:bodyPr/>
-          <a:lstStyle/>
-          <a:p>
-            <a:r>
-              <a:rPr lang="en-US" dirty="0" smtClean="0"/>
-              <a:t>Same data, different values of K</a:t>
-            </a:r>
-            <a:endParaRPr lang="en-US" dirty="0"/>
-          </a:p>
-        </p:txBody>
-      </p:sp>
-      <p:pic>
-        <p:nvPicPr>
-          <p:cNvPr id="4" name="Picture 3"/>
-          <p:cNvPicPr>
-            <a:picLocks noChangeAspect="1"/>
-          </p:cNvPicPr>
-          <p:nvPr/>
-        </p:nvPicPr>
-        <p:blipFill>
-          <a:blip r:embed="rId2"/>
-          <a:stretch>
-            <a:fillRect/>
-          </a:stretch>
-        </p:blipFill>
-        <p:spPr>
-          <a:xfrm>
-            <a:off x="958910" y="1510002"/>
-            <a:ext cx="7897509" cy="5347998"/>
-          </a:xfrm>
-          <a:prstGeom prst="rect">
-            <a:avLst/>
-          </a:prstGeom>
-        </p:spPr>
-      </p:pic>
-    </p:spTree>
-    <p:extLst>
-      <p:ext uri="{BB962C8B-B14F-4D97-AF65-F5344CB8AC3E}">
-        <p14:creationId xmlns:p14="http://schemas.microsoft.com/office/powerpoint/2010/main" val="734339284"/>
-      </p:ext>
-    </p:extLst>
-  </p:cSld>
-  <p:clrMapOvr>
-    <a:masterClrMapping/>
-  </p:clrMapOvr>
-  <p:timing>
-    <p:tnLst>
-      <p:par>
-        <p:cTn id="1" dur="indefinite" restart="never" nodeType="tmRoot"/>
-      </p:par>
-    </p:tnLst>
-  </p:timing>
-</p:sld>
-</file>
-
-<file path=ppt/slides/slide19.xml><?xml version="1.0" encoding="utf-8"?>
-<p:sld xmlns:a="http://schemas.openxmlformats.org/drawingml/2006/main" xmlns:r="http://schemas.openxmlformats.org/officeDocument/2006/relationships" xmlns:p="http://schemas.openxmlformats.org/presentationml/2006/main">
-  <p:cSld>
-    <p:spTree>
-      <p:nvGrpSpPr>
-        <p:cNvPr id="1" name=""/>
-        <p:cNvGrpSpPr/>
-        <p:nvPr/>
-      </p:nvGrpSpPr>
-      <p:grpSpPr>
-        <a:xfrm>
-          <a:off x="0" y="0"/>
-          <a:ext cx="0" cy="0"/>
-          <a:chOff x="0" y="0"/>
-          <a:chExt cx="0" cy="0"/>
-        </a:xfrm>
-      </p:grpSpPr>
-      <p:sp>
-        <p:nvSpPr>
-          <p:cNvPr id="2" name="Text Placeholder 1"/>
-          <p:cNvSpPr>
-            <a:spLocks noGrp="1"/>
-          </p:cNvSpPr>
-          <p:nvPr>
-            <p:ph type="body" sz="quarter" idx="10"/>
-          </p:nvPr>
-        </p:nvSpPr>
-        <p:spPr/>
-        <p:txBody>
-          <a:bodyPr/>
-          <a:lstStyle/>
-          <a:p>
-            <a:r>
-              <a:rPr lang="en-US" dirty="0" smtClean="0"/>
-              <a:t>Algorithm for K-means</a:t>
-            </a:r>
-            <a:endParaRPr lang="en-US" dirty="0"/>
-          </a:p>
-        </p:txBody>
-      </p:sp>
-      <p:pic>
-        <p:nvPicPr>
-          <p:cNvPr id="4" name="Picture 3"/>
-          <p:cNvPicPr>
-            <a:picLocks noChangeAspect="1"/>
-          </p:cNvPicPr>
-          <p:nvPr/>
-        </p:nvPicPr>
-        <p:blipFill>
-          <a:blip r:embed="rId2"/>
-          <a:stretch>
-            <a:fillRect/>
-          </a:stretch>
-        </p:blipFill>
-        <p:spPr>
-          <a:xfrm>
-            <a:off x="1566153" y="1643973"/>
-            <a:ext cx="6342928" cy="2986392"/>
-          </a:xfrm>
-          <a:prstGeom prst="rect">
-            <a:avLst/>
-          </a:prstGeom>
-        </p:spPr>
-      </p:pic>
-      <p:pic>
-        <p:nvPicPr>
-          <p:cNvPr id="5" name="Picture 4"/>
-          <p:cNvPicPr>
-            <a:picLocks noChangeAspect="1"/>
-          </p:cNvPicPr>
-          <p:nvPr/>
-        </p:nvPicPr>
-        <p:blipFill>
-          <a:blip r:embed="rId3"/>
-          <a:stretch>
-            <a:fillRect/>
-          </a:stretch>
-        </p:blipFill>
-        <p:spPr>
-          <a:xfrm>
-            <a:off x="1743109" y="4936787"/>
-            <a:ext cx="6041957" cy="878191"/>
-          </a:xfrm>
-          <a:prstGeom prst="rect">
-            <a:avLst/>
-          </a:prstGeom>
-        </p:spPr>
-      </p:pic>
-    </p:spTree>
-    <p:extLst>
-      <p:ext uri="{BB962C8B-B14F-4D97-AF65-F5344CB8AC3E}">
-        <p14:creationId xmlns:p14="http://schemas.microsoft.com/office/powerpoint/2010/main" val="1289866730"/>
-      </p:ext>
-    </p:extLst>
-  </p:cSld>
-  <p:clrMapOvr>
-    <a:masterClrMapping/>
-  </p:clrMapOvr>
-  <p:timing>
-    <p:tnLst>
-      <p:par>
-        <p:cTn id="1" dur="indefinite" restart="never" nodeType="tmRoot"/>
-      </p:par>
-    </p:tnLst>
-  </p:timing>
-</p:sld>
-</file>
-
-<file path=ppt/slides/slide2.xml><?xml version="1.0" encoding="utf-8"?>
-<p:sld xmlns:a="http://schemas.openxmlformats.org/drawingml/2006/main" xmlns:r="http://schemas.openxmlformats.org/officeDocument/2006/relationships" xmlns:p="http://schemas.openxmlformats.org/presentationml/2006/main">
-  <p:cSld>
-    <p:spTree>
-      <p:nvGrpSpPr>
-        <p:cNvPr id="1" name=""/>
-        <p:cNvGrpSpPr/>
-        <p:nvPr/>
-      </p:nvGrpSpPr>
-      <p:grpSpPr>
-        <a:xfrm>
-          <a:off x="0" y="0"/>
-          <a:ext cx="0" cy="0"/>
-          <a:chOff x="0" y="0"/>
-          <a:chExt cx="0" cy="0"/>
-        </a:xfrm>
-      </p:grpSpPr>
-      <p:sp>
-        <p:nvSpPr>
-          <p:cNvPr id="2" name="Text Placeholder 1"/>
-          <p:cNvSpPr>
-            <a:spLocks noGrp="1"/>
-          </p:cNvSpPr>
-          <p:nvPr>
-            <p:ph type="body" sz="quarter" idx="10"/>
-          </p:nvPr>
-        </p:nvSpPr>
-        <p:spPr/>
-        <p:txBody>
-          <a:bodyPr/>
-          <a:lstStyle/>
-          <a:p>
-            <a:r>
-              <a:rPr lang="en-US" dirty="0" smtClean="0"/>
-              <a:t>Outline</a:t>
-            </a:r>
-            <a:endParaRPr lang="en-US" dirty="0"/>
-          </a:p>
-        </p:txBody>
-      </p:sp>
-      <p:sp>
-        <p:nvSpPr>
-          <p:cNvPr id="3" name="Text Placeholder 2"/>
-          <p:cNvSpPr>
-            <a:spLocks noGrp="1"/>
-          </p:cNvSpPr>
-          <p:nvPr>
-            <p:ph type="body" sz="quarter" idx="11"/>
-          </p:nvPr>
-        </p:nvSpPr>
-        <p:spPr/>
-        <p:txBody>
-          <a:bodyPr/>
-          <a:lstStyle/>
-          <a:p>
-            <a:r>
-              <a:rPr lang="en-US" dirty="0" smtClean="0"/>
-              <a:t>Quick review from last time </a:t>
-            </a:r>
-          </a:p>
-          <a:p>
-            <a:r>
-              <a:rPr lang="en-US" dirty="0" smtClean="0"/>
-              <a:t>A brief note on the support vector machine </a:t>
-            </a:r>
-          </a:p>
-          <a:p>
-            <a:r>
-              <a:rPr lang="en-US" dirty="0" smtClean="0"/>
-              <a:t>Comparison of supervised vs. unsupervised learning</a:t>
-            </a:r>
-          </a:p>
-          <a:p>
-            <a:r>
-              <a:rPr lang="en-US" dirty="0" smtClean="0"/>
-              <a:t>Principal components analysis (PCA)</a:t>
-            </a:r>
-          </a:p>
-          <a:p>
-            <a:r>
-              <a:rPr lang="en-US" dirty="0" smtClean="0"/>
-              <a:t>Clustering</a:t>
-            </a:r>
-          </a:p>
-          <a:p>
-            <a:r>
-              <a:rPr lang="en-US" dirty="0" smtClean="0"/>
-              <a:t>Wrap </a:t>
-            </a:r>
-            <a:r>
-              <a:rPr lang="en-US" dirty="0" smtClean="0"/>
-              <a:t>up</a:t>
-            </a:r>
-          </a:p>
-        </p:txBody>
-      </p:sp>
-    </p:spTree>
-    <p:extLst>
-      <p:ext uri="{BB962C8B-B14F-4D97-AF65-F5344CB8AC3E}">
-        <p14:creationId xmlns:p14="http://schemas.microsoft.com/office/powerpoint/2010/main" val="1180807777"/>
-      </p:ext>
-    </p:extLst>
-  </p:cSld>
-  <p:clrMapOvr>
-    <a:masterClrMapping/>
-  </p:clrMapOvr>
-  <p:timing>
-    <p:tnLst>
-      <p:par>
-        <p:cTn id="1" dur="indefinite" restart="never" nodeType="tmRoot"/>
-      </p:par>
-    </p:tnLst>
-  </p:timing>
-</p:sld>
-</file>
-
-<file path=ppt/slides/slide20.xml><?xml version="1.0" encoding="utf-8"?>
-<p:sld xmlns:a="http://schemas.openxmlformats.org/drawingml/2006/main" xmlns:r="http://schemas.openxmlformats.org/officeDocument/2006/relationships" xmlns:p="http://schemas.openxmlformats.org/presentationml/2006/main">
-  <p:cSld>
-    <p:spTree>
-      <p:nvGrpSpPr>
-        <p:cNvPr id="1" name=""/>
-        <p:cNvGrpSpPr/>
-        <p:nvPr/>
-      </p:nvGrpSpPr>
-      <p:grpSpPr>
-        <a:xfrm>
-          <a:off x="0" y="0"/>
-          <a:ext cx="0" cy="0"/>
-          <a:chOff x="0" y="0"/>
-          <a:chExt cx="0" cy="0"/>
-        </a:xfrm>
-      </p:grpSpPr>
-      <p:pic>
-        <p:nvPicPr>
-          <p:cNvPr id="3" name="Picture 2"/>
-          <p:cNvPicPr>
-            <a:picLocks noChangeAspect="1"/>
-          </p:cNvPicPr>
-          <p:nvPr/>
-        </p:nvPicPr>
-        <p:blipFill>
-          <a:blip r:embed="rId2"/>
-          <a:stretch>
-            <a:fillRect/>
-          </a:stretch>
-        </p:blipFill>
-        <p:spPr>
-          <a:xfrm>
-            <a:off x="671757" y="1363507"/>
-            <a:ext cx="5621074" cy="5416671"/>
-          </a:xfrm>
-          <a:prstGeom prst="rect">
-            <a:avLst/>
-          </a:prstGeom>
-        </p:spPr>
-      </p:pic>
-      <p:sp>
-        <p:nvSpPr>
-          <p:cNvPr id="2" name="Text Placeholder 1"/>
-          <p:cNvSpPr>
-            <a:spLocks noGrp="1"/>
-          </p:cNvSpPr>
-          <p:nvPr>
-            <p:ph type="body" sz="quarter" idx="10"/>
-          </p:nvPr>
-        </p:nvSpPr>
-        <p:spPr/>
-        <p:txBody>
-          <a:bodyPr/>
-          <a:lstStyle/>
-          <a:p>
-            <a:r>
-              <a:rPr lang="en-US" dirty="0" smtClean="0"/>
-              <a:t>Algorithm for K-means (e.g., K=3)</a:t>
-            </a:r>
-            <a:endParaRPr lang="en-US" dirty="0"/>
-          </a:p>
-        </p:txBody>
-      </p:sp>
-    </p:spTree>
-    <p:extLst>
-      <p:ext uri="{BB962C8B-B14F-4D97-AF65-F5344CB8AC3E}">
-        <p14:creationId xmlns:p14="http://schemas.microsoft.com/office/powerpoint/2010/main" val="1963107025"/>
-      </p:ext>
-    </p:extLst>
-  </p:cSld>
-  <p:clrMapOvr>
-    <a:masterClrMapping/>
-  </p:clrMapOvr>
-  <p:timing>
-    <p:tnLst>
-      <p:par>
-        <p:cTn id="1" dur="indefinite" restart="never" nodeType="tmRoot"/>
-      </p:par>
-    </p:tnLst>
-  </p:timing>
-</p:sld>
-</file>
-
-<file path=ppt/slides/slide21.xml><?xml version="1.0" encoding="utf-8"?>
-<p:sld xmlns:a="http://schemas.openxmlformats.org/drawingml/2006/main" xmlns:r="http://schemas.openxmlformats.org/officeDocument/2006/relationships" xmlns:p="http://schemas.openxmlformats.org/presentationml/2006/main">
-  <p:cSld>
-    <p:spTree>
-      <p:nvGrpSpPr>
-        <p:cNvPr id="1" name=""/>
-        <p:cNvGrpSpPr/>
-        <p:nvPr/>
-      </p:nvGrpSpPr>
-      <p:grpSpPr>
-        <a:xfrm>
-          <a:off x="0" y="0"/>
-          <a:ext cx="0" cy="0"/>
-          <a:chOff x="0" y="0"/>
-          <a:chExt cx="0" cy="0"/>
-        </a:xfrm>
-      </p:grpSpPr>
-      <p:sp>
-        <p:nvSpPr>
-          <p:cNvPr id="2" name="Text Placeholder 1"/>
-          <p:cNvSpPr>
-            <a:spLocks noGrp="1"/>
-          </p:cNvSpPr>
-          <p:nvPr>
-            <p:ph type="body" sz="quarter" idx="10"/>
-          </p:nvPr>
-        </p:nvSpPr>
-        <p:spPr/>
-        <p:txBody>
-          <a:bodyPr/>
-          <a:lstStyle/>
-          <a:p>
-            <a:r>
-              <a:rPr lang="en-US" dirty="0" smtClean="0"/>
-              <a:t>Importance of sampling</a:t>
-            </a:r>
-            <a:endParaRPr lang="en-US" dirty="0"/>
-          </a:p>
-        </p:txBody>
-      </p:sp>
-      <p:sp>
-        <p:nvSpPr>
-          <p:cNvPr id="3" name="Text Placeholder 2"/>
-          <p:cNvSpPr>
-            <a:spLocks noGrp="1"/>
-          </p:cNvSpPr>
-          <p:nvPr>
-            <p:ph type="body" sz="quarter" idx="11"/>
-          </p:nvPr>
-        </p:nvSpPr>
-        <p:spPr/>
-        <p:txBody>
-          <a:bodyPr/>
-          <a:lstStyle/>
-          <a:p>
-            <a:r>
-              <a:rPr lang="en-US" dirty="0" smtClean="0"/>
-              <a:t>K-means clustering is a stochastic </a:t>
-            </a:r>
-            <a:r>
-              <a:rPr lang="en-US" dirty="0" smtClean="0"/>
-              <a:t>process</a:t>
-            </a:r>
-          </a:p>
-          <a:p>
-            <a:pPr lvl="1"/>
-            <a:r>
-              <a:rPr lang="en-US" dirty="0" smtClean="0"/>
-              <a:t>Initial random assignment of data to classes</a:t>
-            </a:r>
-          </a:p>
-          <a:p>
-            <a:pPr lvl="1"/>
-            <a:r>
-              <a:rPr lang="en-US" dirty="0" smtClean="0"/>
-              <a:t>The optimization scheme leads to a </a:t>
-            </a:r>
-            <a:r>
-              <a:rPr lang="en-US" b="0" dirty="0" smtClean="0"/>
-              <a:t>local optimization </a:t>
-            </a:r>
-            <a:r>
-              <a:rPr lang="en-US" dirty="0" smtClean="0"/>
-              <a:t>, it is not guaranteed to find the global minimum</a:t>
-            </a:r>
-          </a:p>
-          <a:p>
-            <a:r>
-              <a:rPr lang="en-US" dirty="0" smtClean="0"/>
-              <a:t>Process</a:t>
-            </a:r>
-          </a:p>
-          <a:p>
-            <a:pPr lvl="1"/>
-            <a:r>
-              <a:rPr lang="en-US" dirty="0" smtClean="0"/>
-              <a:t>Re-seed different initial clusters and repeat optimization of cluster centers / assignments </a:t>
-            </a:r>
-          </a:p>
-          <a:p>
-            <a:pPr lvl="1"/>
-            <a:r>
-              <a:rPr lang="en-US" dirty="0" smtClean="0"/>
-              <a:t>Monitor the sum of distances (</a:t>
-            </a:r>
-            <a:r>
-              <a:rPr lang="en-US" b="0" dirty="0" smtClean="0"/>
-              <a:t>each point’s distance from each cluster center</a:t>
-            </a:r>
-            <a:r>
-              <a:rPr lang="en-US" dirty="0" smtClean="0"/>
-              <a:t>) as your error metric</a:t>
-            </a:r>
-          </a:p>
-          <a:p>
-            <a:pPr lvl="1"/>
-            <a:r>
-              <a:rPr lang="en-US" dirty="0" smtClean="0"/>
-              <a:t>Choose clustering arrangement with lowest error </a:t>
-            </a:r>
-          </a:p>
-          <a:p>
-            <a:pPr lvl="1"/>
-            <a:endParaRPr lang="en-US" dirty="0"/>
-          </a:p>
-        </p:txBody>
-      </p:sp>
-    </p:spTree>
-    <p:extLst>
-      <p:ext uri="{BB962C8B-B14F-4D97-AF65-F5344CB8AC3E}">
-        <p14:creationId xmlns:p14="http://schemas.microsoft.com/office/powerpoint/2010/main" val="637998672"/>
-      </p:ext>
-    </p:extLst>
-  </p:cSld>
-  <p:clrMapOvr>
-    <a:masterClrMapping/>
-  </p:clrMapOvr>
-  <p:timing>
-    <p:tnLst>
-      <p:par>
-        <p:cTn id="1" dur="indefinite" restart="never" nodeType="tmRoot"/>
-      </p:par>
-    </p:tnLst>
-  </p:timing>
-</p:sld>
-</file>
-
-<file path=ppt/slides/slide22.xml><?xml version="1.0" encoding="utf-8"?>
-<p:sld xmlns:a="http://schemas.openxmlformats.org/drawingml/2006/main" xmlns:r="http://schemas.openxmlformats.org/officeDocument/2006/relationships" xmlns:p="http://schemas.openxmlformats.org/presentationml/2006/main">
-  <p:cSld>
-    <p:spTree>
-      <p:nvGrpSpPr>
-        <p:cNvPr id="1" name=""/>
-        <p:cNvGrpSpPr/>
-        <p:nvPr/>
-      </p:nvGrpSpPr>
-      <p:grpSpPr>
-        <a:xfrm>
-          <a:off x="0" y="0"/>
-          <a:ext cx="0" cy="0"/>
-          <a:chOff x="0" y="0"/>
-          <a:chExt cx="0" cy="0"/>
-        </a:xfrm>
-      </p:grpSpPr>
-      <p:sp>
-        <p:nvSpPr>
-          <p:cNvPr id="2" name="Text Placeholder 1"/>
-          <p:cNvSpPr>
-            <a:spLocks noGrp="1"/>
-          </p:cNvSpPr>
-          <p:nvPr>
-            <p:ph type="body" sz="quarter" idx="10"/>
-          </p:nvPr>
-        </p:nvSpPr>
-        <p:spPr/>
-        <p:txBody>
-          <a:bodyPr/>
-          <a:lstStyle/>
-          <a:p>
-            <a:r>
-              <a:rPr lang="en-US" dirty="0" smtClean="0"/>
-              <a:t>Importance of sampling</a:t>
-            </a:r>
-            <a:endParaRPr lang="en-US" dirty="0"/>
-          </a:p>
-        </p:txBody>
-      </p:sp>
-      <p:pic>
-        <p:nvPicPr>
-          <p:cNvPr id="4" name="Picture 3"/>
-          <p:cNvPicPr>
-            <a:picLocks noChangeAspect="1"/>
-          </p:cNvPicPr>
-          <p:nvPr/>
-        </p:nvPicPr>
-        <p:blipFill>
-          <a:blip r:embed="rId2"/>
-          <a:stretch>
-            <a:fillRect/>
-          </a:stretch>
-        </p:blipFill>
-        <p:spPr>
-          <a:xfrm>
-            <a:off x="1564937" y="1636971"/>
-            <a:ext cx="5205514" cy="5123752"/>
-          </a:xfrm>
-          <a:prstGeom prst="rect">
-            <a:avLst/>
-          </a:prstGeom>
-        </p:spPr>
-      </p:pic>
-    </p:spTree>
-    <p:extLst>
-      <p:ext uri="{BB962C8B-B14F-4D97-AF65-F5344CB8AC3E}">
-        <p14:creationId xmlns:p14="http://schemas.microsoft.com/office/powerpoint/2010/main" val="727051556"/>
-      </p:ext>
-    </p:extLst>
-  </p:cSld>
-  <p:clrMapOvr>
-    <a:masterClrMapping/>
-  </p:clrMapOvr>
-  <p:timing>
-    <p:tnLst>
-      <p:par>
-        <p:cTn id="1" dur="indefinite" restart="never" nodeType="tmRoot"/>
-      </p:par>
-    </p:tnLst>
-  </p:timing>
-</p:sld>
-</file>
-
-<file path=ppt/slides/slide23.xml><?xml version="1.0" encoding="utf-8"?>
-<p:sld xmlns:a="http://schemas.openxmlformats.org/drawingml/2006/main" xmlns:r="http://schemas.openxmlformats.org/officeDocument/2006/relationships" xmlns:p="http://schemas.openxmlformats.org/presentationml/2006/main">
-  <p:cSld>
-    <p:spTree>
-      <p:nvGrpSpPr>
-        <p:cNvPr id="1" name=""/>
-        <p:cNvGrpSpPr/>
-        <p:nvPr/>
-      </p:nvGrpSpPr>
-      <p:grpSpPr>
-        <a:xfrm>
-          <a:off x="0" y="0"/>
-          <a:ext cx="0" cy="0"/>
-          <a:chOff x="0" y="0"/>
-          <a:chExt cx="0" cy="0"/>
-        </a:xfrm>
-      </p:grpSpPr>
-      <p:sp>
-        <p:nvSpPr>
-          <p:cNvPr id="2" name="Text Placeholder 1"/>
-          <p:cNvSpPr>
-            <a:spLocks noGrp="1"/>
-          </p:cNvSpPr>
-          <p:nvPr>
-            <p:ph type="body" sz="quarter" idx="10"/>
-          </p:nvPr>
-        </p:nvSpPr>
-        <p:spPr/>
-        <p:txBody>
-          <a:bodyPr/>
-          <a:lstStyle/>
-          <a:p>
-            <a:r>
-              <a:rPr lang="en-US" dirty="0" smtClean="0"/>
-              <a:t>What to do with your clusters</a:t>
-            </a:r>
-            <a:endParaRPr lang="en-US" dirty="0"/>
-          </a:p>
-        </p:txBody>
-      </p:sp>
-      <p:sp>
-        <p:nvSpPr>
-          <p:cNvPr id="3" name="Text Placeholder 2"/>
-          <p:cNvSpPr>
-            <a:spLocks noGrp="1"/>
-          </p:cNvSpPr>
-          <p:nvPr>
-            <p:ph type="body" sz="quarter" idx="11"/>
-          </p:nvPr>
-        </p:nvSpPr>
-        <p:spPr>
-          <a:xfrm>
-            <a:off x="659304" y="1736725"/>
-            <a:ext cx="8299869" cy="4015497"/>
-          </a:xfrm>
-        </p:spPr>
-        <p:txBody>
-          <a:bodyPr/>
-          <a:lstStyle/>
-          <a:p>
-            <a:r>
-              <a:rPr lang="en-US" dirty="0" smtClean="0"/>
-              <a:t>As in PCA, clustering is an </a:t>
-            </a:r>
-            <a:r>
-              <a:rPr lang="en-US" b="0" dirty="0" smtClean="0"/>
-              <a:t>exploratory</a:t>
-            </a:r>
-            <a:r>
-              <a:rPr lang="en-US" dirty="0"/>
-              <a:t> </a:t>
-            </a:r>
-            <a:r>
-              <a:rPr lang="en-US" dirty="0" smtClean="0"/>
-              <a:t>analysis tool</a:t>
-            </a:r>
-          </a:p>
-          <a:p>
-            <a:r>
-              <a:rPr lang="en-US" dirty="0" smtClean="0"/>
-              <a:t>If you have clustered your </a:t>
-            </a:r>
-            <a:r>
-              <a:rPr lang="en-US" b="0" dirty="0" smtClean="0"/>
-              <a:t>observations </a:t>
-            </a:r>
-            <a:r>
-              <a:rPr lang="en-US" dirty="0" smtClean="0"/>
-              <a:t>(most common): you can interrogate the different clusters to see if they have common features</a:t>
-            </a:r>
-          </a:p>
-          <a:p>
-            <a:pPr lvl="1"/>
-            <a:r>
-              <a:rPr lang="en-US" dirty="0" smtClean="0"/>
-              <a:t>For observations with many features, you can also cluster the features and look @ common observations</a:t>
-            </a:r>
-            <a:r>
-              <a:rPr lang="mr-IN" dirty="0" smtClean="0"/>
-              <a:t>…</a:t>
-            </a:r>
-            <a:endParaRPr lang="en-US" dirty="0" smtClean="0"/>
-          </a:p>
-          <a:p>
-            <a:r>
-              <a:rPr lang="en-US" dirty="0" smtClean="0"/>
-              <a:t>In K-means, you have to choose the number of clusters:  </a:t>
-            </a:r>
-            <a:r>
-              <a:rPr lang="en-US" b="0" dirty="0" smtClean="0"/>
-              <a:t>you must assess the degree to which this choice makes an impact on your scientific conclusions!</a:t>
-            </a:r>
-            <a:endParaRPr lang="en-US" dirty="0"/>
-          </a:p>
-        </p:txBody>
-      </p:sp>
-    </p:spTree>
-    <p:extLst>
-      <p:ext uri="{BB962C8B-B14F-4D97-AF65-F5344CB8AC3E}">
-        <p14:creationId xmlns:p14="http://schemas.microsoft.com/office/powerpoint/2010/main" val="1582010016"/>
-      </p:ext>
-    </p:extLst>
-  </p:cSld>
-  <p:clrMapOvr>
-    <a:masterClrMapping/>
-  </p:clrMapOvr>
-  <p:timing>
-    <p:tnLst>
-      <p:par>
-        <p:cTn id="1" dur="indefinite" restart="never" nodeType="tmRoot"/>
-      </p:par>
-    </p:tnLst>
-  </p:timing>
-</p:sld>
-</file>
-
-<file path=ppt/slides/slide24.xml><?xml version="1.0" encoding="utf-8"?>
-<p:sld xmlns:a="http://schemas.openxmlformats.org/drawingml/2006/main" xmlns:r="http://schemas.openxmlformats.org/officeDocument/2006/relationships" xmlns:p="http://schemas.openxmlformats.org/presentationml/2006/main">
-  <p:cSld>
-    <p:spTree>
-      <p:nvGrpSpPr>
-        <p:cNvPr id="1" name=""/>
-        <p:cNvGrpSpPr/>
-        <p:nvPr/>
-      </p:nvGrpSpPr>
-      <p:grpSpPr>
-        <a:xfrm>
-          <a:off x="0" y="0"/>
-          <a:ext cx="0" cy="0"/>
-          <a:chOff x="0" y="0"/>
-          <a:chExt cx="0" cy="0"/>
-        </a:xfrm>
-      </p:grpSpPr>
-      <p:sp>
-        <p:nvSpPr>
-          <p:cNvPr id="2" name="Text Placeholder 1"/>
-          <p:cNvSpPr>
-            <a:spLocks noGrp="1"/>
-          </p:cNvSpPr>
-          <p:nvPr>
-            <p:ph type="body" sz="quarter" idx="10"/>
-          </p:nvPr>
-        </p:nvSpPr>
-        <p:spPr/>
-        <p:txBody>
-          <a:bodyPr/>
-          <a:lstStyle/>
-          <a:p>
-            <a:r>
-              <a:rPr lang="en-US" dirty="0" smtClean="0"/>
-              <a:t>Performing K-means clustering</a:t>
-            </a:r>
-            <a:endParaRPr lang="en-US" dirty="0"/>
-          </a:p>
-        </p:txBody>
-      </p:sp>
-      <p:sp>
-        <p:nvSpPr>
-          <p:cNvPr id="3" name="Text Placeholder 2"/>
-          <p:cNvSpPr>
-            <a:spLocks noGrp="1"/>
-          </p:cNvSpPr>
-          <p:nvPr>
-            <p:ph type="body" sz="quarter" idx="11"/>
-          </p:nvPr>
-        </p:nvSpPr>
-        <p:spPr/>
-        <p:txBody>
-          <a:bodyPr/>
-          <a:lstStyle/>
-          <a:p>
-            <a:r>
-              <a:rPr lang="en-US" dirty="0" smtClean="0"/>
-              <a:t>The module </a:t>
-            </a:r>
-            <a:r>
-              <a:rPr lang="en-US" dirty="0" err="1" smtClean="0">
-                <a:latin typeface="Courier" charset="0"/>
-                <a:ea typeface="Courier" charset="0"/>
-                <a:cs typeface="Courier" charset="0"/>
-              </a:rPr>
-              <a:t>sklearn.clustering</a:t>
-            </a:r>
-            <a:r>
-              <a:rPr lang="en-US" dirty="0" smtClean="0"/>
-              <a:t> can perform K-means and has many variants </a:t>
-            </a:r>
-          </a:p>
-          <a:p>
-            <a:r>
-              <a:rPr lang="en-US" dirty="0" smtClean="0"/>
-              <a:t>Quick Q: what is a good strategy to learn how to implement a new method like K-means? </a:t>
-            </a:r>
-          </a:p>
-          <a:p>
-            <a:r>
-              <a:rPr lang="en-US" dirty="0" smtClean="0"/>
-              <a:t>Take care as with PCA if the size of your data set grows, the computational cost to complete the clustering can become prohibitive</a:t>
-            </a:r>
-            <a:r>
-              <a:rPr lang="mr-IN" dirty="0" smtClean="0"/>
-              <a:t>…</a:t>
-            </a:r>
-            <a:r>
-              <a:rPr lang="en-US" dirty="0" smtClean="0"/>
-              <a:t> </a:t>
-            </a:r>
-            <a:endParaRPr lang="en-US" dirty="0"/>
-          </a:p>
-        </p:txBody>
-      </p:sp>
-    </p:spTree>
-    <p:extLst>
-      <p:ext uri="{BB962C8B-B14F-4D97-AF65-F5344CB8AC3E}">
-        <p14:creationId xmlns:p14="http://schemas.microsoft.com/office/powerpoint/2010/main" val="155252764"/>
-      </p:ext>
-    </p:extLst>
-  </p:cSld>
-  <p:clrMapOvr>
-    <a:masterClrMapping/>
-  </p:clrMapOvr>
-  <p:timing>
-    <p:tnLst>
-      <p:par>
-        <p:cTn id="1" dur="indefinite" restart="never" nodeType="tmRoot"/>
-      </p:par>
-    </p:tnLst>
-  </p:timing>
-</p:sld>
-</file>
-
-<file path=ppt/slides/slide25.xml><?xml version="1.0" encoding="utf-8"?>
-<p:sld xmlns:a="http://schemas.openxmlformats.org/drawingml/2006/main" xmlns:r="http://schemas.openxmlformats.org/officeDocument/2006/relationships" xmlns:p="http://schemas.openxmlformats.org/presentationml/2006/main">
-  <p:cSld>
-    <p:spTree>
-      <p:nvGrpSpPr>
-        <p:cNvPr id="1" name=""/>
-        <p:cNvGrpSpPr/>
-        <p:nvPr/>
-      </p:nvGrpSpPr>
-      <p:grpSpPr>
-        <a:xfrm>
-          <a:off x="0" y="0"/>
-          <a:ext cx="0" cy="0"/>
-          <a:chOff x="0" y="0"/>
-          <a:chExt cx="0" cy="0"/>
-        </a:xfrm>
-      </p:grpSpPr>
-      <p:pic>
-        <p:nvPicPr>
-          <p:cNvPr id="4" name="Picture 3"/>
-          <p:cNvPicPr>
-            <a:picLocks noChangeAspect="1"/>
-          </p:cNvPicPr>
-          <p:nvPr/>
-        </p:nvPicPr>
-        <p:blipFill>
-          <a:blip r:embed="rId2"/>
-          <a:stretch>
-            <a:fillRect/>
-          </a:stretch>
-        </p:blipFill>
-        <p:spPr>
-          <a:xfrm>
-            <a:off x="3550596" y="4486435"/>
-            <a:ext cx="5593404" cy="2466215"/>
-          </a:xfrm>
-          <a:prstGeom prst="rect">
-            <a:avLst/>
-          </a:prstGeom>
-        </p:spPr>
-      </p:pic>
-      <p:sp>
-        <p:nvSpPr>
-          <p:cNvPr id="2" name="Text Placeholder 1"/>
-          <p:cNvSpPr>
-            <a:spLocks noGrp="1"/>
-          </p:cNvSpPr>
-          <p:nvPr>
-            <p:ph type="body" sz="quarter" idx="10"/>
-          </p:nvPr>
-        </p:nvSpPr>
-        <p:spPr/>
-        <p:txBody>
-          <a:bodyPr/>
-          <a:lstStyle/>
-          <a:p>
-            <a:r>
-              <a:rPr lang="en-US" dirty="0" smtClean="0"/>
-              <a:t>Hierarchical clustering vs K-means </a:t>
-            </a:r>
-            <a:endParaRPr lang="en-US" dirty="0"/>
-          </a:p>
-        </p:txBody>
-      </p:sp>
-      <p:sp>
-        <p:nvSpPr>
-          <p:cNvPr id="3" name="Text Placeholder 2"/>
-          <p:cNvSpPr>
-            <a:spLocks noGrp="1"/>
-          </p:cNvSpPr>
-          <p:nvPr>
-            <p:ph type="body" sz="quarter" idx="11"/>
-          </p:nvPr>
-        </p:nvSpPr>
-        <p:spPr/>
-        <p:txBody>
-          <a:bodyPr/>
-          <a:lstStyle/>
-          <a:p>
-            <a:r>
-              <a:rPr lang="en-US" dirty="0" smtClean="0"/>
-              <a:t>The main limitation of K-means,   </a:t>
-            </a:r>
-          </a:p>
-          <a:p>
-            <a:r>
-              <a:rPr lang="en-US" dirty="0" smtClean="0"/>
-              <a:t>Section 10.3.2 discusses </a:t>
-            </a:r>
-            <a:r>
-              <a:rPr lang="en-US" b="0" dirty="0" smtClean="0"/>
-              <a:t>hierarchical clustering</a:t>
-            </a:r>
-            <a:r>
-              <a:rPr lang="en-US" dirty="0" smtClean="0"/>
-              <a:t>, an approach that clusters all the data using a tree type structure </a:t>
-            </a:r>
-          </a:p>
-          <a:p>
-            <a:pPr lvl="1"/>
-            <a:r>
-              <a:rPr lang="en-US" dirty="0" smtClean="0"/>
-              <a:t>Choice of how many clusters can be made after the clustering is completed</a:t>
-            </a:r>
-            <a:r>
-              <a:rPr lang="mr-IN" dirty="0" smtClean="0"/>
-              <a:t>…</a:t>
-            </a:r>
-            <a:r>
-              <a:rPr lang="en-US" dirty="0" smtClean="0"/>
-              <a:t> </a:t>
-            </a:r>
-          </a:p>
-          <a:p>
-            <a:r>
-              <a:rPr lang="en-US" dirty="0" smtClean="0"/>
-              <a:t>See ISL for more detail </a:t>
-            </a:r>
-            <a:endParaRPr lang="en-US" dirty="0"/>
-          </a:p>
-        </p:txBody>
-      </p:sp>
-    </p:spTree>
-    <p:extLst>
-      <p:ext uri="{BB962C8B-B14F-4D97-AF65-F5344CB8AC3E}">
-        <p14:creationId xmlns:p14="http://schemas.microsoft.com/office/powerpoint/2010/main" val="1948208732"/>
-      </p:ext>
-    </p:extLst>
-  </p:cSld>
-  <p:clrMapOvr>
-    <a:masterClrMapping/>
-  </p:clrMapOvr>
-  <p:timing>
-    <p:tnLst>
-      <p:par>
-        <p:cTn id="1" dur="indefinite" restart="never" nodeType="tmRoot"/>
-      </p:par>
-    </p:tnLst>
-  </p:timing>
-</p:sld>
-</file>
-
-<file path=ppt/slides/slide26.xml><?xml version="1.0" encoding="utf-8"?>
-<p:sld xmlns:a="http://schemas.openxmlformats.org/drawingml/2006/main" xmlns:r="http://schemas.openxmlformats.org/officeDocument/2006/relationships" xmlns:p="http://schemas.openxmlformats.org/presentationml/2006/main">
-  <p:cSld>
-    <p:spTree>
-      <p:nvGrpSpPr>
-        <p:cNvPr id="1" name=""/>
-        <p:cNvGrpSpPr/>
-        <p:nvPr/>
-      </p:nvGrpSpPr>
-      <p:grpSpPr>
-        <a:xfrm>
-          <a:off x="0" y="0"/>
-          <a:ext cx="0" cy="0"/>
-          <a:chOff x="0" y="0"/>
-          <a:chExt cx="0" cy="0"/>
-        </a:xfrm>
-      </p:grpSpPr>
-      <p:sp>
-        <p:nvSpPr>
-          <p:cNvPr id="2" name="Text Placeholder 1"/>
-          <p:cNvSpPr>
-            <a:spLocks noGrp="1"/>
-          </p:cNvSpPr>
-          <p:nvPr>
-            <p:ph type="body" sz="quarter" idx="10"/>
-          </p:nvPr>
-        </p:nvSpPr>
-        <p:spPr/>
-        <p:txBody>
-          <a:bodyPr/>
-          <a:lstStyle/>
-          <a:p>
-            <a:r>
-              <a:rPr lang="en-US" dirty="0" smtClean="0"/>
-              <a:t>Clustering vs PCA </a:t>
-            </a:r>
-            <a:endParaRPr lang="en-US" dirty="0"/>
-          </a:p>
-        </p:txBody>
-      </p:sp>
-      <p:sp>
-        <p:nvSpPr>
-          <p:cNvPr id="3" name="Text Placeholder 2"/>
-          <p:cNvSpPr>
-            <a:spLocks noGrp="1"/>
-          </p:cNvSpPr>
-          <p:nvPr>
-            <p:ph type="body" sz="quarter" idx="11"/>
-          </p:nvPr>
-        </p:nvSpPr>
-        <p:spPr/>
-        <p:txBody>
-          <a:bodyPr/>
-          <a:lstStyle/>
-          <a:p>
-            <a:r>
-              <a:rPr lang="en-US" dirty="0" smtClean="0"/>
-              <a:t>Simple definition in ISL (p385): </a:t>
-            </a:r>
-          </a:p>
-          <a:p>
-            <a:pPr lvl="1"/>
-            <a:r>
-              <a:rPr lang="en-US" dirty="0" smtClean="0"/>
-              <a:t>“</a:t>
-            </a:r>
-            <a:r>
-              <a:rPr lang="en-US" b="0" i="1" dirty="0" smtClean="0"/>
-              <a:t>PCA </a:t>
-            </a:r>
-            <a:r>
-              <a:rPr lang="en-US" b="0" i="1" dirty="0"/>
-              <a:t>looks to find a low-dimensional representation of the </a:t>
-            </a:r>
-            <a:r>
-              <a:rPr lang="en-US" b="0" i="1" dirty="0" smtClean="0"/>
-              <a:t>observations </a:t>
-            </a:r>
-            <a:r>
-              <a:rPr lang="en-US" b="0" i="1" dirty="0"/>
-              <a:t>that explain a good fraction of the </a:t>
-            </a:r>
-            <a:r>
-              <a:rPr lang="en-US" b="0" i="1" dirty="0" smtClean="0"/>
-              <a:t>variance</a:t>
-            </a:r>
-            <a:r>
-              <a:rPr lang="en-US" dirty="0" smtClean="0"/>
-              <a:t>” </a:t>
-            </a:r>
-            <a:endParaRPr lang="en-US" dirty="0"/>
-          </a:p>
-          <a:p>
-            <a:pPr lvl="1"/>
-            <a:endParaRPr lang="en-US" dirty="0" smtClean="0"/>
-          </a:p>
-          <a:p>
-            <a:pPr lvl="1"/>
-            <a:r>
-              <a:rPr lang="en-US" dirty="0" smtClean="0"/>
-              <a:t>“</a:t>
-            </a:r>
-            <a:r>
-              <a:rPr lang="en-US" b="0" dirty="0" smtClean="0"/>
-              <a:t>Clustering </a:t>
-            </a:r>
-            <a:r>
-              <a:rPr lang="en-US" b="0" dirty="0"/>
-              <a:t>looks to find homogeneous subgroups among the </a:t>
-            </a:r>
-            <a:r>
-              <a:rPr lang="en-US" b="0" dirty="0" smtClean="0"/>
-              <a:t>observations</a:t>
-            </a:r>
-            <a:r>
-              <a:rPr lang="en-US" dirty="0" smtClean="0"/>
-              <a:t>” </a:t>
-            </a:r>
-            <a:endParaRPr lang="en-US" dirty="0"/>
-          </a:p>
-          <a:p>
-            <a:pPr lvl="1"/>
-            <a:endParaRPr lang="en-US" dirty="0" smtClean="0"/>
-          </a:p>
-          <a:p>
-            <a:r>
-              <a:rPr lang="en-US" dirty="0" smtClean="0"/>
-              <a:t>Unsupervised learning, especially use of results, can be a bit of an art</a:t>
-            </a:r>
-            <a:r>
-              <a:rPr lang="mr-IN" dirty="0" smtClean="0"/>
-              <a:t>…</a:t>
-            </a:r>
-            <a:endParaRPr lang="en-US" dirty="0" smtClean="0"/>
-          </a:p>
-          <a:p>
-            <a:pPr lvl="1"/>
-            <a:r>
-              <a:rPr lang="en-US" dirty="0" smtClean="0"/>
-              <a:t>In some cases, it might be appropriate to look at both approaches</a:t>
-            </a:r>
-            <a:endParaRPr lang="en-US" dirty="0"/>
-          </a:p>
-        </p:txBody>
-      </p:sp>
-    </p:spTree>
-    <p:extLst>
-      <p:ext uri="{BB962C8B-B14F-4D97-AF65-F5344CB8AC3E}">
-        <p14:creationId xmlns:p14="http://schemas.microsoft.com/office/powerpoint/2010/main" val="1557104939"/>
-      </p:ext>
-    </p:extLst>
-  </p:cSld>
-  <p:clrMapOvr>
-    <a:masterClrMapping/>
-  </p:clrMapOvr>
-  <p:timing>
-    <p:tnLst>
-      <p:par>
-        <p:cTn id="1" dur="indefinite" restart="never" nodeType="tmRoot"/>
-      </p:par>
-    </p:tnLst>
-  </p:timing>
-</p:sld>
-</file>
-
-<file path=ppt/slides/slide27.xml><?xml version="1.0" encoding="utf-8"?>
-<p:sld xmlns:a="http://schemas.openxmlformats.org/drawingml/2006/main" xmlns:r="http://schemas.openxmlformats.org/officeDocument/2006/relationships" xmlns:p="http://schemas.openxmlformats.org/presentationml/2006/main">
-  <p:cSld>
-    <p:spTree>
-      <p:nvGrpSpPr>
-        <p:cNvPr id="1" name=""/>
-        <p:cNvGrpSpPr/>
-        <p:nvPr/>
-      </p:nvGrpSpPr>
-      <p:grpSpPr>
-        <a:xfrm>
-          <a:off x="0" y="0"/>
-          <a:ext cx="0" cy="0"/>
-          <a:chOff x="0" y="0"/>
-          <a:chExt cx="0" cy="0"/>
-        </a:xfrm>
-      </p:grpSpPr>
-      <p:sp>
-        <p:nvSpPr>
-          <p:cNvPr id="2" name="Text Placeholder 1"/>
-          <p:cNvSpPr>
-            <a:spLocks noGrp="1"/>
-          </p:cNvSpPr>
-          <p:nvPr>
-            <p:ph type="body" sz="quarter" idx="10"/>
-          </p:nvPr>
-        </p:nvSpPr>
-        <p:spPr/>
-        <p:txBody>
-          <a:bodyPr/>
-          <a:lstStyle/>
-          <a:p>
-            <a:r>
-              <a:rPr lang="en-US" dirty="0" smtClean="0"/>
-              <a:t>(if time) Feedback </a:t>
-            </a:r>
-            <a:r>
-              <a:rPr lang="en-US" dirty="0" smtClean="0"/>
-              <a:t>on </a:t>
-            </a:r>
-            <a:r>
-              <a:rPr lang="en-US" dirty="0" smtClean="0"/>
-              <a:t>class</a:t>
-            </a:r>
-            <a:r>
-              <a:rPr lang="mr-IN" dirty="0" smtClean="0"/>
-              <a:t>…</a:t>
-            </a:r>
-            <a:endParaRPr lang="en-US" dirty="0"/>
-          </a:p>
-        </p:txBody>
-      </p:sp>
-    </p:spTree>
-    <p:extLst>
-      <p:ext uri="{BB962C8B-B14F-4D97-AF65-F5344CB8AC3E}">
-        <p14:creationId xmlns:p14="http://schemas.microsoft.com/office/powerpoint/2010/main" val="529915398"/>
-      </p:ext>
-    </p:extLst>
-  </p:cSld>
-  <p:clrMapOvr>
-    <a:masterClrMapping/>
-  </p:clrMapOvr>
-  <p:timing>
-    <p:tnLst>
-      <p:par>
-        <p:cTn id="1" dur="indefinite" restart="never" nodeType="tmRoot"/>
-      </p:par>
-    </p:tnLst>
-  </p:timing>
-</p:sld>
-</file>
-
-<file path=ppt/slides/slide3.xml><?xml version="1.0" encoding="utf-8"?>
-<p:sld xmlns:a="http://schemas.openxmlformats.org/drawingml/2006/main" xmlns:r="http://schemas.openxmlformats.org/officeDocument/2006/relationships" xmlns:p="http://schemas.openxmlformats.org/presentationml/2006/main">
-  <p:cSld>
-    <p:spTree>
-      <p:nvGrpSpPr>
-        <p:cNvPr id="1" name=""/>
-        <p:cNvGrpSpPr/>
-        <p:nvPr/>
-      </p:nvGrpSpPr>
-      <p:grpSpPr>
-        <a:xfrm>
-          <a:off x="0" y="0"/>
-          <a:ext cx="0" cy="0"/>
-          <a:chOff x="0" y="0"/>
-          <a:chExt cx="0" cy="0"/>
-        </a:xfrm>
-      </p:grpSpPr>
-      <p:sp>
-        <p:nvSpPr>
-          <p:cNvPr id="2" name="Text Placeholder 1"/>
-          <p:cNvSpPr>
-            <a:spLocks noGrp="1"/>
-          </p:cNvSpPr>
-          <p:nvPr>
-            <p:ph type="body" sz="quarter" idx="10"/>
-          </p:nvPr>
-        </p:nvSpPr>
-        <p:spPr/>
-        <p:txBody>
-          <a:bodyPr/>
-          <a:lstStyle/>
-          <a:p>
-            <a:r>
-              <a:rPr lang="en-US" dirty="0" smtClean="0"/>
-              <a:t>Topics last time </a:t>
-            </a:r>
-            <a:endParaRPr lang="en-US" dirty="0"/>
-          </a:p>
-        </p:txBody>
-      </p:sp>
-      <p:sp>
-        <p:nvSpPr>
-          <p:cNvPr id="3" name="Text Placeholder 2"/>
-          <p:cNvSpPr>
-            <a:spLocks noGrp="1"/>
-          </p:cNvSpPr>
-          <p:nvPr>
-            <p:ph type="body" sz="quarter" idx="11"/>
-          </p:nvPr>
-        </p:nvSpPr>
-        <p:spPr/>
-        <p:txBody>
-          <a:bodyPr/>
-          <a:lstStyle/>
-          <a:p>
-            <a:r>
-              <a:rPr lang="en-US" dirty="0" smtClean="0"/>
-              <a:t>Decision trees</a:t>
-            </a:r>
-          </a:p>
-          <a:p>
-            <a:pPr lvl="1"/>
-            <a:r>
-              <a:rPr lang="en-US" dirty="0" smtClean="0"/>
-              <a:t>Classification and regression trees</a:t>
-            </a:r>
-          </a:p>
-          <a:p>
-            <a:pPr lvl="1"/>
-            <a:r>
-              <a:rPr lang="en-US" dirty="0" smtClean="0"/>
-              <a:t>Tree depth and relationship to bias/variance concepts </a:t>
-            </a:r>
-          </a:p>
-          <a:p>
-            <a:r>
-              <a:rPr lang="en-US" dirty="0" smtClean="0"/>
-              <a:t>Ensemble methods</a:t>
-            </a:r>
-          </a:p>
-          <a:p>
-            <a:pPr lvl="1"/>
-            <a:r>
-              <a:rPr lang="en-US" dirty="0" smtClean="0"/>
-              <a:t>Bagging </a:t>
-            </a:r>
-          </a:p>
-          <a:p>
-            <a:pPr lvl="1"/>
-            <a:r>
-              <a:rPr lang="en-US" dirty="0" smtClean="0"/>
-              <a:t>Random forest </a:t>
-            </a:r>
-            <a:endParaRPr lang="en-US" dirty="0" smtClean="0"/>
-          </a:p>
-          <a:p>
-            <a:r>
-              <a:rPr lang="en-US" dirty="0" smtClean="0"/>
-              <a:t>Visualization of DTs</a:t>
-            </a:r>
-            <a:endParaRPr lang="en-US" dirty="0"/>
-          </a:p>
-        </p:txBody>
-      </p:sp>
-      <p:sp>
-        <p:nvSpPr>
-          <p:cNvPr id="4" name="TextBox 3"/>
-          <p:cNvSpPr txBox="1"/>
-          <p:nvPr/>
-        </p:nvSpPr>
-        <p:spPr>
-          <a:xfrm>
-            <a:off x="1668049" y="4648111"/>
-            <a:ext cx="6192078" cy="1477328"/>
-          </a:xfrm>
-          <a:prstGeom prst="rect">
-            <a:avLst/>
-          </a:prstGeom>
-          <a:noFill/>
-          <a:ln>
-            <a:solidFill>
-              <a:schemeClr val="accent1"/>
-            </a:solidFill>
-          </a:ln>
-        </p:spPr>
-        <p:txBody>
-          <a:bodyPr wrap="square" rtlCol="0">
-            <a:spAutoFit/>
-          </a:bodyPr>
-          <a:lstStyle/>
-          <a:p>
-            <a:r>
-              <a:rPr lang="en-US" u="sng" dirty="0" smtClean="0"/>
-              <a:t>Big picture concepts: </a:t>
-            </a:r>
-          </a:p>
-          <a:p>
-            <a:pPr marL="285750" indent="-285750">
-              <a:buFont typeface="Arial" charset="0"/>
-              <a:buChar char="•"/>
-            </a:pPr>
-            <a:r>
-              <a:rPr lang="en-US" dirty="0" smtClean="0"/>
-              <a:t>DT can outperform regression or classification, especially when relationships are complex or nonlinear </a:t>
-            </a:r>
-          </a:p>
-          <a:p>
-            <a:pPr marL="285750" indent="-285750">
-              <a:buFont typeface="Arial" charset="0"/>
-              <a:buChar char="•"/>
-            </a:pPr>
-            <a:r>
-              <a:rPr lang="en-US" dirty="0" smtClean="0"/>
-              <a:t>DT are highly dependent on training data used, so ensemble methods are strongly advised  </a:t>
-            </a:r>
-            <a:endParaRPr lang="en-US" dirty="0"/>
-          </a:p>
-        </p:txBody>
-      </p:sp>
-    </p:spTree>
-    <p:extLst>
-      <p:ext uri="{BB962C8B-B14F-4D97-AF65-F5344CB8AC3E}">
-        <p14:creationId xmlns:p14="http://schemas.microsoft.com/office/powerpoint/2010/main" val="750925783"/>
-      </p:ext>
-    </p:extLst>
-  </p:cSld>
-  <p:clrMapOvr>
-    <a:masterClrMapping/>
-  </p:clrMapOvr>
-  <p:timing>
-    <p:tnLst>
-      <p:par>
-        <p:cTn id="1" dur="indefinite" restart="never" nodeType="tmRoot"/>
-      </p:par>
-    </p:tnLst>
-  </p:timing>
-</p:sld>
-</file>
-
-<file path=ppt/slides/slide4.xml><?xml version="1.0" encoding="utf-8"?>
-<p:sld xmlns:a="http://schemas.openxmlformats.org/drawingml/2006/main" xmlns:r="http://schemas.openxmlformats.org/officeDocument/2006/relationships" xmlns:p="http://schemas.openxmlformats.org/presentationml/2006/main">
-  <p:cSld>
-    <p:spTree>
-      <p:nvGrpSpPr>
-        <p:cNvPr id="1" name=""/>
-        <p:cNvGrpSpPr/>
-        <p:nvPr/>
-      </p:nvGrpSpPr>
-      <p:grpSpPr>
-        <a:xfrm>
-          <a:off x="0" y="0"/>
-          <a:ext cx="0" cy="0"/>
-          <a:chOff x="0" y="0"/>
-          <a:chExt cx="0" cy="0"/>
-        </a:xfrm>
-      </p:grpSpPr>
-      <p:sp>
-        <p:nvSpPr>
-          <p:cNvPr id="2" name="Text Placeholder 1"/>
-          <p:cNvSpPr>
-            <a:spLocks noGrp="1"/>
-          </p:cNvSpPr>
-          <p:nvPr>
-            <p:ph type="body" sz="quarter" idx="10"/>
-          </p:nvPr>
-        </p:nvSpPr>
-        <p:spPr/>
-        <p:txBody>
-          <a:bodyPr/>
-          <a:lstStyle/>
-          <a:p>
-            <a:r>
-              <a:rPr lang="en-US" dirty="0" smtClean="0"/>
-              <a:t>Visualization of the DT in Python</a:t>
-            </a:r>
-            <a:endParaRPr lang="en-US" dirty="0"/>
-          </a:p>
-        </p:txBody>
-      </p:sp>
-      <p:sp>
-        <p:nvSpPr>
-          <p:cNvPr id="3" name="Text Placeholder 2"/>
-          <p:cNvSpPr>
-            <a:spLocks noGrp="1"/>
-          </p:cNvSpPr>
-          <p:nvPr>
-            <p:ph type="body" sz="quarter" idx="11"/>
-          </p:nvPr>
-        </p:nvSpPr>
-        <p:spPr/>
-        <p:txBody>
-          <a:bodyPr/>
-          <a:lstStyle/>
-          <a:p>
-            <a:endParaRPr lang="en-US" dirty="0"/>
-          </a:p>
-        </p:txBody>
-      </p:sp>
-    </p:spTree>
-    <p:extLst>
-      <p:ext uri="{BB962C8B-B14F-4D97-AF65-F5344CB8AC3E}">
-        <p14:creationId xmlns:p14="http://schemas.microsoft.com/office/powerpoint/2010/main" val="1506668883"/>
-      </p:ext>
-    </p:extLst>
-  </p:cSld>
-  <p:clrMapOvr>
-    <a:masterClrMapping/>
-  </p:clrMapOvr>
-  <p:timing>
-    <p:tnLst>
-      <p:par>
-        <p:cTn id="1" dur="indefinite" restart="never" nodeType="tmRoot"/>
-      </p:par>
-    </p:tnLst>
-  </p:timing>
-</p:sld>
-</file>
-
-<file path=ppt/slides/slide5.xml><?xml version="1.0" encoding="utf-8"?>
-<p:sld xmlns:a="http://schemas.openxmlformats.org/drawingml/2006/main" xmlns:r="http://schemas.openxmlformats.org/officeDocument/2006/relationships" xmlns:p="http://schemas.openxmlformats.org/presentationml/2006/main">
-  <p:cSld>
-    <p:spTree>
-      <p:nvGrpSpPr>
-        <p:cNvPr id="1" name=""/>
-        <p:cNvGrpSpPr/>
-        <p:nvPr/>
-      </p:nvGrpSpPr>
-      <p:grpSpPr>
-        <a:xfrm>
-          <a:off x="0" y="0"/>
-          <a:ext cx="0" cy="0"/>
-          <a:chOff x="0" y="0"/>
-          <a:chExt cx="0" cy="0"/>
-        </a:xfrm>
-      </p:grpSpPr>
-      <p:pic>
-        <p:nvPicPr>
-          <p:cNvPr id="5" name="Picture 4"/>
-          <p:cNvPicPr>
-            <a:picLocks noChangeAspect="1"/>
-          </p:cNvPicPr>
-          <p:nvPr/>
-        </p:nvPicPr>
-        <p:blipFill>
-          <a:blip r:embed="rId3"/>
-          <a:stretch>
-            <a:fillRect/>
-          </a:stretch>
-        </p:blipFill>
-        <p:spPr>
-          <a:xfrm>
-            <a:off x="4458668" y="4477034"/>
-            <a:ext cx="4685332" cy="2380966"/>
-          </a:xfrm>
-          <a:prstGeom prst="rect">
-            <a:avLst/>
-          </a:prstGeom>
-        </p:spPr>
-      </p:pic>
-      <p:sp>
-        <p:nvSpPr>
-          <p:cNvPr id="2" name="Text Placeholder 1"/>
-          <p:cNvSpPr>
-            <a:spLocks noGrp="1"/>
-          </p:cNvSpPr>
-          <p:nvPr>
-            <p:ph type="body" sz="quarter" idx="10"/>
-          </p:nvPr>
-        </p:nvSpPr>
-        <p:spPr/>
-        <p:txBody>
-          <a:bodyPr/>
-          <a:lstStyle/>
-          <a:p>
-            <a:r>
-              <a:rPr lang="en-US" dirty="0" smtClean="0"/>
-              <a:t>Support vector machine (SVM)</a:t>
-            </a:r>
-            <a:endParaRPr lang="en-US" dirty="0"/>
-          </a:p>
-        </p:txBody>
-      </p:sp>
-      <p:sp>
-        <p:nvSpPr>
-          <p:cNvPr id="3" name="Text Placeholder 2"/>
-          <p:cNvSpPr>
-            <a:spLocks noGrp="1"/>
-          </p:cNvSpPr>
-          <p:nvPr>
-            <p:ph type="body" sz="quarter" idx="11"/>
-          </p:nvPr>
-        </p:nvSpPr>
-        <p:spPr>
-          <a:xfrm>
-            <a:off x="492996" y="1726998"/>
-            <a:ext cx="8659793" cy="4015497"/>
-          </a:xfrm>
-        </p:spPr>
-        <p:txBody>
-          <a:bodyPr/>
-          <a:lstStyle/>
-          <a:p>
-            <a:r>
-              <a:rPr lang="en-US" dirty="0" smtClean="0"/>
-              <a:t>I had hoped for time to discuss an advanced classification technique called </a:t>
-            </a:r>
-            <a:r>
-              <a:rPr lang="en-US" dirty="0" smtClean="0"/>
-              <a:t>SVM: 1 slide instead </a:t>
-            </a:r>
-            <a:r>
-              <a:rPr lang="en-US" dirty="0" smtClean="0">
-                <a:sym typeface="Wingdings"/>
-              </a:rPr>
-              <a:t></a:t>
-            </a:r>
-            <a:endParaRPr lang="en-US" dirty="0" smtClean="0"/>
-          </a:p>
-          <a:p>
-            <a:r>
-              <a:rPr lang="en-US" dirty="0" smtClean="0"/>
-              <a:t>Qualitative idea: </a:t>
-            </a:r>
-            <a:r>
-              <a:rPr lang="en-US" b="0" dirty="0" smtClean="0"/>
-              <a:t>construct decision boundaries when there is a nonlinear relationship between features</a:t>
-            </a:r>
-            <a:endParaRPr lang="en-US" dirty="0" smtClean="0"/>
-          </a:p>
-          <a:p>
-            <a:endParaRPr lang="en-US" sz="1600" dirty="0" smtClean="0"/>
-          </a:p>
-          <a:p>
-            <a:endParaRPr lang="en-US" sz="1100" dirty="0"/>
-          </a:p>
-          <a:p>
-            <a:pPr marL="0" indent="0">
-              <a:buNone/>
-            </a:pPr>
-            <a:r>
-              <a:rPr lang="en-US" sz="1600" dirty="0" smtClean="0"/>
-              <a:t>Data </a:t>
-            </a:r>
-            <a:r>
-              <a:rPr lang="en-US" sz="1600" dirty="0" smtClean="0"/>
-              <a:t>from figs 9.8/9.9</a:t>
-            </a:r>
-            <a:endParaRPr lang="en-US" sz="1600" dirty="0"/>
-          </a:p>
-        </p:txBody>
-      </p:sp>
-      <p:pic>
-        <p:nvPicPr>
-          <p:cNvPr id="4" name="Picture 3"/>
-          <p:cNvPicPr>
-            <a:picLocks noChangeAspect="1"/>
-          </p:cNvPicPr>
-          <p:nvPr/>
-        </p:nvPicPr>
-        <p:blipFill>
-          <a:blip r:embed="rId4"/>
-          <a:stretch>
-            <a:fillRect/>
-          </a:stretch>
-        </p:blipFill>
-        <p:spPr>
-          <a:xfrm>
-            <a:off x="0" y="4478056"/>
-            <a:ext cx="4822893" cy="2378922"/>
-          </a:xfrm>
-          <a:prstGeom prst="rect">
-            <a:avLst/>
-          </a:prstGeom>
-        </p:spPr>
-      </p:pic>
-      <p:sp>
-        <p:nvSpPr>
-          <p:cNvPr id="6" name="TextBox 5"/>
-          <p:cNvSpPr txBox="1"/>
-          <p:nvPr/>
-        </p:nvSpPr>
-        <p:spPr>
-          <a:xfrm>
-            <a:off x="330416" y="4104839"/>
-            <a:ext cx="1898918" cy="369332"/>
-          </a:xfrm>
-          <a:prstGeom prst="rect">
-            <a:avLst/>
-          </a:prstGeom>
-          <a:noFill/>
-        </p:spPr>
-        <p:txBody>
-          <a:bodyPr wrap="none" rtlCol="0">
-            <a:spAutoFit/>
-          </a:bodyPr>
-          <a:lstStyle/>
-          <a:p>
-            <a:r>
-              <a:rPr lang="en-US" dirty="0" smtClean="0"/>
-              <a:t>2 features, 2 class </a:t>
-            </a:r>
-            <a:endParaRPr lang="en-US" dirty="0"/>
-          </a:p>
-        </p:txBody>
-      </p:sp>
-      <p:sp>
-        <p:nvSpPr>
-          <p:cNvPr id="7" name="TextBox 6"/>
-          <p:cNvSpPr txBox="1"/>
-          <p:nvPr/>
-        </p:nvSpPr>
-        <p:spPr>
-          <a:xfrm>
-            <a:off x="2665493" y="4104839"/>
-            <a:ext cx="1721240" cy="369332"/>
-          </a:xfrm>
-          <a:prstGeom prst="rect">
-            <a:avLst/>
-          </a:prstGeom>
-          <a:noFill/>
-        </p:spPr>
-        <p:txBody>
-          <a:bodyPr wrap="none" rtlCol="0">
-            <a:spAutoFit/>
-          </a:bodyPr>
-          <a:lstStyle/>
-          <a:p>
-            <a:r>
-              <a:rPr lang="en-US" smtClean="0"/>
-              <a:t>Linear boundary</a:t>
-            </a:r>
-            <a:endParaRPr lang="en-US" dirty="0"/>
-          </a:p>
-        </p:txBody>
-      </p:sp>
-      <p:sp>
-        <p:nvSpPr>
-          <p:cNvPr id="8" name="TextBox 7"/>
-          <p:cNvSpPr txBox="1"/>
-          <p:nvPr/>
-        </p:nvSpPr>
-        <p:spPr>
-          <a:xfrm>
-            <a:off x="4952170" y="3966338"/>
-            <a:ext cx="1783758" cy="646331"/>
-          </a:xfrm>
-          <a:prstGeom prst="rect">
-            <a:avLst/>
-          </a:prstGeom>
-          <a:noFill/>
-        </p:spPr>
-        <p:txBody>
-          <a:bodyPr wrap="none" rtlCol="0">
-            <a:spAutoFit/>
-          </a:bodyPr>
-          <a:lstStyle/>
-          <a:p>
-            <a:pPr algn="ctr"/>
-            <a:r>
-              <a:rPr lang="en-US" dirty="0" smtClean="0"/>
-              <a:t>SVM: </a:t>
-            </a:r>
-          </a:p>
-          <a:p>
-            <a:pPr algn="ctr"/>
-            <a:r>
-              <a:rPr lang="en-US" dirty="0" smtClean="0"/>
-              <a:t>curved boundary</a:t>
-            </a:r>
-            <a:endParaRPr lang="en-US" dirty="0"/>
-          </a:p>
-        </p:txBody>
-      </p:sp>
-      <p:sp>
-        <p:nvSpPr>
-          <p:cNvPr id="9" name="TextBox 8"/>
-          <p:cNvSpPr txBox="1"/>
-          <p:nvPr/>
-        </p:nvSpPr>
-        <p:spPr>
-          <a:xfrm>
-            <a:off x="7332826" y="3966339"/>
-            <a:ext cx="1666931" cy="646331"/>
-          </a:xfrm>
-          <a:prstGeom prst="rect">
-            <a:avLst/>
-          </a:prstGeom>
-          <a:noFill/>
-        </p:spPr>
-        <p:txBody>
-          <a:bodyPr wrap="none" rtlCol="0">
-            <a:spAutoFit/>
-          </a:bodyPr>
-          <a:lstStyle/>
-          <a:p>
-            <a:pPr algn="ctr"/>
-            <a:r>
-              <a:rPr lang="en-US" dirty="0" smtClean="0"/>
-              <a:t>SVM: </a:t>
-            </a:r>
-          </a:p>
-          <a:p>
-            <a:pPr algn="ctr"/>
-            <a:r>
-              <a:rPr lang="en-US" dirty="0" smtClean="0"/>
-              <a:t>radial boundary</a:t>
-            </a:r>
-            <a:endParaRPr lang="en-US" dirty="0"/>
-          </a:p>
-        </p:txBody>
-      </p:sp>
-    </p:spTree>
-    <p:extLst>
-      <p:ext uri="{BB962C8B-B14F-4D97-AF65-F5344CB8AC3E}">
-        <p14:creationId xmlns:p14="http://schemas.microsoft.com/office/powerpoint/2010/main" val="235645202"/>
-      </p:ext>
-    </p:extLst>
-  </p:cSld>
-  <p:clrMapOvr>
-    <a:masterClrMapping/>
-  </p:clrMapOvr>
-  <p:timing>
-    <p:tnLst>
-      <p:par>
-        <p:cTn id="1" dur="indefinite" restart="never" nodeType="tmRoot"/>
-      </p:par>
-    </p:tnLst>
-  </p:timing>
-</p:sld>
-</file>
-
-<file path=ppt/slides/slide6.xml><?xml version="1.0" encoding="utf-8"?>
 <p:sld xmlns:a="http://schemas.openxmlformats.org/drawingml/2006/main" xmlns:r="http://schemas.openxmlformats.org/officeDocument/2006/relationships" xmlns:p="http://schemas.openxmlformats.org/presentationml/2006/main">
   <p:cSld>
     <p:spTree>
@@ -7132,15 +5894,7 @@
           <a:p>
             <a:r>
               <a:rPr lang="en-US" dirty="0" smtClean="0"/>
-              <a:t>Supervised vs. </a:t>
-            </a:r>
-            <a:r>
-              <a:rPr lang="en-US" dirty="0" smtClean="0"/>
-              <a:t>unsupervised </a:t>
-            </a:r>
-            <a:r>
-              <a:rPr lang="en-US" dirty="0" smtClean="0"/>
-              <a:t>learning</a:t>
+              <a:t>Supervised vs. unsupervised learning</a:t>
             </a:r>
             <a:endParaRPr lang="en-US" dirty="0"/>
           </a:p>
@@ -7237,7 +5991,7 @@
 </p:sld>
 </file>
 
-<file path=ppt/slides/slide7.xml><?xml version="1.0" encoding="utf-8"?>
+<file path=ppt/slides/slide16.xml><?xml version="1.0" encoding="utf-8"?>
 <p:sld xmlns:a="http://schemas.openxmlformats.org/drawingml/2006/main" xmlns:r="http://schemas.openxmlformats.org/officeDocument/2006/relationships" xmlns:p="http://schemas.openxmlformats.org/presentationml/2006/main">
   <p:cSld>
     <p:spTree>
@@ -7355,7 +6109,7 @@
 </p:sld>
 </file>
 
-<file path=ppt/slides/slide8.xml><?xml version="1.0" encoding="utf-8"?>
+<file path=ppt/slides/slide17.xml><?xml version="1.0" encoding="utf-8"?>
 <p:sld xmlns:a="http://schemas.openxmlformats.org/drawingml/2006/main" xmlns:r="http://schemas.openxmlformats.org/officeDocument/2006/relationships" xmlns:p="http://schemas.openxmlformats.org/presentationml/2006/main">
   <p:cSld>
     <p:spTree>
@@ -8163,7 +6917,7 @@
 </p:sld>
 </file>
 
-<file path=ppt/slides/slide9.xml><?xml version="1.0" encoding="utf-8"?>
+<file path=ppt/slides/slide18.xml><?xml version="1.0" encoding="utf-8"?>
 <p:sld xmlns:a="http://schemas.openxmlformats.org/drawingml/2006/main" xmlns:r="http://schemas.openxmlformats.org/officeDocument/2006/relationships" xmlns:p="http://schemas.openxmlformats.org/presentationml/2006/main">
   <p:cSld>
     <p:spTree>
@@ -8325,6 +7079,3963 @@
     <p:extLst>
       <p:ext uri="{BB962C8B-B14F-4D97-AF65-F5344CB8AC3E}">
         <p14:creationId xmlns:p14="http://schemas.microsoft.com/office/powerpoint/2010/main" val="1162768003"/>
+      </p:ext>
+    </p:extLst>
+  </p:cSld>
+  <p:clrMapOvr>
+    <a:masterClrMapping/>
+  </p:clrMapOvr>
+  <p:timing>
+    <p:tnLst>
+      <p:par>
+        <p:cTn id="1" dur="indefinite" restart="never" nodeType="tmRoot"/>
+      </p:par>
+    </p:tnLst>
+  </p:timing>
+</p:sld>
+</file>
+
+<file path=ppt/slides/slide19.xml><?xml version="1.0" encoding="utf-8"?>
+<p:sld xmlns:a="http://schemas.openxmlformats.org/drawingml/2006/main" xmlns:r="http://schemas.openxmlformats.org/officeDocument/2006/relationships" xmlns:p="http://schemas.openxmlformats.org/presentationml/2006/main">
+  <p:cSld>
+    <p:spTree>
+      <p:nvGrpSpPr>
+        <p:cNvPr id="1" name=""/>
+        <p:cNvGrpSpPr/>
+        <p:nvPr/>
+      </p:nvGrpSpPr>
+      <p:grpSpPr>
+        <a:xfrm>
+          <a:off x="0" y="0"/>
+          <a:ext cx="0" cy="0"/>
+          <a:chOff x="0" y="0"/>
+          <a:chExt cx="0" cy="0"/>
+        </a:xfrm>
+      </p:grpSpPr>
+      <p:sp>
+        <p:nvSpPr>
+          <p:cNvPr id="2" name="Text Placeholder 1"/>
+          <p:cNvSpPr>
+            <a:spLocks noGrp="1"/>
+          </p:cNvSpPr>
+          <p:nvPr>
+            <p:ph type="body" sz="quarter" idx="10"/>
+          </p:nvPr>
+        </p:nvSpPr>
+        <p:spPr/>
+        <p:txBody>
+          <a:bodyPr/>
+          <a:lstStyle/>
+          <a:p>
+            <a:r>
+              <a:rPr lang="en-US" dirty="0" smtClean="0"/>
+              <a:t>The 2</a:t>
+            </a:r>
+            <a:r>
+              <a:rPr lang="en-US" baseline="30000" dirty="0" smtClean="0"/>
+              <a:t>nd</a:t>
+            </a:r>
+            <a:r>
+              <a:rPr lang="en-US" dirty="0" smtClean="0"/>
+              <a:t> principal component</a:t>
+            </a:r>
+            <a:endParaRPr lang="en-US" dirty="0"/>
+          </a:p>
+        </p:txBody>
+      </p:sp>
+      <p:sp>
+        <p:nvSpPr>
+          <p:cNvPr id="3" name="Text Placeholder 2"/>
+          <p:cNvSpPr>
+            <a:spLocks noGrp="1"/>
+          </p:cNvSpPr>
+          <p:nvPr>
+            <p:ph type="body" sz="quarter" idx="11"/>
+          </p:nvPr>
+        </p:nvSpPr>
+        <p:spPr/>
+        <p:txBody>
+          <a:bodyPr/>
+          <a:lstStyle/>
+          <a:p>
+            <a:r>
+              <a:rPr lang="en-US" dirty="0" smtClean="0"/>
+              <a:t>But what if there are other variables that help describe the variance in our observables? </a:t>
+            </a:r>
+          </a:p>
+          <a:p>
+            <a:r>
+              <a:rPr lang="en-US" dirty="0" smtClean="0"/>
+              <a:t>The 2</a:t>
+            </a:r>
+            <a:r>
+              <a:rPr lang="en-US" baseline="30000" dirty="0" smtClean="0"/>
+              <a:t>nd</a:t>
+            </a:r>
+            <a:r>
+              <a:rPr lang="en-US" dirty="0" smtClean="0"/>
+              <a:t> PC </a:t>
+            </a:r>
+            <a:r>
+              <a:rPr lang="en-US" dirty="0"/>
+              <a:t>(</a:t>
+            </a:r>
+            <a:r>
+              <a:rPr lang="en-US" i="1" dirty="0" smtClean="0">
+                <a:latin typeface="times new roman" charset="0"/>
+              </a:rPr>
+              <a:t>Z</a:t>
+            </a:r>
+            <a:r>
+              <a:rPr lang="en-US" i="1" baseline="-25000" dirty="0" smtClean="0">
+                <a:latin typeface="times new roman" charset="0"/>
+              </a:rPr>
+              <a:t>2</a:t>
+            </a:r>
+            <a:r>
+              <a:rPr lang="en-US" dirty="0" smtClean="0"/>
+              <a:t>) is the linear combination of </a:t>
+            </a:r>
+            <a:r>
+              <a:rPr lang="en-US" dirty="0" smtClean="0">
+                <a:latin typeface="symbol" charset="2"/>
+              </a:rPr>
+              <a:t>f</a:t>
+            </a:r>
+            <a:r>
+              <a:rPr lang="en-US" sz="2000" baseline="-25000" dirty="0" smtClean="0">
+                <a:latin typeface="open sans" charset="0"/>
+              </a:rPr>
+              <a:t>j2</a:t>
+            </a:r>
+            <a:r>
+              <a:rPr lang="en-US" dirty="0" smtClean="0"/>
+              <a:t>X</a:t>
+            </a:r>
+            <a:r>
+              <a:rPr lang="en-US" baseline="-25000" dirty="0" smtClean="0"/>
+              <a:t>j</a:t>
+            </a:r>
+            <a:r>
+              <a:rPr lang="en-US" dirty="0" smtClean="0"/>
+              <a:t> that has maximum variance: </a:t>
+            </a:r>
+            <a:r>
+              <a:rPr lang="en-US" b="0" dirty="0" smtClean="0"/>
+              <a:t>must be orthogonal, or totally uncorrelated to </a:t>
+            </a:r>
+            <a:r>
+              <a:rPr lang="en-US" b="0" i="1" dirty="0" smtClean="0">
+                <a:latin typeface="times new roman" charset="0"/>
+              </a:rPr>
+              <a:t>Z</a:t>
+            </a:r>
+            <a:r>
+              <a:rPr lang="en-US" b="0" i="1" baseline="-25000" dirty="0" smtClean="0">
+                <a:latin typeface="times new roman" charset="0"/>
+              </a:rPr>
+              <a:t>1 </a:t>
+            </a:r>
+            <a:endParaRPr lang="en-US" dirty="0" smtClean="0"/>
+          </a:p>
+          <a:p>
+            <a:endParaRPr lang="en-US" dirty="0" smtClean="0"/>
+          </a:p>
+          <a:p>
+            <a:endParaRPr lang="en-US" dirty="0" smtClean="0"/>
+          </a:p>
+          <a:p>
+            <a:r>
+              <a:rPr lang="en-US" dirty="0" smtClean="0"/>
+              <a:t>The orthogonality of the 2</a:t>
+            </a:r>
+            <a:r>
+              <a:rPr lang="en-US" baseline="30000" dirty="0" smtClean="0"/>
+              <a:t>nd</a:t>
+            </a:r>
+            <a:r>
+              <a:rPr lang="en-US" dirty="0" smtClean="0"/>
+              <a:t> PC comes in as an additional constraint </a:t>
+            </a:r>
+            <a:endParaRPr lang="en-US" b="0" dirty="0"/>
+          </a:p>
+        </p:txBody>
+      </p:sp>
+      <p:pic>
+        <p:nvPicPr>
+          <p:cNvPr id="4" name="Picture 3"/>
+          <p:cNvPicPr>
+            <a:picLocks noChangeAspect="1"/>
+          </p:cNvPicPr>
+          <p:nvPr/>
+        </p:nvPicPr>
+        <p:blipFill>
+          <a:blip r:embed="rId2"/>
+          <a:stretch>
+            <a:fillRect/>
+          </a:stretch>
+        </p:blipFill>
+        <p:spPr>
+          <a:xfrm>
+            <a:off x="965544" y="3803515"/>
+            <a:ext cx="8178456" cy="658373"/>
+          </a:xfrm>
+          <a:prstGeom prst="rect">
+            <a:avLst/>
+          </a:prstGeom>
+        </p:spPr>
+      </p:pic>
+    </p:spTree>
+    <p:extLst>
+      <p:ext uri="{BB962C8B-B14F-4D97-AF65-F5344CB8AC3E}">
+        <p14:creationId xmlns:p14="http://schemas.microsoft.com/office/powerpoint/2010/main" val="1004616797"/>
+      </p:ext>
+    </p:extLst>
+  </p:cSld>
+  <p:clrMapOvr>
+    <a:masterClrMapping/>
+  </p:clrMapOvr>
+  <p:timing>
+    <p:tnLst>
+      <p:par>
+        <p:cTn id="1" dur="indefinite" restart="never" nodeType="tmRoot"/>
+      </p:par>
+    </p:tnLst>
+  </p:timing>
+</p:sld>
+</file>
+
+<file path=ppt/slides/slide2.xml><?xml version="1.0" encoding="utf-8"?>
+<p:sld xmlns:a="http://schemas.openxmlformats.org/drawingml/2006/main" xmlns:r="http://schemas.openxmlformats.org/officeDocument/2006/relationships" xmlns:p="http://schemas.openxmlformats.org/presentationml/2006/main">
+  <p:cSld>
+    <p:spTree>
+      <p:nvGrpSpPr>
+        <p:cNvPr id="1" name=""/>
+        <p:cNvGrpSpPr/>
+        <p:nvPr/>
+      </p:nvGrpSpPr>
+      <p:grpSpPr>
+        <a:xfrm>
+          <a:off x="0" y="0"/>
+          <a:ext cx="0" cy="0"/>
+          <a:chOff x="0" y="0"/>
+          <a:chExt cx="0" cy="0"/>
+        </a:xfrm>
+      </p:grpSpPr>
+      <p:sp>
+        <p:nvSpPr>
+          <p:cNvPr id="2" name="Text Placeholder 1"/>
+          <p:cNvSpPr>
+            <a:spLocks noGrp="1"/>
+          </p:cNvSpPr>
+          <p:nvPr>
+            <p:ph type="body" sz="quarter" idx="10"/>
+          </p:nvPr>
+        </p:nvSpPr>
+        <p:spPr/>
+        <p:txBody>
+          <a:bodyPr/>
+          <a:lstStyle/>
+          <a:p>
+            <a:r>
+              <a:rPr lang="en-US" dirty="0" smtClean="0"/>
+              <a:t>Outline</a:t>
+            </a:r>
+            <a:endParaRPr lang="en-US" dirty="0"/>
+          </a:p>
+        </p:txBody>
+      </p:sp>
+      <p:sp>
+        <p:nvSpPr>
+          <p:cNvPr id="3" name="Text Placeholder 2"/>
+          <p:cNvSpPr>
+            <a:spLocks noGrp="1"/>
+          </p:cNvSpPr>
+          <p:nvPr>
+            <p:ph type="body" sz="quarter" idx="11"/>
+          </p:nvPr>
+        </p:nvSpPr>
+        <p:spPr/>
+        <p:txBody>
+          <a:bodyPr/>
+          <a:lstStyle/>
+          <a:p>
+            <a:r>
+              <a:rPr lang="en-US" dirty="0" smtClean="0"/>
+              <a:t>Quick review from last time </a:t>
+            </a:r>
+          </a:p>
+          <a:p>
+            <a:r>
+              <a:rPr lang="en-US" dirty="0" smtClean="0"/>
+              <a:t>A brief note on the support vector machine </a:t>
+            </a:r>
+          </a:p>
+          <a:p>
+            <a:r>
+              <a:rPr lang="en-US" dirty="0" smtClean="0"/>
+              <a:t>Comparison of supervised vs. unsupervised learning</a:t>
+            </a:r>
+          </a:p>
+          <a:p>
+            <a:r>
+              <a:rPr lang="en-US" dirty="0" smtClean="0"/>
+              <a:t>Principal components analysis (PCA)</a:t>
+            </a:r>
+          </a:p>
+          <a:p>
+            <a:r>
+              <a:rPr lang="en-US" dirty="0" smtClean="0"/>
+              <a:t>Clustering</a:t>
+            </a:r>
+          </a:p>
+          <a:p>
+            <a:r>
+              <a:rPr lang="en-US" dirty="0" smtClean="0"/>
+              <a:t>Wrap up</a:t>
+            </a:r>
+          </a:p>
+        </p:txBody>
+      </p:sp>
+    </p:spTree>
+    <p:extLst>
+      <p:ext uri="{BB962C8B-B14F-4D97-AF65-F5344CB8AC3E}">
+        <p14:creationId xmlns:p14="http://schemas.microsoft.com/office/powerpoint/2010/main" val="1180807777"/>
+      </p:ext>
+    </p:extLst>
+  </p:cSld>
+  <p:clrMapOvr>
+    <a:masterClrMapping/>
+  </p:clrMapOvr>
+  <p:timing>
+    <p:tnLst>
+      <p:par>
+        <p:cTn id="1" dur="indefinite" restart="never" nodeType="tmRoot"/>
+      </p:par>
+    </p:tnLst>
+  </p:timing>
+</p:sld>
+</file>
+
+<file path=ppt/slides/slide20.xml><?xml version="1.0" encoding="utf-8"?>
+<p:sld xmlns:a="http://schemas.openxmlformats.org/drawingml/2006/main" xmlns:r="http://schemas.openxmlformats.org/officeDocument/2006/relationships" xmlns:p="http://schemas.openxmlformats.org/presentationml/2006/main">
+  <p:cSld>
+    <p:spTree>
+      <p:nvGrpSpPr>
+        <p:cNvPr id="1" name=""/>
+        <p:cNvGrpSpPr/>
+        <p:nvPr/>
+      </p:nvGrpSpPr>
+      <p:grpSpPr>
+        <a:xfrm>
+          <a:off x="0" y="0"/>
+          <a:ext cx="0" cy="0"/>
+          <a:chOff x="0" y="0"/>
+          <a:chExt cx="0" cy="0"/>
+        </a:xfrm>
+      </p:grpSpPr>
+      <p:sp>
+        <p:nvSpPr>
+          <p:cNvPr id="2" name="Text Placeholder 1"/>
+          <p:cNvSpPr>
+            <a:spLocks noGrp="1"/>
+          </p:cNvSpPr>
+          <p:nvPr>
+            <p:ph type="body" sz="quarter" idx="10"/>
+          </p:nvPr>
+        </p:nvSpPr>
+        <p:spPr/>
+        <p:txBody>
+          <a:bodyPr/>
+          <a:lstStyle/>
+          <a:p>
+            <a:r>
+              <a:rPr lang="en-US" dirty="0" smtClean="0"/>
+              <a:t>PCA summary </a:t>
+            </a:r>
+            <a:endParaRPr lang="en-US" dirty="0"/>
+          </a:p>
+        </p:txBody>
+      </p:sp>
+      <p:sp>
+        <p:nvSpPr>
+          <p:cNvPr id="3" name="Text Placeholder 2"/>
+          <p:cNvSpPr>
+            <a:spLocks noGrp="1"/>
+          </p:cNvSpPr>
+          <p:nvPr>
+            <p:ph type="body" sz="quarter" idx="11"/>
+          </p:nvPr>
+        </p:nvSpPr>
+        <p:spPr/>
+        <p:txBody>
+          <a:bodyPr/>
+          <a:lstStyle/>
+          <a:p>
+            <a:r>
+              <a:rPr lang="en-US" dirty="0" smtClean="0"/>
+              <a:t>There are many principal components, they are usually determined through </a:t>
+            </a:r>
+            <a:r>
+              <a:rPr lang="en-US" dirty="0" err="1" smtClean="0"/>
+              <a:t>eigen</a:t>
+            </a:r>
+            <a:r>
+              <a:rPr lang="en-US" dirty="0" smtClean="0"/>
+              <a:t> decomposition of the covariance matrix of X  </a:t>
+            </a:r>
+          </a:p>
+          <a:p>
+            <a:r>
+              <a:rPr lang="en-US" dirty="0" smtClean="0"/>
+              <a:t>The eigenvalues, when ordered, often display a </a:t>
+            </a:r>
+            <a:r>
+              <a:rPr lang="en-US" b="0" dirty="0" smtClean="0"/>
+              <a:t>spectral gap</a:t>
+            </a:r>
+            <a:r>
+              <a:rPr lang="en-US" dirty="0" smtClean="0"/>
+              <a:t>, which can be useful in determining which set are the more useful to focus on</a:t>
+            </a:r>
+          </a:p>
+        </p:txBody>
+      </p:sp>
+      <p:pic>
+        <p:nvPicPr>
+          <p:cNvPr id="4" name="Picture 3"/>
+          <p:cNvPicPr>
+            <a:picLocks noChangeAspect="1"/>
+          </p:cNvPicPr>
+          <p:nvPr/>
+        </p:nvPicPr>
+        <p:blipFill>
+          <a:blip r:embed="rId2"/>
+          <a:stretch>
+            <a:fillRect/>
+          </a:stretch>
+        </p:blipFill>
+        <p:spPr>
+          <a:xfrm>
+            <a:off x="5386604" y="4231532"/>
+            <a:ext cx="3757395" cy="2779138"/>
+          </a:xfrm>
+          <a:prstGeom prst="rect">
+            <a:avLst/>
+          </a:prstGeom>
+        </p:spPr>
+      </p:pic>
+      <p:sp>
+        <p:nvSpPr>
+          <p:cNvPr id="5" name="TextBox 4"/>
+          <p:cNvSpPr txBox="1"/>
+          <p:nvPr/>
+        </p:nvSpPr>
+        <p:spPr>
+          <a:xfrm>
+            <a:off x="603115" y="6235430"/>
+            <a:ext cx="2611099" cy="369332"/>
+          </a:xfrm>
+          <a:prstGeom prst="rect">
+            <a:avLst/>
+          </a:prstGeom>
+          <a:noFill/>
+        </p:spPr>
+        <p:txBody>
+          <a:bodyPr wrap="none" rtlCol="0">
+            <a:spAutoFit/>
+          </a:bodyPr>
+          <a:lstStyle/>
+          <a:p>
+            <a:r>
+              <a:rPr lang="en-US" dirty="0" smtClean="0"/>
+              <a:t>Random internet picture: </a:t>
+            </a:r>
+            <a:endParaRPr lang="en-US" dirty="0"/>
+          </a:p>
+        </p:txBody>
+      </p:sp>
+    </p:spTree>
+    <p:extLst>
+      <p:ext uri="{BB962C8B-B14F-4D97-AF65-F5344CB8AC3E}">
+        <p14:creationId xmlns:p14="http://schemas.microsoft.com/office/powerpoint/2010/main" val="2029519704"/>
+      </p:ext>
+    </p:extLst>
+  </p:cSld>
+  <p:clrMapOvr>
+    <a:masterClrMapping/>
+  </p:clrMapOvr>
+  <p:timing>
+    <p:tnLst>
+      <p:par>
+        <p:cTn id="1" dur="indefinite" restart="never" nodeType="tmRoot"/>
+      </p:par>
+    </p:tnLst>
+  </p:timing>
+</p:sld>
+</file>
+
+<file path=ppt/slides/slide21.xml><?xml version="1.0" encoding="utf-8"?>
+<p:sld xmlns:a="http://schemas.openxmlformats.org/drawingml/2006/main" xmlns:r="http://schemas.openxmlformats.org/officeDocument/2006/relationships" xmlns:p="http://schemas.openxmlformats.org/presentationml/2006/main">
+  <p:cSld>
+    <p:spTree>
+      <p:nvGrpSpPr>
+        <p:cNvPr id="1" name=""/>
+        <p:cNvGrpSpPr/>
+        <p:nvPr/>
+      </p:nvGrpSpPr>
+      <p:grpSpPr>
+        <a:xfrm>
+          <a:off x="0" y="0"/>
+          <a:ext cx="0" cy="0"/>
+          <a:chOff x="0" y="0"/>
+          <a:chExt cx="0" cy="0"/>
+        </a:xfrm>
+      </p:grpSpPr>
+      <p:sp>
+        <p:nvSpPr>
+          <p:cNvPr id="2" name="Text Placeholder 1"/>
+          <p:cNvSpPr>
+            <a:spLocks noGrp="1"/>
+          </p:cNvSpPr>
+          <p:nvPr>
+            <p:ph type="body" sz="quarter" idx="10"/>
+          </p:nvPr>
+        </p:nvSpPr>
+        <p:spPr/>
+        <p:txBody>
+          <a:bodyPr/>
+          <a:lstStyle/>
+          <a:p>
+            <a:r>
+              <a:rPr lang="en-US" dirty="0" smtClean="0"/>
+              <a:t>PCA analysis results may depend on the scale of X</a:t>
+            </a:r>
+            <a:r>
+              <a:rPr lang="en-US" baseline="-25000" dirty="0" smtClean="0"/>
+              <a:t>i</a:t>
+            </a:r>
+            <a:r>
+              <a:rPr lang="en-US" dirty="0" smtClean="0"/>
+              <a:t>!</a:t>
+            </a:r>
+            <a:endParaRPr lang="en-US" dirty="0"/>
+          </a:p>
+        </p:txBody>
+      </p:sp>
+      <mc:AlternateContent xmlns:mc="http://schemas.openxmlformats.org/markup-compatibility/2006" xmlns:a14="http://schemas.microsoft.com/office/drawing/2010/main">
+        <mc:Choice Requires="a14">
+          <p:sp>
+            <p:nvSpPr>
+              <p:cNvPr id="3" name="Text Placeholder 2"/>
+              <p:cNvSpPr>
+                <a:spLocks noGrp="1"/>
+              </p:cNvSpPr>
+              <p:nvPr>
+                <p:ph type="body" sz="quarter" idx="11"/>
+              </p:nvPr>
+            </p:nvSpPr>
+            <p:spPr/>
+            <p:txBody>
+              <a:bodyPr/>
+              <a:lstStyle/>
+              <a:p>
+                <a:r>
+                  <a:rPr lang="en-US" dirty="0" smtClean="0"/>
+                  <a:t>As in Ridge and LASSO regression, the ultimate answer of your PCA analysis is not </a:t>
+                </a:r>
+                <a:r>
+                  <a:rPr lang="en-US" b="0" dirty="0" smtClean="0"/>
+                  <a:t>scale invariant</a:t>
+                </a:r>
+                <a:r>
+                  <a:rPr lang="en-US" dirty="0" smtClean="0"/>
+                  <a:t>!   </a:t>
+                </a:r>
+              </a:p>
+              <a:p>
+                <a:r>
+                  <a:rPr lang="en-US" dirty="0" smtClean="0"/>
+                  <a:t>Prior to conducting PCA you should: </a:t>
+                </a:r>
+              </a:p>
+              <a:p>
+                <a:pPr marL="914400" lvl="1" indent="-457200">
+                  <a:buFont typeface="+mj-lt"/>
+                  <a:buAutoNum type="arabicPeriod"/>
+                </a:pPr>
+                <a:r>
+                  <a:rPr lang="en-US" dirty="0" smtClean="0"/>
+                  <a:t>Set all the means of each X</a:t>
+                </a:r>
+                <a:r>
+                  <a:rPr lang="en-US" baseline="-25000" dirty="0" smtClean="0"/>
+                  <a:t>i</a:t>
+                </a:r>
+                <a:r>
+                  <a:rPr lang="en-US" dirty="0" smtClean="0"/>
+                  <a:t> equal to zero: </a:t>
+                </a:r>
+                <a:r>
+                  <a:rPr lang="en-US" b="0" dirty="0" smtClean="0"/>
+                  <a:t>transformation </a:t>
+                </a:r>
+                <a14:m>
+                  <m:oMath xmlns:m="http://schemas.openxmlformats.org/officeDocument/2006/math">
+                    <m:sSub>
+                      <m:sSubPr>
+                        <m:ctrlPr>
+                          <a:rPr lang="en-US" b="0" i="1" smtClean="0">
+                            <a:latin typeface="Cambria Math" charset="0"/>
+                          </a:rPr>
+                        </m:ctrlPr>
+                      </m:sSubPr>
+                      <m:e>
+                        <m:sSub>
+                          <m:sSubPr>
+                            <m:ctrlPr>
+                              <a:rPr lang="en-US" b="0" i="1" smtClean="0">
+                                <a:latin typeface="Cambria Math" charset="0"/>
+                              </a:rPr>
+                            </m:ctrlPr>
+                          </m:sSubPr>
+                          <m:e>
+                            <m:acc>
+                              <m:accPr>
+                                <m:chr m:val="́"/>
+                                <m:ctrlPr>
+                                  <a:rPr lang="en-US" b="0" i="1" smtClean="0">
+                                    <a:latin typeface="Cambria Math" charset="0"/>
+                                  </a:rPr>
+                                </m:ctrlPr>
+                              </m:accPr>
+                              <m:e>
+                                <m:r>
+                                  <a:rPr lang="en-US" b="0" i="1" smtClean="0">
+                                    <a:latin typeface="Cambria Math" charset="0"/>
+                                  </a:rPr>
+                                  <m:t>𝑋</m:t>
+                                </m:r>
+                              </m:e>
+                            </m:acc>
+                          </m:e>
+                          <m:sub>
+                            <m:r>
+                              <a:rPr lang="en-US" b="0" i="1" smtClean="0">
+                                <a:latin typeface="Cambria Math" charset="0"/>
+                              </a:rPr>
+                              <m:t>𝑖</m:t>
+                            </m:r>
+                          </m:sub>
+                        </m:sSub>
+                        <m:r>
+                          <a:rPr lang="en-US" b="0" i="1" smtClean="0">
+                            <a:latin typeface="Cambria Math" charset="0"/>
+                          </a:rPr>
+                          <m:t>=</m:t>
+                        </m:r>
+                        <m:r>
+                          <a:rPr lang="en-US" b="0" i="1" smtClean="0">
+                            <a:latin typeface="Cambria Math" charset="0"/>
+                          </a:rPr>
+                          <m:t>𝑋</m:t>
+                        </m:r>
+                      </m:e>
+                      <m:sub>
+                        <m:r>
+                          <a:rPr lang="en-US" b="0" i="1" smtClean="0">
+                            <a:latin typeface="Cambria Math" charset="0"/>
+                          </a:rPr>
+                          <m:t>𝑖</m:t>
+                        </m:r>
+                      </m:sub>
+                    </m:sSub>
+                    <m:r>
+                      <a:rPr lang="en-US" b="0" i="1" smtClean="0">
+                        <a:latin typeface="Cambria Math" charset="0"/>
+                      </a:rPr>
+                      <m:t>−</m:t>
+                    </m:r>
+                    <m:acc>
+                      <m:accPr>
+                        <m:chr m:val="̅"/>
+                        <m:ctrlPr>
+                          <a:rPr lang="en-US" b="0" i="1" smtClean="0">
+                            <a:latin typeface="Cambria Math" charset="0"/>
+                          </a:rPr>
+                        </m:ctrlPr>
+                      </m:accPr>
+                      <m:e>
+                        <m:r>
+                          <a:rPr lang="en-US" b="0" i="1" smtClean="0">
+                            <a:latin typeface="Cambria Math" charset="0"/>
+                          </a:rPr>
+                          <m:t>𝑋</m:t>
+                        </m:r>
+                      </m:e>
+                    </m:acc>
+                  </m:oMath>
+                </a14:m>
+                <a:r>
+                  <a:rPr lang="en-US" b="0" dirty="0" smtClean="0"/>
+                  <a:t> </a:t>
+                </a:r>
+              </a:p>
+              <a:p>
+                <a:pPr marL="914400" lvl="1" indent="-457200">
+                  <a:buFont typeface="+mj-lt"/>
+                  <a:buAutoNum type="arabicPeriod"/>
+                </a:pPr>
+                <a:r>
+                  <a:rPr lang="en-US" dirty="0" smtClean="0"/>
+                  <a:t>Set the variance of each </a:t>
+                </a:r>
+                <a:r>
+                  <a:rPr lang="en-US" dirty="0"/>
+                  <a:t>X</a:t>
+                </a:r>
+                <a:r>
+                  <a:rPr lang="en-US" baseline="-25000" dirty="0"/>
+                  <a:t>i</a:t>
+                </a:r>
+                <a:r>
+                  <a:rPr lang="en-US" dirty="0"/>
+                  <a:t> equal to </a:t>
+                </a:r>
+                <a:r>
+                  <a:rPr lang="en-US" dirty="0" smtClean="0"/>
+                  <a:t>one: </a:t>
+                </a:r>
+                <a:r>
+                  <a:rPr lang="en-US" b="0" dirty="0" smtClean="0"/>
+                  <a:t>transformation </a:t>
+                </a:r>
+                <a14:m>
+                  <m:oMath xmlns:m="http://schemas.openxmlformats.org/officeDocument/2006/math">
+                    <m:sSub>
+                      <m:sSubPr>
+                        <m:ctrlPr>
+                          <a:rPr lang="en-US" b="0" i="1">
+                            <a:latin typeface="Cambria Math" charset="0"/>
+                          </a:rPr>
+                        </m:ctrlPr>
+                      </m:sSubPr>
+                      <m:e>
+                        <m:sSub>
+                          <m:sSubPr>
+                            <m:ctrlPr>
+                              <a:rPr lang="en-US" b="0" i="1">
+                                <a:latin typeface="Cambria Math" charset="0"/>
+                              </a:rPr>
+                            </m:ctrlPr>
+                          </m:sSubPr>
+                          <m:e>
+                            <m:acc>
+                              <m:accPr>
+                                <m:chr m:val="́"/>
+                                <m:ctrlPr>
+                                  <a:rPr lang="en-US" b="0" i="1">
+                                    <a:latin typeface="Cambria Math" charset="0"/>
+                                  </a:rPr>
+                                </m:ctrlPr>
+                              </m:accPr>
+                              <m:e>
+                                <m:r>
+                                  <a:rPr lang="en-US" b="0" i="1">
+                                    <a:latin typeface="Cambria Math" charset="0"/>
+                                  </a:rPr>
+                                  <m:t>𝑋</m:t>
+                                </m:r>
+                              </m:e>
+                            </m:acc>
+                          </m:e>
+                          <m:sub>
+                            <m:r>
+                              <a:rPr lang="en-US" b="0" i="1">
+                                <a:latin typeface="Cambria Math" charset="0"/>
+                              </a:rPr>
+                              <m:t>𝑖</m:t>
+                            </m:r>
+                          </m:sub>
+                        </m:sSub>
+                        <m:r>
+                          <a:rPr lang="en-US" b="0" i="1">
+                            <a:latin typeface="Cambria Math" charset="0"/>
+                          </a:rPr>
+                          <m:t>=</m:t>
+                        </m:r>
+                        <m:r>
+                          <a:rPr lang="en-US" b="0" i="1">
+                            <a:latin typeface="Cambria Math" charset="0"/>
+                          </a:rPr>
+                          <m:t>𝑋</m:t>
+                        </m:r>
+                      </m:e>
+                      <m:sub>
+                        <m:r>
+                          <a:rPr lang="en-US" b="0" i="1">
+                            <a:latin typeface="Cambria Math" charset="0"/>
+                          </a:rPr>
+                          <m:t>𝑖</m:t>
+                        </m:r>
+                      </m:sub>
+                    </m:sSub>
+                    <m:r>
+                      <a:rPr lang="en-US" b="0" i="1" smtClean="0">
+                        <a:latin typeface="Cambria Math" charset="0"/>
+                      </a:rPr>
+                      <m:t>/</m:t>
+                    </m:r>
+                    <m:sSub>
+                      <m:sSubPr>
+                        <m:ctrlPr>
+                          <a:rPr lang="en-US" b="0" i="1" smtClean="0">
+                            <a:latin typeface="Cambria Math" charset="0"/>
+                          </a:rPr>
+                        </m:ctrlPr>
+                      </m:sSubPr>
+                      <m:e>
+                        <m:r>
+                          <a:rPr lang="en-US" b="0" i="1" smtClean="0">
+                            <a:latin typeface="Cambria Math" charset="0"/>
+                            <a:ea typeface="Cambria Math" charset="0"/>
+                            <a:cs typeface="Cambria Math" charset="0"/>
+                          </a:rPr>
+                          <m:t>𝜎</m:t>
+                        </m:r>
+                      </m:e>
+                      <m:sub>
+                        <m:r>
+                          <a:rPr lang="en-US" b="0" i="1" smtClean="0">
+                            <a:latin typeface="Cambria Math" charset="0"/>
+                          </a:rPr>
+                          <m:t>𝑖</m:t>
+                        </m:r>
+                      </m:sub>
+                    </m:sSub>
+                  </m:oMath>
+                </a14:m>
+                <a:r>
+                  <a:rPr lang="en-US" b="0" dirty="0" smtClean="0"/>
+                  <a:t> </a:t>
+                </a:r>
+                <a:endParaRPr lang="en-US" dirty="0" smtClean="0"/>
+              </a:p>
+              <a:p>
+                <a:r>
+                  <a:rPr lang="en-US" dirty="0">
+                    <a:sym typeface="Wingdings"/>
+                  </a:rPr>
+                  <a:t>W</a:t>
+                </a:r>
+                <a:r>
+                  <a:rPr lang="en-US" dirty="0" smtClean="0">
+                    <a:sym typeface="Wingdings"/>
+                  </a:rPr>
+                  <a:t>e are looking for variables that explain the variance and don’t want the order of magnitude (or choice of units!) to numerically swamp out an important effect</a:t>
+                </a:r>
+                <a:endParaRPr lang="en-US" dirty="0"/>
+              </a:p>
+            </p:txBody>
+          </p:sp>
+        </mc:Choice>
+        <mc:Fallback xmlns="">
+          <p:sp>
+            <p:nvSpPr>
+              <p:cNvPr id="3" name="Text Placeholder 2"/>
+              <p:cNvSpPr>
+                <a:spLocks noGrp="1" noRot="1" noChangeAspect="1" noMove="1" noResize="1" noEditPoints="1" noAdjustHandles="1" noChangeArrowheads="1" noChangeShapeType="1" noTextEdit="1"/>
+              </p:cNvSpPr>
+              <p:nvPr>
+                <p:ph type="body" sz="quarter" idx="11"/>
+              </p:nvPr>
+            </p:nvSpPr>
+            <p:spPr>
+              <a:blipFill rotWithShape="0">
+                <a:blip r:embed="rId2"/>
+                <a:stretch>
+                  <a:fillRect l="-1115" t="-1366" r="-669" b="-6980"/>
+                </a:stretch>
+              </a:blipFill>
+            </p:spPr>
+            <p:txBody>
+              <a:bodyPr/>
+              <a:lstStyle/>
+              <a:p>
+                <a:r>
+                  <a:rPr lang="en-US">
+                    <a:noFill/>
+                  </a:rPr>
+                  <a:t> </a:t>
+                </a:r>
+              </a:p>
+            </p:txBody>
+          </p:sp>
+        </mc:Fallback>
+      </mc:AlternateContent>
+    </p:spTree>
+    <p:extLst>
+      <p:ext uri="{BB962C8B-B14F-4D97-AF65-F5344CB8AC3E}">
+        <p14:creationId xmlns:p14="http://schemas.microsoft.com/office/powerpoint/2010/main" val="508934046"/>
+      </p:ext>
+    </p:extLst>
+  </p:cSld>
+  <p:clrMapOvr>
+    <a:masterClrMapping/>
+  </p:clrMapOvr>
+  <p:timing>
+    <p:tnLst>
+      <p:par>
+        <p:cTn id="1" dur="indefinite" restart="never" nodeType="tmRoot"/>
+      </p:par>
+    </p:tnLst>
+  </p:timing>
+</p:sld>
+</file>
+
+<file path=ppt/slides/slide22.xml><?xml version="1.0" encoding="utf-8"?>
+<p:sld xmlns:a="http://schemas.openxmlformats.org/drawingml/2006/main" xmlns:r="http://schemas.openxmlformats.org/officeDocument/2006/relationships" xmlns:p="http://schemas.openxmlformats.org/presentationml/2006/main">
+  <p:cSld>
+    <p:spTree>
+      <p:nvGrpSpPr>
+        <p:cNvPr id="1" name=""/>
+        <p:cNvGrpSpPr/>
+        <p:nvPr/>
+      </p:nvGrpSpPr>
+      <p:grpSpPr>
+        <a:xfrm>
+          <a:off x="0" y="0"/>
+          <a:ext cx="0" cy="0"/>
+          <a:chOff x="0" y="0"/>
+          <a:chExt cx="0" cy="0"/>
+        </a:xfrm>
+      </p:grpSpPr>
+      <p:sp>
+        <p:nvSpPr>
+          <p:cNvPr id="2" name="Text Placeholder 1"/>
+          <p:cNvSpPr>
+            <a:spLocks noGrp="1"/>
+          </p:cNvSpPr>
+          <p:nvPr>
+            <p:ph type="body" sz="quarter" idx="10"/>
+          </p:nvPr>
+        </p:nvSpPr>
+        <p:spPr/>
+        <p:txBody>
+          <a:bodyPr/>
+          <a:lstStyle/>
+          <a:p>
+            <a:r>
+              <a:rPr lang="en-US" dirty="0" smtClean="0"/>
+              <a:t>How to use principal components</a:t>
+            </a:r>
+            <a:endParaRPr lang="en-US" dirty="0"/>
+          </a:p>
+        </p:txBody>
+      </p:sp>
+      <p:sp>
+        <p:nvSpPr>
+          <p:cNvPr id="3" name="Text Placeholder 2"/>
+          <p:cNvSpPr>
+            <a:spLocks noGrp="1"/>
+          </p:cNvSpPr>
+          <p:nvPr>
+            <p:ph type="body" sz="quarter" idx="11"/>
+          </p:nvPr>
+        </p:nvSpPr>
+        <p:spPr/>
+        <p:txBody>
+          <a:bodyPr/>
+          <a:lstStyle/>
+          <a:p>
+            <a:r>
+              <a:rPr lang="en-US" dirty="0" smtClean="0"/>
+              <a:t>PCA is usually an “exploratory” method </a:t>
+            </a:r>
+          </a:p>
+          <a:p>
+            <a:endParaRPr lang="en-US" dirty="0" smtClean="0"/>
+          </a:p>
+          <a:p>
+            <a:r>
+              <a:rPr lang="en-US" dirty="0" smtClean="0"/>
+              <a:t>Proportion of variance explained and what this means in practice</a:t>
+            </a:r>
+          </a:p>
+          <a:p>
+            <a:endParaRPr lang="en-US" dirty="0"/>
+          </a:p>
+          <a:p>
+            <a:r>
+              <a:rPr lang="en-US" dirty="0" smtClean="0"/>
+              <a:t>You could potentially bootstrap your PCA if you have enough data, but take care </a:t>
+            </a:r>
+            <a:endParaRPr lang="en-US" dirty="0"/>
+          </a:p>
+        </p:txBody>
+      </p:sp>
+    </p:spTree>
+    <p:extLst>
+      <p:ext uri="{BB962C8B-B14F-4D97-AF65-F5344CB8AC3E}">
+        <p14:creationId xmlns:p14="http://schemas.microsoft.com/office/powerpoint/2010/main" val="905492027"/>
+      </p:ext>
+    </p:extLst>
+  </p:cSld>
+  <p:clrMapOvr>
+    <a:masterClrMapping/>
+  </p:clrMapOvr>
+  <p:timing>
+    <p:tnLst>
+      <p:par>
+        <p:cTn id="1" dur="indefinite" restart="never" nodeType="tmRoot"/>
+      </p:par>
+    </p:tnLst>
+  </p:timing>
+</p:sld>
+</file>
+
+<file path=ppt/slides/slide23.xml><?xml version="1.0" encoding="utf-8"?>
+<p:sld xmlns:a="http://schemas.openxmlformats.org/drawingml/2006/main" xmlns:r="http://schemas.openxmlformats.org/officeDocument/2006/relationships" xmlns:p="http://schemas.openxmlformats.org/presentationml/2006/main">
+  <p:cSld>
+    <p:spTree>
+      <p:nvGrpSpPr>
+        <p:cNvPr id="1" name=""/>
+        <p:cNvGrpSpPr/>
+        <p:nvPr/>
+      </p:nvGrpSpPr>
+      <p:grpSpPr>
+        <a:xfrm>
+          <a:off x="0" y="0"/>
+          <a:ext cx="0" cy="0"/>
+          <a:chOff x="0" y="0"/>
+          <a:chExt cx="0" cy="0"/>
+        </a:xfrm>
+      </p:grpSpPr>
+      <p:sp>
+        <p:nvSpPr>
+          <p:cNvPr id="2" name="Text Placeholder 1"/>
+          <p:cNvSpPr>
+            <a:spLocks noGrp="1"/>
+          </p:cNvSpPr>
+          <p:nvPr>
+            <p:ph type="body" sz="quarter" idx="10"/>
+          </p:nvPr>
+        </p:nvSpPr>
+        <p:spPr/>
+        <p:txBody>
+          <a:bodyPr/>
+          <a:lstStyle/>
+          <a:p>
+            <a:r>
+              <a:rPr lang="en-US" dirty="0" smtClean="0"/>
+              <a:t>Python implementation and tips </a:t>
+            </a:r>
+            <a:endParaRPr lang="en-US" dirty="0"/>
+          </a:p>
+        </p:txBody>
+      </p:sp>
+      <p:sp>
+        <p:nvSpPr>
+          <p:cNvPr id="3" name="Text Placeholder 2"/>
+          <p:cNvSpPr>
+            <a:spLocks noGrp="1"/>
+          </p:cNvSpPr>
+          <p:nvPr>
+            <p:ph type="body" sz="quarter" idx="11"/>
+          </p:nvPr>
+        </p:nvSpPr>
+        <p:spPr/>
+        <p:txBody>
+          <a:bodyPr/>
+          <a:lstStyle/>
+          <a:p>
+            <a:r>
+              <a:rPr lang="en-US" dirty="0" smtClean="0"/>
+              <a:t>PCA can become expensive to calculate, especially as the data set size grows </a:t>
+            </a:r>
+          </a:p>
+          <a:p>
+            <a:pPr lvl="1"/>
+            <a:r>
+              <a:rPr lang="en-US" dirty="0" smtClean="0"/>
+              <a:t>As a result there are often many methods to pick from </a:t>
+            </a:r>
+          </a:p>
+          <a:p>
+            <a:r>
+              <a:rPr lang="en-US" dirty="0" smtClean="0"/>
+              <a:t>Implementation is easy and many tutorials online, </a:t>
+            </a:r>
+            <a:r>
+              <a:rPr lang="en-US" dirty="0" err="1" smtClean="0"/>
+              <a:t>sklearn</a:t>
+            </a:r>
+            <a:r>
+              <a:rPr lang="en-US" dirty="0" smtClean="0"/>
+              <a:t> PCA is well supported</a:t>
+            </a:r>
+          </a:p>
+          <a:p>
+            <a:r>
+              <a:rPr lang="en-US" dirty="0" smtClean="0"/>
+              <a:t>Advice</a:t>
+            </a:r>
+          </a:p>
+          <a:p>
+            <a:pPr lvl="1"/>
+            <a:r>
+              <a:rPr lang="en-US" dirty="0" smtClean="0"/>
+              <a:t>Go slow and use a subset of your data (if you have many points) </a:t>
+            </a:r>
+          </a:p>
+          <a:p>
+            <a:pPr lvl="1"/>
+            <a:r>
+              <a:rPr lang="en-US" dirty="0" smtClean="0"/>
+              <a:t>Use PCA as a </a:t>
+            </a:r>
+            <a:r>
+              <a:rPr lang="en-US" b="0" dirty="0" smtClean="0"/>
+              <a:t>guide</a:t>
+            </a:r>
+            <a:r>
+              <a:rPr lang="en-US" dirty="0" smtClean="0"/>
+              <a:t> and as an </a:t>
+            </a:r>
+            <a:r>
+              <a:rPr lang="en-US" b="0" dirty="0" smtClean="0"/>
+              <a:t>exploratory tool</a:t>
+            </a:r>
+            <a:r>
+              <a:rPr lang="en-US" dirty="0" smtClean="0"/>
+              <a:t> </a:t>
+            </a:r>
+          </a:p>
+          <a:p>
+            <a:pPr lvl="1"/>
+            <a:r>
+              <a:rPr lang="en-US" dirty="0" smtClean="0"/>
+              <a:t>Constantly interrogate the results and ask if they make sense! You don’t have “test set error” to fall back on, so you need to use your brain!</a:t>
+            </a:r>
+            <a:endParaRPr lang="en-US" dirty="0"/>
+          </a:p>
+        </p:txBody>
+      </p:sp>
+    </p:spTree>
+    <p:extLst>
+      <p:ext uri="{BB962C8B-B14F-4D97-AF65-F5344CB8AC3E}">
+        <p14:creationId xmlns:p14="http://schemas.microsoft.com/office/powerpoint/2010/main" val="1032593030"/>
+      </p:ext>
+    </p:extLst>
+  </p:cSld>
+  <p:clrMapOvr>
+    <a:masterClrMapping/>
+  </p:clrMapOvr>
+  <p:timing>
+    <p:tnLst>
+      <p:par>
+        <p:cTn id="1" dur="indefinite" restart="never" nodeType="tmRoot"/>
+      </p:par>
+    </p:tnLst>
+  </p:timing>
+</p:sld>
+</file>
+
+<file path=ppt/slides/slide24.xml><?xml version="1.0" encoding="utf-8"?>
+<p:sld xmlns:a="http://schemas.openxmlformats.org/drawingml/2006/main" xmlns:r="http://schemas.openxmlformats.org/officeDocument/2006/relationships" xmlns:p="http://schemas.openxmlformats.org/presentationml/2006/main">
+  <p:cSld>
+    <p:spTree>
+      <p:nvGrpSpPr>
+        <p:cNvPr id="1" name=""/>
+        <p:cNvGrpSpPr/>
+        <p:nvPr/>
+      </p:nvGrpSpPr>
+      <p:grpSpPr>
+        <a:xfrm>
+          <a:off x="0" y="0"/>
+          <a:ext cx="0" cy="0"/>
+          <a:chOff x="0" y="0"/>
+          <a:chExt cx="0" cy="0"/>
+        </a:xfrm>
+      </p:grpSpPr>
+      <p:sp>
+        <p:nvSpPr>
+          <p:cNvPr id="2" name="Text Placeholder 1"/>
+          <p:cNvSpPr>
+            <a:spLocks noGrp="1"/>
+          </p:cNvSpPr>
+          <p:nvPr>
+            <p:ph type="body" sz="quarter" idx="10"/>
+          </p:nvPr>
+        </p:nvSpPr>
+        <p:spPr/>
+        <p:txBody>
+          <a:bodyPr/>
+          <a:lstStyle/>
+          <a:p>
+            <a:r>
+              <a:rPr lang="en-US" dirty="0" smtClean="0"/>
+              <a:t>PCA questions? </a:t>
+            </a:r>
+            <a:endParaRPr lang="en-US" dirty="0"/>
+          </a:p>
+        </p:txBody>
+      </p:sp>
+      <p:sp>
+        <p:nvSpPr>
+          <p:cNvPr id="3" name="Text Placeholder 2"/>
+          <p:cNvSpPr>
+            <a:spLocks noGrp="1"/>
+          </p:cNvSpPr>
+          <p:nvPr>
+            <p:ph type="body" sz="quarter" idx="11"/>
+          </p:nvPr>
+        </p:nvSpPr>
+        <p:spPr/>
+        <p:txBody>
+          <a:bodyPr/>
+          <a:lstStyle/>
+          <a:p>
+            <a:endParaRPr lang="en-US"/>
+          </a:p>
+        </p:txBody>
+      </p:sp>
+    </p:spTree>
+    <p:extLst>
+      <p:ext uri="{BB962C8B-B14F-4D97-AF65-F5344CB8AC3E}">
+        <p14:creationId xmlns:p14="http://schemas.microsoft.com/office/powerpoint/2010/main" val="159312409"/>
+      </p:ext>
+    </p:extLst>
+  </p:cSld>
+  <p:clrMapOvr>
+    <a:masterClrMapping/>
+  </p:clrMapOvr>
+  <p:timing>
+    <p:tnLst>
+      <p:par>
+        <p:cTn id="1" dur="indefinite" restart="never" nodeType="tmRoot"/>
+      </p:par>
+    </p:tnLst>
+  </p:timing>
+</p:sld>
+</file>
+
+<file path=ppt/slides/slide25.xml><?xml version="1.0" encoding="utf-8"?>
+<p:sld xmlns:a="http://schemas.openxmlformats.org/drawingml/2006/main" xmlns:r="http://schemas.openxmlformats.org/officeDocument/2006/relationships" xmlns:p="http://schemas.openxmlformats.org/presentationml/2006/main">
+  <p:cSld>
+    <p:spTree>
+      <p:nvGrpSpPr>
+        <p:cNvPr id="1" name=""/>
+        <p:cNvGrpSpPr/>
+        <p:nvPr/>
+      </p:nvGrpSpPr>
+      <p:grpSpPr>
+        <a:xfrm>
+          <a:off x="0" y="0"/>
+          <a:ext cx="0" cy="0"/>
+          <a:chOff x="0" y="0"/>
+          <a:chExt cx="0" cy="0"/>
+        </a:xfrm>
+      </p:grpSpPr>
+      <p:sp>
+        <p:nvSpPr>
+          <p:cNvPr id="2" name="Text Placeholder 1"/>
+          <p:cNvSpPr>
+            <a:spLocks noGrp="1"/>
+          </p:cNvSpPr>
+          <p:nvPr>
+            <p:ph type="body" sz="quarter" idx="10"/>
+          </p:nvPr>
+        </p:nvSpPr>
+        <p:spPr/>
+        <p:txBody>
+          <a:bodyPr/>
+          <a:lstStyle/>
+          <a:p>
+            <a:r>
+              <a:rPr lang="en-US" dirty="0" smtClean="0"/>
+              <a:t>Clustering</a:t>
+            </a:r>
+            <a:endParaRPr lang="en-US" dirty="0"/>
+          </a:p>
+        </p:txBody>
+      </p:sp>
+      <p:sp>
+        <p:nvSpPr>
+          <p:cNvPr id="3" name="Text Placeholder 2"/>
+          <p:cNvSpPr>
+            <a:spLocks noGrp="1"/>
+          </p:cNvSpPr>
+          <p:nvPr>
+            <p:ph type="body" sz="quarter" idx="11"/>
+          </p:nvPr>
+        </p:nvSpPr>
+        <p:spPr/>
+        <p:txBody>
+          <a:bodyPr/>
+          <a:lstStyle/>
+          <a:p>
+            <a:r>
+              <a:rPr lang="en-US" sz="2000" dirty="0" smtClean="0"/>
+              <a:t>Our other main tool in unsupervised learning is </a:t>
+            </a:r>
+            <a:r>
+              <a:rPr lang="en-US" sz="2000" b="0" dirty="0" smtClean="0"/>
+              <a:t>clustering</a:t>
+            </a:r>
+            <a:r>
+              <a:rPr lang="en-US" sz="2000" dirty="0" smtClean="0"/>
+              <a:t> </a:t>
+            </a:r>
+          </a:p>
+          <a:p>
+            <a:r>
+              <a:rPr lang="en-US" sz="2000" dirty="0" smtClean="0"/>
+              <a:t>Clustering seeks to group items by minimizing a </a:t>
+            </a:r>
+            <a:r>
+              <a:rPr lang="en-US" sz="2000" b="0" dirty="0" smtClean="0"/>
+              <a:t>distance metric</a:t>
+            </a:r>
+            <a:r>
+              <a:rPr lang="en-US" sz="2000" dirty="0"/>
+              <a:t> </a:t>
+            </a:r>
+            <a:r>
+              <a:rPr lang="en-US" sz="2000" dirty="0" smtClean="0"/>
+              <a:t>between groups of observations or groups of features </a:t>
+            </a:r>
+          </a:p>
+          <a:p>
+            <a:r>
+              <a:rPr lang="en-US" sz="2000" dirty="0"/>
+              <a:t>K means</a:t>
+            </a:r>
+          </a:p>
+          <a:p>
+            <a:pPr lvl="1"/>
+            <a:r>
+              <a:rPr lang="en-US" sz="1800" dirty="0"/>
+              <a:t>Algorithm</a:t>
+            </a:r>
+          </a:p>
+          <a:p>
+            <a:pPr lvl="1"/>
+            <a:r>
+              <a:rPr lang="en-US" sz="1800" dirty="0"/>
+              <a:t>How to use it </a:t>
+            </a:r>
+          </a:p>
+          <a:p>
+            <a:pPr lvl="1"/>
+            <a:r>
+              <a:rPr lang="en-US" sz="1800" dirty="0"/>
+              <a:t>What the results mean </a:t>
+            </a:r>
+          </a:p>
+          <a:p>
+            <a:pPr lvl="1"/>
+            <a:r>
+              <a:rPr lang="en-US" sz="1800" dirty="0"/>
+              <a:t>Warnings: size K , many trials</a:t>
+            </a:r>
+          </a:p>
+          <a:p>
+            <a:r>
+              <a:rPr lang="en-US" sz="2000" dirty="0"/>
+              <a:t>Hierarchical clustering</a:t>
+            </a:r>
+          </a:p>
+          <a:p>
+            <a:r>
+              <a:rPr lang="en-US" sz="2000" dirty="0"/>
+              <a:t>Lots of other </a:t>
+            </a:r>
+            <a:r>
+              <a:rPr lang="en-US" sz="2000" dirty="0" smtClean="0"/>
+              <a:t>approaches // clustering vs PCA </a:t>
+            </a:r>
+            <a:endParaRPr lang="en-US" sz="2000" dirty="0"/>
+          </a:p>
+          <a:p>
+            <a:r>
+              <a:rPr lang="en-US" sz="2000" dirty="0"/>
+              <a:t>How to implement it in </a:t>
+            </a:r>
+            <a:r>
+              <a:rPr lang="en-US" sz="2000" dirty="0" smtClean="0"/>
+              <a:t>Python</a:t>
+            </a:r>
+            <a:endParaRPr lang="en-US" sz="2000" dirty="0"/>
+          </a:p>
+        </p:txBody>
+      </p:sp>
+    </p:spTree>
+    <p:extLst>
+      <p:ext uri="{BB962C8B-B14F-4D97-AF65-F5344CB8AC3E}">
+        <p14:creationId xmlns:p14="http://schemas.microsoft.com/office/powerpoint/2010/main" val="1651655801"/>
+      </p:ext>
+    </p:extLst>
+  </p:cSld>
+  <p:clrMapOvr>
+    <a:masterClrMapping/>
+  </p:clrMapOvr>
+  <p:timing>
+    <p:tnLst>
+      <p:par>
+        <p:cTn id="1" dur="indefinite" restart="never" nodeType="tmRoot"/>
+      </p:par>
+    </p:tnLst>
+  </p:timing>
+</p:sld>
+</file>
+
+<file path=ppt/slides/slide26.xml><?xml version="1.0" encoding="utf-8"?>
+<p:sld xmlns:a="http://schemas.openxmlformats.org/drawingml/2006/main" xmlns:r="http://schemas.openxmlformats.org/officeDocument/2006/relationships" xmlns:p="http://schemas.openxmlformats.org/presentationml/2006/main">
+  <p:cSld>
+    <p:spTree>
+      <p:nvGrpSpPr>
+        <p:cNvPr id="1" name=""/>
+        <p:cNvGrpSpPr/>
+        <p:nvPr/>
+      </p:nvGrpSpPr>
+      <p:grpSpPr>
+        <a:xfrm>
+          <a:off x="0" y="0"/>
+          <a:ext cx="0" cy="0"/>
+          <a:chOff x="0" y="0"/>
+          <a:chExt cx="0" cy="0"/>
+        </a:xfrm>
+      </p:grpSpPr>
+      <p:sp>
+        <p:nvSpPr>
+          <p:cNvPr id="2" name="Text Placeholder 1"/>
+          <p:cNvSpPr>
+            <a:spLocks noGrp="1"/>
+          </p:cNvSpPr>
+          <p:nvPr>
+            <p:ph type="body" sz="quarter" idx="10"/>
+          </p:nvPr>
+        </p:nvSpPr>
+        <p:spPr/>
+        <p:txBody>
+          <a:bodyPr/>
+          <a:lstStyle/>
+          <a:p>
+            <a:r>
+              <a:rPr lang="en-US" dirty="0" smtClean="0"/>
+              <a:t>K-means clustering, a simple algorithm</a:t>
+            </a:r>
+            <a:endParaRPr lang="en-US" dirty="0"/>
+          </a:p>
+        </p:txBody>
+      </p:sp>
+      <p:sp>
+        <p:nvSpPr>
+          <p:cNvPr id="3" name="Text Placeholder 2"/>
+          <p:cNvSpPr>
+            <a:spLocks noGrp="1"/>
+          </p:cNvSpPr>
+          <p:nvPr>
+            <p:ph type="body" sz="quarter" idx="11"/>
+          </p:nvPr>
+        </p:nvSpPr>
+        <p:spPr>
+          <a:xfrm>
+            <a:off x="659305" y="1736725"/>
+            <a:ext cx="8196210" cy="4459794"/>
+          </a:xfrm>
+        </p:spPr>
+        <p:txBody>
+          <a:bodyPr/>
+          <a:lstStyle/>
+          <a:p>
+            <a:r>
+              <a:rPr lang="en-US" dirty="0" smtClean="0"/>
+              <a:t>One of the most common clustering methods</a:t>
+            </a:r>
+          </a:p>
+          <a:p>
+            <a:r>
+              <a:rPr lang="en-US" dirty="0" smtClean="0"/>
+              <a:t>Requires, as an input, specification of the final number of clusters you want (</a:t>
+            </a:r>
+            <a:r>
+              <a:rPr lang="en-US" b="0" dirty="0" smtClean="0"/>
+              <a:t>K</a:t>
+            </a:r>
+            <a:r>
+              <a:rPr lang="en-US" dirty="0" smtClean="0"/>
+              <a:t>) </a:t>
+            </a:r>
+          </a:p>
+          <a:p>
+            <a:r>
+              <a:rPr lang="en-US" dirty="0" smtClean="0"/>
+              <a:t>Rules: </a:t>
+            </a:r>
+          </a:p>
+          <a:p>
+            <a:pPr lvl="1"/>
+            <a:r>
+              <a:rPr lang="en-US" dirty="0" smtClean="0"/>
+              <a:t>Each observation must be placed in at least one of the clusters</a:t>
+            </a:r>
+          </a:p>
+          <a:p>
+            <a:pPr lvl="1"/>
+            <a:r>
+              <a:rPr lang="en-US" dirty="0" smtClean="0"/>
+              <a:t>No clusters may overlap, each observation can only be placed in a single cluster </a:t>
+            </a:r>
+          </a:p>
+          <a:p>
+            <a:pPr lvl="1"/>
+            <a:r>
+              <a:rPr lang="en-US" dirty="0" smtClean="0"/>
+              <a:t>The goal is to minimize the </a:t>
+            </a:r>
+            <a:r>
+              <a:rPr lang="en-US" b="0" dirty="0" smtClean="0"/>
+              <a:t>variance of observations within each of the clusters </a:t>
+            </a:r>
+            <a:endParaRPr lang="en-US" dirty="0" smtClean="0"/>
+          </a:p>
+          <a:p>
+            <a:pPr lvl="1"/>
+            <a:endParaRPr lang="en-US" dirty="0"/>
+          </a:p>
+        </p:txBody>
+      </p:sp>
+    </p:spTree>
+    <p:extLst>
+      <p:ext uri="{BB962C8B-B14F-4D97-AF65-F5344CB8AC3E}">
+        <p14:creationId xmlns:p14="http://schemas.microsoft.com/office/powerpoint/2010/main" val="551810385"/>
+      </p:ext>
+    </p:extLst>
+  </p:cSld>
+  <p:clrMapOvr>
+    <a:masterClrMapping/>
+  </p:clrMapOvr>
+  <p:timing>
+    <p:tnLst>
+      <p:par>
+        <p:cTn id="1" dur="indefinite" restart="never" nodeType="tmRoot"/>
+      </p:par>
+    </p:tnLst>
+  </p:timing>
+</p:sld>
+</file>
+
+<file path=ppt/slides/slide27.xml><?xml version="1.0" encoding="utf-8"?>
+<p:sld xmlns:a="http://schemas.openxmlformats.org/drawingml/2006/main" xmlns:r="http://schemas.openxmlformats.org/officeDocument/2006/relationships" xmlns:p="http://schemas.openxmlformats.org/presentationml/2006/main">
+  <p:cSld>
+    <p:spTree>
+      <p:nvGrpSpPr>
+        <p:cNvPr id="1" name=""/>
+        <p:cNvGrpSpPr/>
+        <p:nvPr/>
+      </p:nvGrpSpPr>
+      <p:grpSpPr>
+        <a:xfrm>
+          <a:off x="0" y="0"/>
+          <a:ext cx="0" cy="0"/>
+          <a:chOff x="0" y="0"/>
+          <a:chExt cx="0" cy="0"/>
+        </a:xfrm>
+      </p:grpSpPr>
+      <p:sp>
+        <p:nvSpPr>
+          <p:cNvPr id="2" name="Text Placeholder 1"/>
+          <p:cNvSpPr>
+            <a:spLocks noGrp="1"/>
+          </p:cNvSpPr>
+          <p:nvPr>
+            <p:ph type="body" sz="quarter" idx="10"/>
+          </p:nvPr>
+        </p:nvSpPr>
+        <p:spPr/>
+        <p:txBody>
+          <a:bodyPr/>
+          <a:lstStyle/>
+          <a:p>
+            <a:r>
+              <a:rPr lang="en-US" dirty="0" smtClean="0"/>
+              <a:t>Same data, different values of K</a:t>
+            </a:r>
+            <a:endParaRPr lang="en-US" dirty="0"/>
+          </a:p>
+        </p:txBody>
+      </p:sp>
+      <p:pic>
+        <p:nvPicPr>
+          <p:cNvPr id="4" name="Picture 3"/>
+          <p:cNvPicPr>
+            <a:picLocks noChangeAspect="1"/>
+          </p:cNvPicPr>
+          <p:nvPr/>
+        </p:nvPicPr>
+        <p:blipFill>
+          <a:blip r:embed="rId2"/>
+          <a:stretch>
+            <a:fillRect/>
+          </a:stretch>
+        </p:blipFill>
+        <p:spPr>
+          <a:xfrm>
+            <a:off x="958910" y="1510002"/>
+            <a:ext cx="7897509" cy="5347998"/>
+          </a:xfrm>
+          <a:prstGeom prst="rect">
+            <a:avLst/>
+          </a:prstGeom>
+        </p:spPr>
+      </p:pic>
+    </p:spTree>
+    <p:extLst>
+      <p:ext uri="{BB962C8B-B14F-4D97-AF65-F5344CB8AC3E}">
+        <p14:creationId xmlns:p14="http://schemas.microsoft.com/office/powerpoint/2010/main" val="734339284"/>
+      </p:ext>
+    </p:extLst>
+  </p:cSld>
+  <p:clrMapOvr>
+    <a:masterClrMapping/>
+  </p:clrMapOvr>
+  <p:timing>
+    <p:tnLst>
+      <p:par>
+        <p:cTn id="1" dur="indefinite" restart="never" nodeType="tmRoot"/>
+      </p:par>
+    </p:tnLst>
+  </p:timing>
+</p:sld>
+</file>
+
+<file path=ppt/slides/slide28.xml><?xml version="1.0" encoding="utf-8"?>
+<p:sld xmlns:a="http://schemas.openxmlformats.org/drawingml/2006/main" xmlns:r="http://schemas.openxmlformats.org/officeDocument/2006/relationships" xmlns:p="http://schemas.openxmlformats.org/presentationml/2006/main">
+  <p:cSld>
+    <p:spTree>
+      <p:nvGrpSpPr>
+        <p:cNvPr id="1" name=""/>
+        <p:cNvGrpSpPr/>
+        <p:nvPr/>
+      </p:nvGrpSpPr>
+      <p:grpSpPr>
+        <a:xfrm>
+          <a:off x="0" y="0"/>
+          <a:ext cx="0" cy="0"/>
+          <a:chOff x="0" y="0"/>
+          <a:chExt cx="0" cy="0"/>
+        </a:xfrm>
+      </p:grpSpPr>
+      <p:sp>
+        <p:nvSpPr>
+          <p:cNvPr id="2" name="Text Placeholder 1"/>
+          <p:cNvSpPr>
+            <a:spLocks noGrp="1"/>
+          </p:cNvSpPr>
+          <p:nvPr>
+            <p:ph type="body" sz="quarter" idx="10"/>
+          </p:nvPr>
+        </p:nvSpPr>
+        <p:spPr/>
+        <p:txBody>
+          <a:bodyPr/>
+          <a:lstStyle/>
+          <a:p>
+            <a:r>
+              <a:rPr lang="en-US" dirty="0" smtClean="0"/>
+              <a:t>Algorithm for K-means</a:t>
+            </a:r>
+            <a:endParaRPr lang="en-US" dirty="0"/>
+          </a:p>
+        </p:txBody>
+      </p:sp>
+      <p:pic>
+        <p:nvPicPr>
+          <p:cNvPr id="4" name="Picture 3"/>
+          <p:cNvPicPr>
+            <a:picLocks noChangeAspect="1"/>
+          </p:cNvPicPr>
+          <p:nvPr/>
+        </p:nvPicPr>
+        <p:blipFill>
+          <a:blip r:embed="rId2"/>
+          <a:stretch>
+            <a:fillRect/>
+          </a:stretch>
+        </p:blipFill>
+        <p:spPr>
+          <a:xfrm>
+            <a:off x="1566153" y="1643973"/>
+            <a:ext cx="6342928" cy="2986392"/>
+          </a:xfrm>
+          <a:prstGeom prst="rect">
+            <a:avLst/>
+          </a:prstGeom>
+        </p:spPr>
+      </p:pic>
+      <p:pic>
+        <p:nvPicPr>
+          <p:cNvPr id="5" name="Picture 4"/>
+          <p:cNvPicPr>
+            <a:picLocks noChangeAspect="1"/>
+          </p:cNvPicPr>
+          <p:nvPr/>
+        </p:nvPicPr>
+        <p:blipFill>
+          <a:blip r:embed="rId3"/>
+          <a:stretch>
+            <a:fillRect/>
+          </a:stretch>
+        </p:blipFill>
+        <p:spPr>
+          <a:xfrm>
+            <a:off x="1743109" y="4936787"/>
+            <a:ext cx="6041957" cy="878191"/>
+          </a:xfrm>
+          <a:prstGeom prst="rect">
+            <a:avLst/>
+          </a:prstGeom>
+        </p:spPr>
+      </p:pic>
+    </p:spTree>
+    <p:extLst>
+      <p:ext uri="{BB962C8B-B14F-4D97-AF65-F5344CB8AC3E}">
+        <p14:creationId xmlns:p14="http://schemas.microsoft.com/office/powerpoint/2010/main" val="1289866730"/>
+      </p:ext>
+    </p:extLst>
+  </p:cSld>
+  <p:clrMapOvr>
+    <a:masterClrMapping/>
+  </p:clrMapOvr>
+  <p:timing>
+    <p:tnLst>
+      <p:par>
+        <p:cTn id="1" dur="indefinite" restart="never" nodeType="tmRoot"/>
+      </p:par>
+    </p:tnLst>
+  </p:timing>
+</p:sld>
+</file>
+
+<file path=ppt/slides/slide29.xml><?xml version="1.0" encoding="utf-8"?>
+<p:sld xmlns:a="http://schemas.openxmlformats.org/drawingml/2006/main" xmlns:r="http://schemas.openxmlformats.org/officeDocument/2006/relationships" xmlns:p="http://schemas.openxmlformats.org/presentationml/2006/main">
+  <p:cSld>
+    <p:spTree>
+      <p:nvGrpSpPr>
+        <p:cNvPr id="1" name=""/>
+        <p:cNvGrpSpPr/>
+        <p:nvPr/>
+      </p:nvGrpSpPr>
+      <p:grpSpPr>
+        <a:xfrm>
+          <a:off x="0" y="0"/>
+          <a:ext cx="0" cy="0"/>
+          <a:chOff x="0" y="0"/>
+          <a:chExt cx="0" cy="0"/>
+        </a:xfrm>
+      </p:grpSpPr>
+      <p:pic>
+        <p:nvPicPr>
+          <p:cNvPr id="3" name="Picture 2"/>
+          <p:cNvPicPr>
+            <a:picLocks noChangeAspect="1"/>
+          </p:cNvPicPr>
+          <p:nvPr/>
+        </p:nvPicPr>
+        <p:blipFill>
+          <a:blip r:embed="rId2"/>
+          <a:stretch>
+            <a:fillRect/>
+          </a:stretch>
+        </p:blipFill>
+        <p:spPr>
+          <a:xfrm>
+            <a:off x="671757" y="1363507"/>
+            <a:ext cx="5621074" cy="5416671"/>
+          </a:xfrm>
+          <a:prstGeom prst="rect">
+            <a:avLst/>
+          </a:prstGeom>
+        </p:spPr>
+      </p:pic>
+      <p:sp>
+        <p:nvSpPr>
+          <p:cNvPr id="2" name="Text Placeholder 1"/>
+          <p:cNvSpPr>
+            <a:spLocks noGrp="1"/>
+          </p:cNvSpPr>
+          <p:nvPr>
+            <p:ph type="body" sz="quarter" idx="10"/>
+          </p:nvPr>
+        </p:nvSpPr>
+        <p:spPr/>
+        <p:txBody>
+          <a:bodyPr/>
+          <a:lstStyle/>
+          <a:p>
+            <a:r>
+              <a:rPr lang="en-US" dirty="0" smtClean="0"/>
+              <a:t>Algorithm for K-means (e.g., K=3)</a:t>
+            </a:r>
+            <a:endParaRPr lang="en-US" dirty="0"/>
+          </a:p>
+        </p:txBody>
+      </p:sp>
+    </p:spTree>
+    <p:extLst>
+      <p:ext uri="{BB962C8B-B14F-4D97-AF65-F5344CB8AC3E}">
+        <p14:creationId xmlns:p14="http://schemas.microsoft.com/office/powerpoint/2010/main" val="1963107025"/>
+      </p:ext>
+    </p:extLst>
+  </p:cSld>
+  <p:clrMapOvr>
+    <a:masterClrMapping/>
+  </p:clrMapOvr>
+  <p:timing>
+    <p:tnLst>
+      <p:par>
+        <p:cTn id="1" dur="indefinite" restart="never" nodeType="tmRoot"/>
+      </p:par>
+    </p:tnLst>
+  </p:timing>
+</p:sld>
+</file>
+
+<file path=ppt/slides/slide3.xml><?xml version="1.0" encoding="utf-8"?>
+<p:sld xmlns:a="http://schemas.openxmlformats.org/drawingml/2006/main" xmlns:r="http://schemas.openxmlformats.org/officeDocument/2006/relationships" xmlns:p="http://schemas.openxmlformats.org/presentationml/2006/main">
+  <p:cSld>
+    <p:spTree>
+      <p:nvGrpSpPr>
+        <p:cNvPr id="1" name=""/>
+        <p:cNvGrpSpPr/>
+        <p:nvPr/>
+      </p:nvGrpSpPr>
+      <p:grpSpPr>
+        <a:xfrm>
+          <a:off x="0" y="0"/>
+          <a:ext cx="0" cy="0"/>
+          <a:chOff x="0" y="0"/>
+          <a:chExt cx="0" cy="0"/>
+        </a:xfrm>
+      </p:grpSpPr>
+      <p:sp>
+        <p:nvSpPr>
+          <p:cNvPr id="2" name="Text Placeholder 1"/>
+          <p:cNvSpPr>
+            <a:spLocks noGrp="1"/>
+          </p:cNvSpPr>
+          <p:nvPr>
+            <p:ph type="body" sz="quarter" idx="10"/>
+          </p:nvPr>
+        </p:nvSpPr>
+        <p:spPr/>
+        <p:txBody>
+          <a:bodyPr/>
+          <a:lstStyle/>
+          <a:p>
+            <a:r>
+              <a:rPr lang="en-US" dirty="0" smtClean="0"/>
+              <a:t>Topics last time </a:t>
+            </a:r>
+            <a:endParaRPr lang="en-US" dirty="0"/>
+          </a:p>
+        </p:txBody>
+      </p:sp>
+      <p:sp>
+        <p:nvSpPr>
+          <p:cNvPr id="3" name="Text Placeholder 2"/>
+          <p:cNvSpPr>
+            <a:spLocks noGrp="1"/>
+          </p:cNvSpPr>
+          <p:nvPr>
+            <p:ph type="body" sz="quarter" idx="11"/>
+          </p:nvPr>
+        </p:nvSpPr>
+        <p:spPr/>
+        <p:txBody>
+          <a:bodyPr/>
+          <a:lstStyle/>
+          <a:p>
+            <a:r>
+              <a:rPr lang="en-US" dirty="0" smtClean="0"/>
+              <a:t>Decision trees</a:t>
+            </a:r>
+          </a:p>
+          <a:p>
+            <a:pPr lvl="1"/>
+            <a:r>
+              <a:rPr lang="en-US" dirty="0" smtClean="0"/>
+              <a:t>Classification and regression trees</a:t>
+            </a:r>
+          </a:p>
+          <a:p>
+            <a:pPr lvl="1"/>
+            <a:r>
+              <a:rPr lang="en-US" dirty="0" smtClean="0"/>
+              <a:t>Tree depth and relationship to bias/variance concepts </a:t>
+            </a:r>
+          </a:p>
+          <a:p>
+            <a:r>
+              <a:rPr lang="en-US" dirty="0" smtClean="0"/>
+              <a:t>Ensemble methods</a:t>
+            </a:r>
+          </a:p>
+          <a:p>
+            <a:pPr lvl="1"/>
+            <a:r>
+              <a:rPr lang="en-US" dirty="0" smtClean="0"/>
+              <a:t>Bagging </a:t>
+            </a:r>
+          </a:p>
+          <a:p>
+            <a:pPr lvl="1"/>
+            <a:r>
+              <a:rPr lang="en-US" dirty="0" smtClean="0"/>
+              <a:t>Random forest </a:t>
+            </a:r>
+          </a:p>
+          <a:p>
+            <a:r>
+              <a:rPr lang="en-US" dirty="0" smtClean="0"/>
+              <a:t>Visualization of DTs</a:t>
+            </a:r>
+            <a:endParaRPr lang="en-US" dirty="0"/>
+          </a:p>
+        </p:txBody>
+      </p:sp>
+      <p:sp>
+        <p:nvSpPr>
+          <p:cNvPr id="4" name="TextBox 3"/>
+          <p:cNvSpPr txBox="1"/>
+          <p:nvPr/>
+        </p:nvSpPr>
+        <p:spPr>
+          <a:xfrm>
+            <a:off x="1668049" y="4648111"/>
+            <a:ext cx="6192078" cy="1477328"/>
+          </a:xfrm>
+          <a:prstGeom prst="rect">
+            <a:avLst/>
+          </a:prstGeom>
+          <a:noFill/>
+          <a:ln>
+            <a:solidFill>
+              <a:schemeClr val="accent1"/>
+            </a:solidFill>
+          </a:ln>
+        </p:spPr>
+        <p:txBody>
+          <a:bodyPr wrap="square" rtlCol="0">
+            <a:spAutoFit/>
+          </a:bodyPr>
+          <a:lstStyle/>
+          <a:p>
+            <a:r>
+              <a:rPr lang="en-US" u="sng" dirty="0" smtClean="0"/>
+              <a:t>Big picture concepts: </a:t>
+            </a:r>
+          </a:p>
+          <a:p>
+            <a:pPr marL="285750" indent="-285750">
+              <a:buFont typeface="Arial" charset="0"/>
+              <a:buChar char="•"/>
+            </a:pPr>
+            <a:r>
+              <a:rPr lang="en-US" dirty="0" smtClean="0"/>
+              <a:t>DT can outperform regression or classification, especially when relationships are complex or nonlinear </a:t>
+            </a:r>
+          </a:p>
+          <a:p>
+            <a:pPr marL="285750" indent="-285750">
+              <a:buFont typeface="Arial" charset="0"/>
+              <a:buChar char="•"/>
+            </a:pPr>
+            <a:r>
+              <a:rPr lang="en-US" dirty="0" smtClean="0"/>
+              <a:t>DT are highly dependent on training data used, so ensemble methods are strongly advised  </a:t>
+            </a:r>
+            <a:endParaRPr lang="en-US" dirty="0"/>
+          </a:p>
+        </p:txBody>
+      </p:sp>
+    </p:spTree>
+    <p:extLst>
+      <p:ext uri="{BB962C8B-B14F-4D97-AF65-F5344CB8AC3E}">
+        <p14:creationId xmlns:p14="http://schemas.microsoft.com/office/powerpoint/2010/main" val="750925783"/>
+      </p:ext>
+    </p:extLst>
+  </p:cSld>
+  <p:clrMapOvr>
+    <a:masterClrMapping/>
+  </p:clrMapOvr>
+  <p:timing>
+    <p:tnLst>
+      <p:par>
+        <p:cTn id="1" dur="indefinite" restart="never" nodeType="tmRoot"/>
+      </p:par>
+    </p:tnLst>
+  </p:timing>
+</p:sld>
+</file>
+
+<file path=ppt/slides/slide30.xml><?xml version="1.0" encoding="utf-8"?>
+<p:sld xmlns:a="http://schemas.openxmlformats.org/drawingml/2006/main" xmlns:r="http://schemas.openxmlformats.org/officeDocument/2006/relationships" xmlns:p="http://schemas.openxmlformats.org/presentationml/2006/main">
+  <p:cSld>
+    <p:spTree>
+      <p:nvGrpSpPr>
+        <p:cNvPr id="1" name=""/>
+        <p:cNvGrpSpPr/>
+        <p:nvPr/>
+      </p:nvGrpSpPr>
+      <p:grpSpPr>
+        <a:xfrm>
+          <a:off x="0" y="0"/>
+          <a:ext cx="0" cy="0"/>
+          <a:chOff x="0" y="0"/>
+          <a:chExt cx="0" cy="0"/>
+        </a:xfrm>
+      </p:grpSpPr>
+      <p:sp>
+        <p:nvSpPr>
+          <p:cNvPr id="2" name="Text Placeholder 1"/>
+          <p:cNvSpPr>
+            <a:spLocks noGrp="1"/>
+          </p:cNvSpPr>
+          <p:nvPr>
+            <p:ph type="body" sz="quarter" idx="10"/>
+          </p:nvPr>
+        </p:nvSpPr>
+        <p:spPr/>
+        <p:txBody>
+          <a:bodyPr/>
+          <a:lstStyle/>
+          <a:p>
+            <a:r>
+              <a:rPr lang="en-US" dirty="0" smtClean="0"/>
+              <a:t>Importance of sampling</a:t>
+            </a:r>
+            <a:endParaRPr lang="en-US" dirty="0"/>
+          </a:p>
+        </p:txBody>
+      </p:sp>
+      <p:sp>
+        <p:nvSpPr>
+          <p:cNvPr id="3" name="Text Placeholder 2"/>
+          <p:cNvSpPr>
+            <a:spLocks noGrp="1"/>
+          </p:cNvSpPr>
+          <p:nvPr>
+            <p:ph type="body" sz="quarter" idx="11"/>
+          </p:nvPr>
+        </p:nvSpPr>
+        <p:spPr/>
+        <p:txBody>
+          <a:bodyPr/>
+          <a:lstStyle/>
+          <a:p>
+            <a:r>
+              <a:rPr lang="en-US" dirty="0" smtClean="0"/>
+              <a:t>K-means clustering is a stochastic process</a:t>
+            </a:r>
+          </a:p>
+          <a:p>
+            <a:pPr lvl="1"/>
+            <a:r>
+              <a:rPr lang="en-US" dirty="0" smtClean="0"/>
+              <a:t>Initial random assignment of data to classes</a:t>
+            </a:r>
+          </a:p>
+          <a:p>
+            <a:pPr lvl="1"/>
+            <a:r>
+              <a:rPr lang="en-US" dirty="0" smtClean="0"/>
+              <a:t>The optimization scheme leads to a </a:t>
+            </a:r>
+            <a:r>
+              <a:rPr lang="en-US" b="0" dirty="0" smtClean="0"/>
+              <a:t>local optimization </a:t>
+            </a:r>
+            <a:r>
+              <a:rPr lang="en-US" dirty="0" smtClean="0"/>
+              <a:t>, it is not guaranteed to find the global minimum</a:t>
+            </a:r>
+          </a:p>
+          <a:p>
+            <a:r>
+              <a:rPr lang="en-US" dirty="0" smtClean="0"/>
+              <a:t>Process</a:t>
+            </a:r>
+          </a:p>
+          <a:p>
+            <a:pPr lvl="1"/>
+            <a:r>
+              <a:rPr lang="en-US" dirty="0" smtClean="0"/>
+              <a:t>Re-seed different initial clusters and repeat optimization of cluster centers / assignments </a:t>
+            </a:r>
+          </a:p>
+          <a:p>
+            <a:pPr lvl="1"/>
+            <a:r>
+              <a:rPr lang="en-US" dirty="0" smtClean="0"/>
+              <a:t>Monitor the sum of distances (</a:t>
+            </a:r>
+            <a:r>
+              <a:rPr lang="en-US" b="0" dirty="0" smtClean="0"/>
+              <a:t>each point’s distance from each cluster center</a:t>
+            </a:r>
+            <a:r>
+              <a:rPr lang="en-US" dirty="0" smtClean="0"/>
+              <a:t>) as your error metric</a:t>
+            </a:r>
+          </a:p>
+          <a:p>
+            <a:pPr lvl="1"/>
+            <a:r>
+              <a:rPr lang="en-US" dirty="0" smtClean="0"/>
+              <a:t>Choose clustering arrangement with lowest error </a:t>
+            </a:r>
+          </a:p>
+          <a:p>
+            <a:pPr lvl="1"/>
+            <a:endParaRPr lang="en-US" dirty="0"/>
+          </a:p>
+        </p:txBody>
+      </p:sp>
+    </p:spTree>
+    <p:extLst>
+      <p:ext uri="{BB962C8B-B14F-4D97-AF65-F5344CB8AC3E}">
+        <p14:creationId xmlns:p14="http://schemas.microsoft.com/office/powerpoint/2010/main" val="637998672"/>
+      </p:ext>
+    </p:extLst>
+  </p:cSld>
+  <p:clrMapOvr>
+    <a:masterClrMapping/>
+  </p:clrMapOvr>
+  <p:timing>
+    <p:tnLst>
+      <p:par>
+        <p:cTn id="1" dur="indefinite" restart="never" nodeType="tmRoot"/>
+      </p:par>
+    </p:tnLst>
+  </p:timing>
+</p:sld>
+</file>
+
+<file path=ppt/slides/slide31.xml><?xml version="1.0" encoding="utf-8"?>
+<p:sld xmlns:a="http://schemas.openxmlformats.org/drawingml/2006/main" xmlns:r="http://schemas.openxmlformats.org/officeDocument/2006/relationships" xmlns:p="http://schemas.openxmlformats.org/presentationml/2006/main">
+  <p:cSld>
+    <p:spTree>
+      <p:nvGrpSpPr>
+        <p:cNvPr id="1" name=""/>
+        <p:cNvGrpSpPr/>
+        <p:nvPr/>
+      </p:nvGrpSpPr>
+      <p:grpSpPr>
+        <a:xfrm>
+          <a:off x="0" y="0"/>
+          <a:ext cx="0" cy="0"/>
+          <a:chOff x="0" y="0"/>
+          <a:chExt cx="0" cy="0"/>
+        </a:xfrm>
+      </p:grpSpPr>
+      <p:sp>
+        <p:nvSpPr>
+          <p:cNvPr id="2" name="Text Placeholder 1"/>
+          <p:cNvSpPr>
+            <a:spLocks noGrp="1"/>
+          </p:cNvSpPr>
+          <p:nvPr>
+            <p:ph type="body" sz="quarter" idx="10"/>
+          </p:nvPr>
+        </p:nvSpPr>
+        <p:spPr/>
+        <p:txBody>
+          <a:bodyPr/>
+          <a:lstStyle/>
+          <a:p>
+            <a:r>
+              <a:rPr lang="en-US" dirty="0" smtClean="0"/>
+              <a:t>Importance of sampling</a:t>
+            </a:r>
+            <a:endParaRPr lang="en-US" dirty="0"/>
+          </a:p>
+        </p:txBody>
+      </p:sp>
+      <p:pic>
+        <p:nvPicPr>
+          <p:cNvPr id="4" name="Picture 3"/>
+          <p:cNvPicPr>
+            <a:picLocks noChangeAspect="1"/>
+          </p:cNvPicPr>
+          <p:nvPr/>
+        </p:nvPicPr>
+        <p:blipFill>
+          <a:blip r:embed="rId2"/>
+          <a:stretch>
+            <a:fillRect/>
+          </a:stretch>
+        </p:blipFill>
+        <p:spPr>
+          <a:xfrm>
+            <a:off x="1564937" y="1636971"/>
+            <a:ext cx="5205514" cy="5123752"/>
+          </a:xfrm>
+          <a:prstGeom prst="rect">
+            <a:avLst/>
+          </a:prstGeom>
+        </p:spPr>
+      </p:pic>
+    </p:spTree>
+    <p:extLst>
+      <p:ext uri="{BB962C8B-B14F-4D97-AF65-F5344CB8AC3E}">
+        <p14:creationId xmlns:p14="http://schemas.microsoft.com/office/powerpoint/2010/main" val="727051556"/>
+      </p:ext>
+    </p:extLst>
+  </p:cSld>
+  <p:clrMapOvr>
+    <a:masterClrMapping/>
+  </p:clrMapOvr>
+  <p:timing>
+    <p:tnLst>
+      <p:par>
+        <p:cTn id="1" dur="indefinite" restart="never" nodeType="tmRoot"/>
+      </p:par>
+    </p:tnLst>
+  </p:timing>
+</p:sld>
+</file>
+
+<file path=ppt/slides/slide32.xml><?xml version="1.0" encoding="utf-8"?>
+<p:sld xmlns:a="http://schemas.openxmlformats.org/drawingml/2006/main" xmlns:r="http://schemas.openxmlformats.org/officeDocument/2006/relationships" xmlns:p="http://schemas.openxmlformats.org/presentationml/2006/main">
+  <p:cSld>
+    <p:spTree>
+      <p:nvGrpSpPr>
+        <p:cNvPr id="1" name=""/>
+        <p:cNvGrpSpPr/>
+        <p:nvPr/>
+      </p:nvGrpSpPr>
+      <p:grpSpPr>
+        <a:xfrm>
+          <a:off x="0" y="0"/>
+          <a:ext cx="0" cy="0"/>
+          <a:chOff x="0" y="0"/>
+          <a:chExt cx="0" cy="0"/>
+        </a:xfrm>
+      </p:grpSpPr>
+      <p:sp>
+        <p:nvSpPr>
+          <p:cNvPr id="2" name="Text Placeholder 1"/>
+          <p:cNvSpPr>
+            <a:spLocks noGrp="1"/>
+          </p:cNvSpPr>
+          <p:nvPr>
+            <p:ph type="body" sz="quarter" idx="10"/>
+          </p:nvPr>
+        </p:nvSpPr>
+        <p:spPr/>
+        <p:txBody>
+          <a:bodyPr/>
+          <a:lstStyle/>
+          <a:p>
+            <a:r>
+              <a:rPr lang="en-US" dirty="0" smtClean="0"/>
+              <a:t>What to do with your clusters</a:t>
+            </a:r>
+            <a:endParaRPr lang="en-US" dirty="0"/>
+          </a:p>
+        </p:txBody>
+      </p:sp>
+      <p:sp>
+        <p:nvSpPr>
+          <p:cNvPr id="3" name="Text Placeholder 2"/>
+          <p:cNvSpPr>
+            <a:spLocks noGrp="1"/>
+          </p:cNvSpPr>
+          <p:nvPr>
+            <p:ph type="body" sz="quarter" idx="11"/>
+          </p:nvPr>
+        </p:nvSpPr>
+        <p:spPr>
+          <a:xfrm>
+            <a:off x="659304" y="1736725"/>
+            <a:ext cx="8299869" cy="4015497"/>
+          </a:xfrm>
+        </p:spPr>
+        <p:txBody>
+          <a:bodyPr/>
+          <a:lstStyle/>
+          <a:p>
+            <a:r>
+              <a:rPr lang="en-US" dirty="0" smtClean="0"/>
+              <a:t>As in PCA, clustering is an </a:t>
+            </a:r>
+            <a:r>
+              <a:rPr lang="en-US" b="0" dirty="0" smtClean="0"/>
+              <a:t>exploratory</a:t>
+            </a:r>
+            <a:r>
+              <a:rPr lang="en-US" dirty="0"/>
+              <a:t> </a:t>
+            </a:r>
+            <a:r>
+              <a:rPr lang="en-US" dirty="0" smtClean="0"/>
+              <a:t>analysis tool</a:t>
+            </a:r>
+          </a:p>
+          <a:p>
+            <a:r>
+              <a:rPr lang="en-US" dirty="0" smtClean="0"/>
+              <a:t>If you have clustered your </a:t>
+            </a:r>
+            <a:r>
+              <a:rPr lang="en-US" b="0" dirty="0" smtClean="0"/>
+              <a:t>observations </a:t>
+            </a:r>
+            <a:r>
+              <a:rPr lang="en-US" dirty="0" smtClean="0"/>
+              <a:t>(most common): you can interrogate the different clusters to see if they have common features</a:t>
+            </a:r>
+          </a:p>
+          <a:p>
+            <a:pPr lvl="1"/>
+            <a:r>
+              <a:rPr lang="en-US" dirty="0" smtClean="0"/>
+              <a:t>For observations with many features, you can also cluster the features and look @ common observations</a:t>
+            </a:r>
+            <a:r>
+              <a:rPr lang="mr-IN" dirty="0" smtClean="0"/>
+              <a:t>…</a:t>
+            </a:r>
+            <a:endParaRPr lang="en-US" dirty="0" smtClean="0"/>
+          </a:p>
+          <a:p>
+            <a:r>
+              <a:rPr lang="en-US" dirty="0" smtClean="0"/>
+              <a:t>In K-means, you have to choose the number of clusters:  </a:t>
+            </a:r>
+            <a:r>
+              <a:rPr lang="en-US" b="0" dirty="0" smtClean="0"/>
+              <a:t>you must assess the degree to which this choice makes an impact on your scientific conclusions!</a:t>
+            </a:r>
+            <a:endParaRPr lang="en-US" dirty="0"/>
+          </a:p>
+        </p:txBody>
+      </p:sp>
+    </p:spTree>
+    <p:extLst>
+      <p:ext uri="{BB962C8B-B14F-4D97-AF65-F5344CB8AC3E}">
+        <p14:creationId xmlns:p14="http://schemas.microsoft.com/office/powerpoint/2010/main" val="1582010016"/>
+      </p:ext>
+    </p:extLst>
+  </p:cSld>
+  <p:clrMapOvr>
+    <a:masterClrMapping/>
+  </p:clrMapOvr>
+  <p:timing>
+    <p:tnLst>
+      <p:par>
+        <p:cTn id="1" dur="indefinite" restart="never" nodeType="tmRoot"/>
+      </p:par>
+    </p:tnLst>
+  </p:timing>
+</p:sld>
+</file>
+
+<file path=ppt/slides/slide33.xml><?xml version="1.0" encoding="utf-8"?>
+<p:sld xmlns:a="http://schemas.openxmlformats.org/drawingml/2006/main" xmlns:r="http://schemas.openxmlformats.org/officeDocument/2006/relationships" xmlns:p="http://schemas.openxmlformats.org/presentationml/2006/main">
+  <p:cSld>
+    <p:spTree>
+      <p:nvGrpSpPr>
+        <p:cNvPr id="1" name=""/>
+        <p:cNvGrpSpPr/>
+        <p:nvPr/>
+      </p:nvGrpSpPr>
+      <p:grpSpPr>
+        <a:xfrm>
+          <a:off x="0" y="0"/>
+          <a:ext cx="0" cy="0"/>
+          <a:chOff x="0" y="0"/>
+          <a:chExt cx="0" cy="0"/>
+        </a:xfrm>
+      </p:grpSpPr>
+      <p:sp>
+        <p:nvSpPr>
+          <p:cNvPr id="2" name="Text Placeholder 1"/>
+          <p:cNvSpPr>
+            <a:spLocks noGrp="1"/>
+          </p:cNvSpPr>
+          <p:nvPr>
+            <p:ph type="body" sz="quarter" idx="10"/>
+          </p:nvPr>
+        </p:nvSpPr>
+        <p:spPr/>
+        <p:txBody>
+          <a:bodyPr/>
+          <a:lstStyle/>
+          <a:p>
+            <a:r>
+              <a:rPr lang="en-US" dirty="0" smtClean="0"/>
+              <a:t>Performing K-means clustering</a:t>
+            </a:r>
+            <a:endParaRPr lang="en-US" dirty="0"/>
+          </a:p>
+        </p:txBody>
+      </p:sp>
+      <p:sp>
+        <p:nvSpPr>
+          <p:cNvPr id="3" name="Text Placeholder 2"/>
+          <p:cNvSpPr>
+            <a:spLocks noGrp="1"/>
+          </p:cNvSpPr>
+          <p:nvPr>
+            <p:ph type="body" sz="quarter" idx="11"/>
+          </p:nvPr>
+        </p:nvSpPr>
+        <p:spPr/>
+        <p:txBody>
+          <a:bodyPr/>
+          <a:lstStyle/>
+          <a:p>
+            <a:r>
+              <a:rPr lang="en-US" dirty="0" smtClean="0"/>
+              <a:t>The module </a:t>
+            </a:r>
+            <a:r>
+              <a:rPr lang="en-US" dirty="0" err="1" smtClean="0">
+                <a:latin typeface="Courier" charset="0"/>
+                <a:ea typeface="Courier" charset="0"/>
+                <a:cs typeface="Courier" charset="0"/>
+              </a:rPr>
+              <a:t>sklearn.clustering</a:t>
+            </a:r>
+            <a:r>
+              <a:rPr lang="en-US" dirty="0" smtClean="0"/>
+              <a:t> can perform K-means and has many variants </a:t>
+            </a:r>
+          </a:p>
+          <a:p>
+            <a:r>
+              <a:rPr lang="en-US" dirty="0" smtClean="0"/>
+              <a:t>Quick Q: what is a good strategy to learn how to implement a new method like K-means? </a:t>
+            </a:r>
+          </a:p>
+          <a:p>
+            <a:r>
+              <a:rPr lang="en-US" dirty="0" smtClean="0"/>
+              <a:t>Take care as with PCA if the size of your data set grows, the computational cost to complete the clustering can become prohibitive</a:t>
+            </a:r>
+            <a:r>
+              <a:rPr lang="mr-IN" dirty="0" smtClean="0"/>
+              <a:t>…</a:t>
+            </a:r>
+            <a:r>
+              <a:rPr lang="en-US" dirty="0" smtClean="0"/>
+              <a:t> </a:t>
+            </a:r>
+            <a:endParaRPr lang="en-US" dirty="0"/>
+          </a:p>
+        </p:txBody>
+      </p:sp>
+    </p:spTree>
+    <p:extLst>
+      <p:ext uri="{BB962C8B-B14F-4D97-AF65-F5344CB8AC3E}">
+        <p14:creationId xmlns:p14="http://schemas.microsoft.com/office/powerpoint/2010/main" val="155252764"/>
+      </p:ext>
+    </p:extLst>
+  </p:cSld>
+  <p:clrMapOvr>
+    <a:masterClrMapping/>
+  </p:clrMapOvr>
+  <p:timing>
+    <p:tnLst>
+      <p:par>
+        <p:cTn id="1" dur="indefinite" restart="never" nodeType="tmRoot"/>
+      </p:par>
+    </p:tnLst>
+  </p:timing>
+</p:sld>
+</file>
+
+<file path=ppt/slides/slide34.xml><?xml version="1.0" encoding="utf-8"?>
+<p:sld xmlns:a="http://schemas.openxmlformats.org/drawingml/2006/main" xmlns:r="http://schemas.openxmlformats.org/officeDocument/2006/relationships" xmlns:p="http://schemas.openxmlformats.org/presentationml/2006/main">
+  <p:cSld>
+    <p:spTree>
+      <p:nvGrpSpPr>
+        <p:cNvPr id="1" name=""/>
+        <p:cNvGrpSpPr/>
+        <p:nvPr/>
+      </p:nvGrpSpPr>
+      <p:grpSpPr>
+        <a:xfrm>
+          <a:off x="0" y="0"/>
+          <a:ext cx="0" cy="0"/>
+          <a:chOff x="0" y="0"/>
+          <a:chExt cx="0" cy="0"/>
+        </a:xfrm>
+      </p:grpSpPr>
+      <p:pic>
+        <p:nvPicPr>
+          <p:cNvPr id="4" name="Picture 3"/>
+          <p:cNvPicPr>
+            <a:picLocks noChangeAspect="1"/>
+          </p:cNvPicPr>
+          <p:nvPr/>
+        </p:nvPicPr>
+        <p:blipFill>
+          <a:blip r:embed="rId2"/>
+          <a:stretch>
+            <a:fillRect/>
+          </a:stretch>
+        </p:blipFill>
+        <p:spPr>
+          <a:xfrm>
+            <a:off x="3550596" y="4486435"/>
+            <a:ext cx="5593404" cy="2466215"/>
+          </a:xfrm>
+          <a:prstGeom prst="rect">
+            <a:avLst/>
+          </a:prstGeom>
+        </p:spPr>
+      </p:pic>
+      <p:sp>
+        <p:nvSpPr>
+          <p:cNvPr id="2" name="Text Placeholder 1"/>
+          <p:cNvSpPr>
+            <a:spLocks noGrp="1"/>
+          </p:cNvSpPr>
+          <p:nvPr>
+            <p:ph type="body" sz="quarter" idx="10"/>
+          </p:nvPr>
+        </p:nvSpPr>
+        <p:spPr/>
+        <p:txBody>
+          <a:bodyPr/>
+          <a:lstStyle/>
+          <a:p>
+            <a:r>
+              <a:rPr lang="en-US" dirty="0" smtClean="0"/>
+              <a:t>Hierarchical clustering vs K-means </a:t>
+            </a:r>
+            <a:endParaRPr lang="en-US" dirty="0"/>
+          </a:p>
+        </p:txBody>
+      </p:sp>
+      <p:sp>
+        <p:nvSpPr>
+          <p:cNvPr id="3" name="Text Placeholder 2"/>
+          <p:cNvSpPr>
+            <a:spLocks noGrp="1"/>
+          </p:cNvSpPr>
+          <p:nvPr>
+            <p:ph type="body" sz="quarter" idx="11"/>
+          </p:nvPr>
+        </p:nvSpPr>
+        <p:spPr/>
+        <p:txBody>
+          <a:bodyPr/>
+          <a:lstStyle/>
+          <a:p>
+            <a:r>
+              <a:rPr lang="en-US" dirty="0" smtClean="0"/>
+              <a:t>The main limitation of K-means,   </a:t>
+            </a:r>
+          </a:p>
+          <a:p>
+            <a:r>
+              <a:rPr lang="en-US" dirty="0" smtClean="0"/>
+              <a:t>Section 10.3.2 discusses </a:t>
+            </a:r>
+            <a:r>
+              <a:rPr lang="en-US" b="0" dirty="0" smtClean="0"/>
+              <a:t>hierarchical clustering</a:t>
+            </a:r>
+            <a:r>
+              <a:rPr lang="en-US" dirty="0" smtClean="0"/>
+              <a:t>, an approach that clusters all the data using a tree type structure </a:t>
+            </a:r>
+          </a:p>
+          <a:p>
+            <a:pPr lvl="1"/>
+            <a:r>
+              <a:rPr lang="en-US" dirty="0" smtClean="0"/>
+              <a:t>Choice of how many clusters can be made after the clustering is completed</a:t>
+            </a:r>
+            <a:r>
+              <a:rPr lang="mr-IN" dirty="0" smtClean="0"/>
+              <a:t>…</a:t>
+            </a:r>
+            <a:r>
+              <a:rPr lang="en-US" dirty="0" smtClean="0"/>
+              <a:t> </a:t>
+            </a:r>
+          </a:p>
+          <a:p>
+            <a:r>
+              <a:rPr lang="en-US" dirty="0" smtClean="0"/>
+              <a:t>See ISL for more detail </a:t>
+            </a:r>
+            <a:endParaRPr lang="en-US" dirty="0"/>
+          </a:p>
+        </p:txBody>
+      </p:sp>
+    </p:spTree>
+    <p:extLst>
+      <p:ext uri="{BB962C8B-B14F-4D97-AF65-F5344CB8AC3E}">
+        <p14:creationId xmlns:p14="http://schemas.microsoft.com/office/powerpoint/2010/main" val="1948208732"/>
+      </p:ext>
+    </p:extLst>
+  </p:cSld>
+  <p:clrMapOvr>
+    <a:masterClrMapping/>
+  </p:clrMapOvr>
+  <p:timing>
+    <p:tnLst>
+      <p:par>
+        <p:cTn id="1" dur="indefinite" restart="never" nodeType="tmRoot"/>
+      </p:par>
+    </p:tnLst>
+  </p:timing>
+</p:sld>
+</file>
+
+<file path=ppt/slides/slide35.xml><?xml version="1.0" encoding="utf-8"?>
+<p:sld xmlns:a="http://schemas.openxmlformats.org/drawingml/2006/main" xmlns:r="http://schemas.openxmlformats.org/officeDocument/2006/relationships" xmlns:p="http://schemas.openxmlformats.org/presentationml/2006/main">
+  <p:cSld>
+    <p:spTree>
+      <p:nvGrpSpPr>
+        <p:cNvPr id="1" name=""/>
+        <p:cNvGrpSpPr/>
+        <p:nvPr/>
+      </p:nvGrpSpPr>
+      <p:grpSpPr>
+        <a:xfrm>
+          <a:off x="0" y="0"/>
+          <a:ext cx="0" cy="0"/>
+          <a:chOff x="0" y="0"/>
+          <a:chExt cx="0" cy="0"/>
+        </a:xfrm>
+      </p:grpSpPr>
+      <p:sp>
+        <p:nvSpPr>
+          <p:cNvPr id="2" name="Text Placeholder 1"/>
+          <p:cNvSpPr>
+            <a:spLocks noGrp="1"/>
+          </p:cNvSpPr>
+          <p:nvPr>
+            <p:ph type="body" sz="quarter" idx="10"/>
+          </p:nvPr>
+        </p:nvSpPr>
+        <p:spPr/>
+        <p:txBody>
+          <a:bodyPr/>
+          <a:lstStyle/>
+          <a:p>
+            <a:r>
+              <a:rPr lang="en-US" dirty="0" smtClean="0"/>
+              <a:t>Clustering vs PCA </a:t>
+            </a:r>
+            <a:endParaRPr lang="en-US" dirty="0"/>
+          </a:p>
+        </p:txBody>
+      </p:sp>
+      <p:sp>
+        <p:nvSpPr>
+          <p:cNvPr id="3" name="Text Placeholder 2"/>
+          <p:cNvSpPr>
+            <a:spLocks noGrp="1"/>
+          </p:cNvSpPr>
+          <p:nvPr>
+            <p:ph type="body" sz="quarter" idx="11"/>
+          </p:nvPr>
+        </p:nvSpPr>
+        <p:spPr/>
+        <p:txBody>
+          <a:bodyPr/>
+          <a:lstStyle/>
+          <a:p>
+            <a:r>
+              <a:rPr lang="en-US" dirty="0" smtClean="0"/>
+              <a:t>Simple definition in ISL (p385): </a:t>
+            </a:r>
+          </a:p>
+          <a:p>
+            <a:pPr lvl="1"/>
+            <a:r>
+              <a:rPr lang="en-US" dirty="0" smtClean="0"/>
+              <a:t>“</a:t>
+            </a:r>
+            <a:r>
+              <a:rPr lang="en-US" b="0" i="1" dirty="0" smtClean="0"/>
+              <a:t>PCA </a:t>
+            </a:r>
+            <a:r>
+              <a:rPr lang="en-US" b="0" i="1" dirty="0"/>
+              <a:t>looks to find a low-dimensional representation of the </a:t>
+            </a:r>
+            <a:r>
+              <a:rPr lang="en-US" b="0" i="1" dirty="0" smtClean="0"/>
+              <a:t>observations </a:t>
+            </a:r>
+            <a:r>
+              <a:rPr lang="en-US" b="0" i="1" dirty="0"/>
+              <a:t>that explain a good fraction of the </a:t>
+            </a:r>
+            <a:r>
+              <a:rPr lang="en-US" b="0" i="1" dirty="0" smtClean="0"/>
+              <a:t>variance</a:t>
+            </a:r>
+            <a:r>
+              <a:rPr lang="en-US" dirty="0" smtClean="0"/>
+              <a:t>” </a:t>
+            </a:r>
+            <a:endParaRPr lang="en-US" dirty="0"/>
+          </a:p>
+          <a:p>
+            <a:pPr lvl="1"/>
+            <a:endParaRPr lang="en-US" dirty="0" smtClean="0"/>
+          </a:p>
+          <a:p>
+            <a:pPr lvl="1"/>
+            <a:r>
+              <a:rPr lang="en-US" dirty="0" smtClean="0"/>
+              <a:t>“</a:t>
+            </a:r>
+            <a:r>
+              <a:rPr lang="en-US" b="0" dirty="0" smtClean="0"/>
+              <a:t>Clustering </a:t>
+            </a:r>
+            <a:r>
+              <a:rPr lang="en-US" b="0" dirty="0"/>
+              <a:t>looks to find homogeneous subgroups among the </a:t>
+            </a:r>
+            <a:r>
+              <a:rPr lang="en-US" b="0" dirty="0" smtClean="0"/>
+              <a:t>observations</a:t>
+            </a:r>
+            <a:r>
+              <a:rPr lang="en-US" dirty="0" smtClean="0"/>
+              <a:t>” </a:t>
+            </a:r>
+            <a:endParaRPr lang="en-US" dirty="0"/>
+          </a:p>
+          <a:p>
+            <a:pPr lvl="1"/>
+            <a:endParaRPr lang="en-US" dirty="0" smtClean="0"/>
+          </a:p>
+          <a:p>
+            <a:r>
+              <a:rPr lang="en-US" dirty="0" smtClean="0"/>
+              <a:t>Unsupervised learning, especially use of results, can be a bit of an art</a:t>
+            </a:r>
+            <a:r>
+              <a:rPr lang="mr-IN" dirty="0" smtClean="0"/>
+              <a:t>…</a:t>
+            </a:r>
+            <a:endParaRPr lang="en-US" dirty="0" smtClean="0"/>
+          </a:p>
+          <a:p>
+            <a:pPr lvl="1"/>
+            <a:r>
+              <a:rPr lang="en-US" dirty="0" smtClean="0"/>
+              <a:t>In some cases, it might be appropriate to look at both approaches</a:t>
+            </a:r>
+            <a:endParaRPr lang="en-US" dirty="0"/>
+          </a:p>
+        </p:txBody>
+      </p:sp>
+    </p:spTree>
+    <p:extLst>
+      <p:ext uri="{BB962C8B-B14F-4D97-AF65-F5344CB8AC3E}">
+        <p14:creationId xmlns:p14="http://schemas.microsoft.com/office/powerpoint/2010/main" val="1557104939"/>
+      </p:ext>
+    </p:extLst>
+  </p:cSld>
+  <p:clrMapOvr>
+    <a:masterClrMapping/>
+  </p:clrMapOvr>
+  <p:timing>
+    <p:tnLst>
+      <p:par>
+        <p:cTn id="1" dur="indefinite" restart="never" nodeType="tmRoot"/>
+      </p:par>
+    </p:tnLst>
+  </p:timing>
+</p:sld>
+</file>
+
+<file path=ppt/slides/slide36.xml><?xml version="1.0" encoding="utf-8"?>
+<p:sld xmlns:a="http://schemas.openxmlformats.org/drawingml/2006/main" xmlns:r="http://schemas.openxmlformats.org/officeDocument/2006/relationships" xmlns:p="http://schemas.openxmlformats.org/presentationml/2006/main">
+  <p:cSld>
+    <p:spTree>
+      <p:nvGrpSpPr>
+        <p:cNvPr id="1" name=""/>
+        <p:cNvGrpSpPr/>
+        <p:nvPr/>
+      </p:nvGrpSpPr>
+      <p:grpSpPr>
+        <a:xfrm>
+          <a:off x="0" y="0"/>
+          <a:ext cx="0" cy="0"/>
+          <a:chOff x="0" y="0"/>
+          <a:chExt cx="0" cy="0"/>
+        </a:xfrm>
+      </p:grpSpPr>
+      <p:sp>
+        <p:nvSpPr>
+          <p:cNvPr id="2" name="Text Placeholder 1"/>
+          <p:cNvSpPr>
+            <a:spLocks noGrp="1"/>
+          </p:cNvSpPr>
+          <p:nvPr>
+            <p:ph type="body" sz="quarter" idx="10"/>
+          </p:nvPr>
+        </p:nvSpPr>
+        <p:spPr/>
+        <p:txBody>
+          <a:bodyPr/>
+          <a:lstStyle/>
+          <a:p>
+            <a:r>
+              <a:rPr lang="en-US" dirty="0" smtClean="0"/>
+              <a:t>(if time) Feedback on class</a:t>
+            </a:r>
+            <a:r>
+              <a:rPr lang="mr-IN" dirty="0" smtClean="0"/>
+              <a:t>…</a:t>
+            </a:r>
+            <a:endParaRPr lang="en-US" dirty="0"/>
+          </a:p>
+        </p:txBody>
+      </p:sp>
+    </p:spTree>
+    <p:extLst>
+      <p:ext uri="{BB962C8B-B14F-4D97-AF65-F5344CB8AC3E}">
+        <p14:creationId xmlns:p14="http://schemas.microsoft.com/office/powerpoint/2010/main" val="529915398"/>
+      </p:ext>
+    </p:extLst>
+  </p:cSld>
+  <p:clrMapOvr>
+    <a:masterClrMapping/>
+  </p:clrMapOvr>
+  <p:timing>
+    <p:tnLst>
+      <p:par>
+        <p:cTn id="1" dur="indefinite" restart="never" nodeType="tmRoot"/>
+      </p:par>
+    </p:tnLst>
+  </p:timing>
+</p:sld>
+</file>
+
+<file path=ppt/slides/slide4.xml><?xml version="1.0" encoding="utf-8"?>
+<p:sld xmlns:a="http://schemas.openxmlformats.org/drawingml/2006/main" xmlns:r="http://schemas.openxmlformats.org/officeDocument/2006/relationships" xmlns:p="http://schemas.openxmlformats.org/presentationml/2006/main">
+  <p:cSld>
+    <p:spTree>
+      <p:nvGrpSpPr>
+        <p:cNvPr id="1" name=""/>
+        <p:cNvGrpSpPr/>
+        <p:nvPr/>
+      </p:nvGrpSpPr>
+      <p:grpSpPr>
+        <a:xfrm>
+          <a:off x="0" y="0"/>
+          <a:ext cx="0" cy="0"/>
+          <a:chOff x="0" y="0"/>
+          <a:chExt cx="0" cy="0"/>
+        </a:xfrm>
+      </p:grpSpPr>
+      <p:sp>
+        <p:nvSpPr>
+          <p:cNvPr id="2" name="Text Placeholder 1"/>
+          <p:cNvSpPr>
+            <a:spLocks noGrp="1"/>
+          </p:cNvSpPr>
+          <p:nvPr>
+            <p:ph type="body" sz="quarter" idx="10"/>
+          </p:nvPr>
+        </p:nvSpPr>
+        <p:spPr/>
+        <p:txBody>
+          <a:bodyPr/>
+          <a:lstStyle/>
+          <a:p>
+            <a:r>
+              <a:rPr lang="en-US" dirty="0" smtClean="0"/>
+              <a:t>Visualization of the DT in Python</a:t>
+            </a:r>
+            <a:endParaRPr lang="en-US" dirty="0"/>
+          </a:p>
+        </p:txBody>
+      </p:sp>
+      <p:sp>
+        <p:nvSpPr>
+          <p:cNvPr id="3" name="Text Placeholder 2"/>
+          <p:cNvSpPr>
+            <a:spLocks noGrp="1"/>
+          </p:cNvSpPr>
+          <p:nvPr>
+            <p:ph type="body" sz="quarter" idx="11"/>
+          </p:nvPr>
+        </p:nvSpPr>
+        <p:spPr/>
+        <p:txBody>
+          <a:bodyPr/>
+          <a:lstStyle/>
+          <a:p>
+            <a:endParaRPr lang="en-US" dirty="0"/>
+          </a:p>
+        </p:txBody>
+      </p:sp>
+    </p:spTree>
+    <p:extLst>
+      <p:ext uri="{BB962C8B-B14F-4D97-AF65-F5344CB8AC3E}">
+        <p14:creationId xmlns:p14="http://schemas.microsoft.com/office/powerpoint/2010/main" val="1506668883"/>
+      </p:ext>
+    </p:extLst>
+  </p:cSld>
+  <p:clrMapOvr>
+    <a:masterClrMapping/>
+  </p:clrMapOvr>
+  <p:timing>
+    <p:tnLst>
+      <p:par>
+        <p:cTn id="1" dur="indefinite" restart="never" nodeType="tmRoot"/>
+      </p:par>
+    </p:tnLst>
+  </p:timing>
+</p:sld>
+</file>
+
+<file path=ppt/slides/slide5.xml><?xml version="1.0" encoding="utf-8"?>
+<p:sld xmlns:a="http://schemas.openxmlformats.org/drawingml/2006/main" xmlns:r="http://schemas.openxmlformats.org/officeDocument/2006/relationships" xmlns:p="http://schemas.openxmlformats.org/presentationml/2006/main">
+  <p:cSld>
+    <p:spTree>
+      <p:nvGrpSpPr>
+        <p:cNvPr id="1" name=""/>
+        <p:cNvGrpSpPr/>
+        <p:nvPr/>
+      </p:nvGrpSpPr>
+      <p:grpSpPr>
+        <a:xfrm>
+          <a:off x="0" y="0"/>
+          <a:ext cx="0" cy="0"/>
+          <a:chOff x="0" y="0"/>
+          <a:chExt cx="0" cy="0"/>
+        </a:xfrm>
+      </p:grpSpPr>
+      <p:sp>
+        <p:nvSpPr>
+          <p:cNvPr id="2" name="Text Placeholder 1"/>
+          <p:cNvSpPr>
+            <a:spLocks noGrp="1"/>
+          </p:cNvSpPr>
+          <p:nvPr>
+            <p:ph type="body" sz="quarter" idx="10"/>
+          </p:nvPr>
+        </p:nvSpPr>
+        <p:spPr/>
+        <p:txBody>
+          <a:bodyPr/>
+          <a:lstStyle/>
+          <a:p>
+            <a:r>
+              <a:rPr lang="en-US" dirty="0" smtClean="0"/>
+              <a:t>Support vector machine (SVM)</a:t>
+            </a:r>
+            <a:endParaRPr lang="en-US" dirty="0"/>
+          </a:p>
+        </p:txBody>
+      </p:sp>
+      <p:sp>
+        <p:nvSpPr>
+          <p:cNvPr id="3" name="Text Placeholder 2"/>
+          <p:cNvSpPr>
+            <a:spLocks noGrp="1"/>
+          </p:cNvSpPr>
+          <p:nvPr>
+            <p:ph type="body" sz="quarter" idx="11"/>
+          </p:nvPr>
+        </p:nvSpPr>
+        <p:spPr>
+          <a:xfrm>
+            <a:off x="492996" y="1726998"/>
+            <a:ext cx="8659793" cy="4722440"/>
+          </a:xfrm>
+        </p:spPr>
+        <p:txBody>
+          <a:bodyPr/>
+          <a:lstStyle/>
+          <a:p>
+            <a:pPr defTabSz="914400">
+              <a:spcBef>
+                <a:spcPts val="0"/>
+              </a:spcBef>
+            </a:pPr>
+            <a:r>
+              <a:rPr lang="en-US" dirty="0" smtClean="0"/>
+              <a:t>Recall that a hyperplane </a:t>
+            </a:r>
+            <a:r>
+              <a:rPr lang="en-US" dirty="0" smtClean="0"/>
+              <a:t>in a </a:t>
+            </a:r>
+            <a:r>
+              <a:rPr lang="en-US" i="1" dirty="0" smtClean="0"/>
+              <a:t>p</a:t>
+            </a:r>
+            <a:r>
+              <a:rPr lang="en-US" dirty="0" smtClean="0"/>
+              <a:t> dimensional space can be defined as follows</a:t>
+            </a:r>
+          </a:p>
+          <a:p>
+            <a:pPr defTabSz="914400">
+              <a:spcBef>
+                <a:spcPts val="0"/>
+              </a:spcBef>
+            </a:pPr>
+            <a:endParaRPr lang="en-US" sz="2800" dirty="0"/>
+          </a:p>
+          <a:p>
+            <a:pPr defTabSz="914400">
+              <a:spcBef>
+                <a:spcPts val="0"/>
+              </a:spcBef>
+            </a:pPr>
+            <a:r>
+              <a:rPr lang="en-US" dirty="0" smtClean="0"/>
+              <a:t>For any given point X = [X</a:t>
+            </a:r>
+            <a:r>
+              <a:rPr lang="en-US" baseline="-25000" dirty="0" smtClean="0"/>
+              <a:t>1</a:t>
+            </a:r>
+            <a:r>
+              <a:rPr lang="en-US" dirty="0" smtClean="0"/>
+              <a:t>, X</a:t>
+            </a:r>
+            <a:r>
+              <a:rPr lang="en-US" baseline="-25000" dirty="0" smtClean="0"/>
+              <a:t>2</a:t>
+            </a:r>
+            <a:r>
+              <a:rPr lang="en-US" dirty="0" smtClean="0"/>
+              <a:t>, </a:t>
+            </a:r>
+            <a:r>
+              <a:rPr lang="mr-IN" dirty="0" smtClean="0"/>
+              <a:t>…</a:t>
+            </a:r>
+            <a:r>
+              <a:rPr lang="en-US" dirty="0" smtClean="0"/>
+              <a:t>, </a:t>
+            </a:r>
+            <a:r>
+              <a:rPr lang="en-US" dirty="0" err="1" smtClean="0"/>
+              <a:t>X</a:t>
+            </a:r>
+            <a:r>
+              <a:rPr lang="en-US" baseline="-25000" dirty="0" err="1" smtClean="0"/>
+              <a:t>p</a:t>
+            </a:r>
+            <a:r>
+              <a:rPr lang="en-US" dirty="0" smtClean="0"/>
+              <a:t>] we can determine what side of the hyperplane it is on via</a:t>
+            </a:r>
+          </a:p>
+          <a:p>
+            <a:pPr defTabSz="914400">
+              <a:spcBef>
+                <a:spcPts val="0"/>
+              </a:spcBef>
+            </a:pPr>
+            <a:endParaRPr lang="en-US" dirty="0"/>
+          </a:p>
+          <a:p>
+            <a:pPr defTabSz="914400">
+              <a:spcBef>
+                <a:spcPts val="0"/>
+              </a:spcBef>
+            </a:pPr>
+            <a:r>
+              <a:rPr lang="en-US" dirty="0" smtClean="0"/>
+              <a:t>How can we use this for classification?</a:t>
+            </a:r>
+            <a:endParaRPr lang="en-US" dirty="0"/>
+          </a:p>
+        </p:txBody>
+      </p:sp>
+      <p:pic>
+        <p:nvPicPr>
+          <p:cNvPr id="10" name="Picture 9"/>
+          <p:cNvPicPr>
+            <a:picLocks noChangeAspect="1"/>
+          </p:cNvPicPr>
+          <p:nvPr/>
+        </p:nvPicPr>
+        <p:blipFill>
+          <a:blip r:embed="rId3"/>
+          <a:stretch>
+            <a:fillRect/>
+          </a:stretch>
+        </p:blipFill>
+        <p:spPr>
+          <a:xfrm>
+            <a:off x="3489306" y="2268680"/>
+            <a:ext cx="4436729" cy="671615"/>
+          </a:xfrm>
+          <a:prstGeom prst="rect">
+            <a:avLst/>
+          </a:prstGeom>
+        </p:spPr>
+      </p:pic>
+      <p:pic>
+        <p:nvPicPr>
+          <p:cNvPr id="11" name="Picture 10"/>
+          <p:cNvPicPr>
+            <a:picLocks noChangeAspect="1"/>
+          </p:cNvPicPr>
+          <p:nvPr/>
+        </p:nvPicPr>
+        <p:blipFill rotWithShape="1">
+          <a:blip r:embed="rId4"/>
+          <a:srcRect b="67482"/>
+          <a:stretch/>
+        </p:blipFill>
+        <p:spPr>
+          <a:xfrm>
+            <a:off x="1360926" y="3751316"/>
+            <a:ext cx="2959100" cy="375814"/>
+          </a:xfrm>
+          <a:prstGeom prst="rect">
+            <a:avLst/>
+          </a:prstGeom>
+        </p:spPr>
+      </p:pic>
+      <p:pic>
+        <p:nvPicPr>
+          <p:cNvPr id="12" name="Picture 11"/>
+          <p:cNvPicPr>
+            <a:picLocks noChangeAspect="1"/>
+          </p:cNvPicPr>
+          <p:nvPr/>
+        </p:nvPicPr>
+        <p:blipFill rotWithShape="1">
+          <a:blip r:embed="rId4"/>
+          <a:srcRect t="62820"/>
+          <a:stretch/>
+        </p:blipFill>
+        <p:spPr>
+          <a:xfrm>
+            <a:off x="4571055" y="3658527"/>
+            <a:ext cx="2959100" cy="429691"/>
+          </a:xfrm>
+          <a:prstGeom prst="rect">
+            <a:avLst/>
+          </a:prstGeom>
+        </p:spPr>
+      </p:pic>
+      <p:pic>
+        <p:nvPicPr>
+          <p:cNvPr id="13" name="Picture 12"/>
+          <p:cNvPicPr>
+            <a:picLocks noChangeAspect="1"/>
+          </p:cNvPicPr>
+          <p:nvPr/>
+        </p:nvPicPr>
+        <p:blipFill>
+          <a:blip r:embed="rId5"/>
+          <a:stretch>
+            <a:fillRect/>
+          </a:stretch>
+        </p:blipFill>
+        <p:spPr>
+          <a:xfrm>
+            <a:off x="2571344" y="4398119"/>
+            <a:ext cx="3732180" cy="2332613"/>
+          </a:xfrm>
+          <a:prstGeom prst="rect">
+            <a:avLst/>
+          </a:prstGeom>
+        </p:spPr>
+      </p:pic>
+    </p:spTree>
+    <p:extLst>
+      <p:ext uri="{BB962C8B-B14F-4D97-AF65-F5344CB8AC3E}">
+        <p14:creationId xmlns:p14="http://schemas.microsoft.com/office/powerpoint/2010/main" val="235645202"/>
+      </p:ext>
+    </p:extLst>
+  </p:cSld>
+  <p:clrMapOvr>
+    <a:masterClrMapping/>
+  </p:clrMapOvr>
+  <p:timing>
+    <p:tnLst>
+      <p:par>
+        <p:cTn id="1" dur="indefinite" restart="never" nodeType="tmRoot">
+          <p:childTnLst>
+            <p:seq concurrent="1" nextAc="seek">
+              <p:cTn id="2" dur="indefinite" nodeType="mainSeq">
+                <p:childTnLst>
+                  <p:par>
+                    <p:cTn id="3" fill="hold">
+                      <p:stCondLst>
+                        <p:cond delay="indefinite"/>
+                      </p:stCondLst>
+                      <p:childTnLst>
+                        <p:par>
+                          <p:cTn id="4" fill="hold">
+                            <p:stCondLst>
+                              <p:cond delay="0"/>
+                            </p:stCondLst>
+                            <p:childTnLst>
+                              <p:par>
+                                <p:cTn id="5" presetID="1" presetClass="entr" presetSubtype="0" fill="hold" nodeType="clickEffect">
+                                  <p:stCondLst>
+                                    <p:cond delay="0"/>
+                                  </p:stCondLst>
+                                  <p:childTnLst>
+                                    <p:set>
+                                      <p:cBhvr>
+                                        <p:cTn id="6" dur="1" fill="hold">
+                                          <p:stCondLst>
+                                            <p:cond delay="0"/>
+                                          </p:stCondLst>
+                                        </p:cTn>
+                                        <p:tgtEl>
+                                          <p:spTgt spid="13"/>
+                                        </p:tgtEl>
+                                        <p:attrNameLst>
+                                          <p:attrName>style.visibility</p:attrName>
+                                        </p:attrNameLst>
+                                      </p:cBhvr>
+                                      <p:to>
+                                        <p:strVal val="visible"/>
+                                      </p:to>
+                                    </p:set>
+                                  </p:childTnLst>
+                                </p:cTn>
+                              </p:par>
+                            </p:childTnLst>
+                          </p:cTn>
+                        </p:par>
+                      </p:childTnLst>
+                    </p:cTn>
+                  </p:par>
+                </p:childTnLst>
+              </p:cTn>
+              <p:prevCondLst>
+                <p:cond evt="onPrev" delay="0">
+                  <p:tgtEl>
+                    <p:sldTgt/>
+                  </p:tgtEl>
+                </p:cond>
+              </p:prevCondLst>
+              <p:nextCondLst>
+                <p:cond evt="onNext" delay="0">
+                  <p:tgtEl>
+                    <p:sldTgt/>
+                  </p:tgtEl>
+                </p:cond>
+              </p:nextCondLst>
+            </p:seq>
+          </p:childTnLst>
+        </p:cTn>
+      </p:par>
+    </p:tnLst>
+  </p:timing>
+</p:sld>
+</file>
+
+<file path=ppt/slides/slide6.xml><?xml version="1.0" encoding="utf-8"?>
+<p:sld xmlns:a="http://schemas.openxmlformats.org/drawingml/2006/main" xmlns:r="http://schemas.openxmlformats.org/officeDocument/2006/relationships" xmlns:p="http://schemas.openxmlformats.org/presentationml/2006/main">
+  <p:cSld>
+    <p:spTree>
+      <p:nvGrpSpPr>
+        <p:cNvPr id="1" name=""/>
+        <p:cNvGrpSpPr/>
+        <p:nvPr/>
+      </p:nvGrpSpPr>
+      <p:grpSpPr>
+        <a:xfrm>
+          <a:off x="0" y="0"/>
+          <a:ext cx="0" cy="0"/>
+          <a:chOff x="0" y="0"/>
+          <a:chExt cx="0" cy="0"/>
+        </a:xfrm>
+      </p:grpSpPr>
+      <p:pic>
+        <p:nvPicPr>
+          <p:cNvPr id="4" name="Picture 3"/>
+          <p:cNvPicPr>
+            <a:picLocks noChangeAspect="1"/>
+          </p:cNvPicPr>
+          <p:nvPr/>
+        </p:nvPicPr>
+        <p:blipFill>
+          <a:blip r:embed="rId3"/>
+          <a:stretch>
+            <a:fillRect/>
+          </a:stretch>
+        </p:blipFill>
+        <p:spPr>
+          <a:xfrm>
+            <a:off x="2121475" y="2679558"/>
+            <a:ext cx="5285226" cy="4013071"/>
+          </a:xfrm>
+          <a:prstGeom prst="rect">
+            <a:avLst/>
+          </a:prstGeom>
+        </p:spPr>
+      </p:pic>
+      <p:sp>
+        <p:nvSpPr>
+          <p:cNvPr id="2" name="Text Placeholder 1"/>
+          <p:cNvSpPr>
+            <a:spLocks noGrp="1"/>
+          </p:cNvSpPr>
+          <p:nvPr>
+            <p:ph type="body" sz="quarter" idx="10"/>
+          </p:nvPr>
+        </p:nvSpPr>
+        <p:spPr/>
+        <p:txBody>
+          <a:bodyPr/>
+          <a:lstStyle/>
+          <a:p>
+            <a:r>
+              <a:rPr lang="en-US" dirty="0" smtClean="0"/>
+              <a:t>Support vector machine (SVM)</a:t>
+            </a:r>
+            <a:endParaRPr lang="en-US" dirty="0"/>
+          </a:p>
+        </p:txBody>
+      </p:sp>
+      <p:sp>
+        <p:nvSpPr>
+          <p:cNvPr id="3" name="Text Placeholder 2"/>
+          <p:cNvSpPr>
+            <a:spLocks noGrp="1"/>
+          </p:cNvSpPr>
+          <p:nvPr>
+            <p:ph type="body" sz="quarter" idx="11"/>
+          </p:nvPr>
+        </p:nvSpPr>
+        <p:spPr>
+          <a:xfrm>
+            <a:off x="492996" y="1726998"/>
+            <a:ext cx="8659793" cy="4722440"/>
+          </a:xfrm>
+        </p:spPr>
+        <p:txBody>
+          <a:bodyPr/>
+          <a:lstStyle/>
+          <a:p>
+            <a:pPr defTabSz="914400">
+              <a:spcBef>
+                <a:spcPts val="0"/>
+              </a:spcBef>
+            </a:pPr>
+            <a:r>
+              <a:rPr lang="en-US" dirty="0" smtClean="0"/>
+              <a:t>If we have </a:t>
+            </a:r>
+            <a:r>
+              <a:rPr lang="en-US" i="1" dirty="0" smtClean="0"/>
+              <a:t>p-</a:t>
+            </a:r>
+            <a:r>
+              <a:rPr lang="en-US" dirty="0" smtClean="0"/>
+              <a:t>dimensional feature, predictors, </a:t>
+            </a:r>
+            <a:r>
+              <a:rPr lang="mr-IN" dirty="0" smtClean="0"/>
+              <a:t>…</a:t>
+            </a:r>
+            <a:r>
+              <a:rPr lang="en-US" dirty="0"/>
+              <a:t> </a:t>
+            </a:r>
+            <a:r>
+              <a:rPr lang="en-US" dirty="0" smtClean="0"/>
+              <a:t>then </a:t>
+            </a:r>
+            <a:r>
+              <a:rPr lang="en-US" dirty="0" smtClean="0"/>
+              <a:t>all we need to do is find a hyperplane that separates our classes</a:t>
+            </a:r>
+            <a:endParaRPr lang="en-US" dirty="0"/>
+          </a:p>
+          <a:p>
+            <a:pPr defTabSz="914400">
+              <a:spcBef>
+                <a:spcPts val="0"/>
+              </a:spcBef>
+            </a:pPr>
+            <a:r>
+              <a:rPr lang="en-US" dirty="0" smtClean="0"/>
+              <a:t>Easy, right?</a:t>
+            </a:r>
+          </a:p>
+        </p:txBody>
+      </p:sp>
+    </p:spTree>
+    <p:extLst>
+      <p:ext uri="{BB962C8B-B14F-4D97-AF65-F5344CB8AC3E}">
+        <p14:creationId xmlns:p14="http://schemas.microsoft.com/office/powerpoint/2010/main" val="1013187691"/>
+      </p:ext>
+    </p:extLst>
+  </p:cSld>
+  <p:clrMapOvr>
+    <a:masterClrMapping/>
+  </p:clrMapOvr>
+  <p:timing>
+    <p:tnLst>
+      <p:par>
+        <p:cTn id="1" dur="indefinite" restart="never" nodeType="tmRoot">
+          <p:childTnLst>
+            <p:seq concurrent="1" nextAc="seek">
+              <p:cTn id="2" dur="indefinite" nodeType="mainSeq">
+                <p:childTnLst>
+                  <p:par>
+                    <p:cTn id="3" fill="hold">
+                      <p:stCondLst>
+                        <p:cond delay="indefinite"/>
+                      </p:stCondLst>
+                      <p:childTnLst>
+                        <p:par>
+                          <p:cTn id="4" fill="hold">
+                            <p:stCondLst>
+                              <p:cond delay="0"/>
+                            </p:stCondLst>
+                            <p:childTnLst>
+                              <p:par>
+                                <p:cTn id="5" presetID="1" presetClass="entr" presetSubtype="0" fill="hold" nodeType="clickEffect">
+                                  <p:stCondLst>
+                                    <p:cond delay="0"/>
+                                  </p:stCondLst>
+                                  <p:childTnLst>
+                                    <p:set>
+                                      <p:cBhvr>
+                                        <p:cTn id="6" dur="1" fill="hold">
+                                          <p:stCondLst>
+                                            <p:cond delay="0"/>
+                                          </p:stCondLst>
+                                        </p:cTn>
+                                        <p:tgtEl>
+                                          <p:spTgt spid="4"/>
+                                        </p:tgtEl>
+                                        <p:attrNameLst>
+                                          <p:attrName>style.visibility</p:attrName>
+                                        </p:attrNameLst>
+                                      </p:cBhvr>
+                                      <p:to>
+                                        <p:strVal val="visible"/>
+                                      </p:to>
+                                    </p:set>
+                                  </p:childTnLst>
+                                </p:cTn>
+                              </p:par>
+                            </p:childTnLst>
+                          </p:cTn>
+                        </p:par>
+                      </p:childTnLst>
+                    </p:cTn>
+                  </p:par>
+                </p:childTnLst>
+              </p:cTn>
+              <p:prevCondLst>
+                <p:cond evt="onPrev" delay="0">
+                  <p:tgtEl>
+                    <p:sldTgt/>
+                  </p:tgtEl>
+                </p:cond>
+              </p:prevCondLst>
+              <p:nextCondLst>
+                <p:cond evt="onNext" delay="0">
+                  <p:tgtEl>
+                    <p:sldTgt/>
+                  </p:tgtEl>
+                </p:cond>
+              </p:nextCondLst>
+            </p:seq>
+          </p:childTnLst>
+        </p:cTn>
+      </p:par>
+    </p:tnLst>
+  </p:timing>
+</p:sld>
+</file>
+
+<file path=ppt/slides/slide7.xml><?xml version="1.0" encoding="utf-8"?>
+<p:sld xmlns:a="http://schemas.openxmlformats.org/drawingml/2006/main" xmlns:r="http://schemas.openxmlformats.org/officeDocument/2006/relationships" xmlns:p="http://schemas.openxmlformats.org/presentationml/2006/main">
+  <p:cSld>
+    <p:spTree>
+      <p:nvGrpSpPr>
+        <p:cNvPr id="1" name=""/>
+        <p:cNvGrpSpPr/>
+        <p:nvPr/>
+      </p:nvGrpSpPr>
+      <p:grpSpPr>
+        <a:xfrm>
+          <a:off x="0" y="0"/>
+          <a:ext cx="0" cy="0"/>
+          <a:chOff x="0" y="0"/>
+          <a:chExt cx="0" cy="0"/>
+        </a:xfrm>
+      </p:grpSpPr>
+      <p:sp>
+        <p:nvSpPr>
+          <p:cNvPr id="2" name="Text Placeholder 1"/>
+          <p:cNvSpPr>
+            <a:spLocks noGrp="1"/>
+          </p:cNvSpPr>
+          <p:nvPr>
+            <p:ph type="body" sz="quarter" idx="10"/>
+          </p:nvPr>
+        </p:nvSpPr>
+        <p:spPr/>
+        <p:txBody>
+          <a:bodyPr/>
+          <a:lstStyle/>
+          <a:p>
+            <a:r>
+              <a:rPr lang="en-US" dirty="0" smtClean="0"/>
+              <a:t>Support vector machine (SVM)</a:t>
+            </a:r>
+            <a:endParaRPr lang="en-US" dirty="0"/>
+          </a:p>
+        </p:txBody>
+      </p:sp>
+      <p:sp>
+        <p:nvSpPr>
+          <p:cNvPr id="3" name="Text Placeholder 2"/>
+          <p:cNvSpPr>
+            <a:spLocks noGrp="1"/>
+          </p:cNvSpPr>
+          <p:nvPr>
+            <p:ph type="body" sz="quarter" idx="11"/>
+          </p:nvPr>
+        </p:nvSpPr>
+        <p:spPr>
+          <a:xfrm>
+            <a:off x="492996" y="1726998"/>
+            <a:ext cx="8659793" cy="4722440"/>
+          </a:xfrm>
+        </p:spPr>
+        <p:txBody>
+          <a:bodyPr/>
+          <a:lstStyle/>
+          <a:p>
+            <a:pPr defTabSz="914400">
+              <a:spcBef>
+                <a:spcPts val="0"/>
+              </a:spcBef>
+            </a:pPr>
+            <a:r>
+              <a:rPr lang="en-US" dirty="0" smtClean="0"/>
+              <a:t>This hyperplane is our decision boundary (remember that term?)</a:t>
+            </a:r>
+          </a:p>
+          <a:p>
+            <a:pPr defTabSz="914400">
+              <a:spcBef>
+                <a:spcPts val="0"/>
+              </a:spcBef>
+            </a:pPr>
+            <a:r>
+              <a:rPr lang="en-US" dirty="0" smtClean="0"/>
+              <a:t>Maximal margin classifier</a:t>
+            </a:r>
+          </a:p>
+          <a:p>
+            <a:pPr lvl="1" defTabSz="914400">
+              <a:spcBef>
+                <a:spcPts val="0"/>
+              </a:spcBef>
+            </a:pPr>
+            <a:r>
+              <a:rPr lang="en-US" dirty="0" smtClean="0"/>
+              <a:t>Choose the decision boundary that maximizes the distance to points from both classes</a:t>
+            </a:r>
+          </a:p>
+        </p:txBody>
+      </p:sp>
+      <p:pic>
+        <p:nvPicPr>
+          <p:cNvPr id="5" name="Picture 4"/>
+          <p:cNvPicPr>
+            <a:picLocks noChangeAspect="1"/>
+          </p:cNvPicPr>
+          <p:nvPr/>
+        </p:nvPicPr>
+        <p:blipFill>
+          <a:blip r:embed="rId3"/>
+          <a:stretch>
+            <a:fillRect/>
+          </a:stretch>
+        </p:blipFill>
+        <p:spPr>
+          <a:xfrm>
+            <a:off x="1087244" y="3492965"/>
+            <a:ext cx="5943600" cy="4711700"/>
+          </a:xfrm>
+          <a:prstGeom prst="rect">
+            <a:avLst/>
+          </a:prstGeom>
+        </p:spPr>
+      </p:pic>
+      <p:sp>
+        <p:nvSpPr>
+          <p:cNvPr id="6" name="TextBox 5"/>
+          <p:cNvSpPr txBox="1"/>
+          <p:nvPr/>
+        </p:nvSpPr>
+        <p:spPr>
+          <a:xfrm>
+            <a:off x="6043962" y="3769112"/>
+            <a:ext cx="2631688" cy="1477328"/>
+          </a:xfrm>
+          <a:prstGeom prst="rect">
+            <a:avLst/>
+          </a:prstGeom>
+          <a:noFill/>
+        </p:spPr>
+        <p:txBody>
+          <a:bodyPr wrap="square" rtlCol="0">
+            <a:spAutoFit/>
+          </a:bodyPr>
+          <a:lstStyle/>
+          <a:p>
+            <a:r>
+              <a:rPr lang="en-US" dirty="0" smtClean="0"/>
+              <a:t>We can think of distance to the decision boundary as a measure </a:t>
+            </a:r>
+            <a:r>
+              <a:rPr lang="en-US" smtClean="0"/>
+              <a:t>of confidence in our prediction.</a:t>
+            </a:r>
+            <a:endParaRPr lang="en-US"/>
+          </a:p>
+        </p:txBody>
+      </p:sp>
+    </p:spTree>
+    <p:extLst>
+      <p:ext uri="{BB962C8B-B14F-4D97-AF65-F5344CB8AC3E}">
+        <p14:creationId xmlns:p14="http://schemas.microsoft.com/office/powerpoint/2010/main" val="1722759260"/>
+      </p:ext>
+    </p:extLst>
+  </p:cSld>
+  <p:clrMapOvr>
+    <a:masterClrMapping/>
+  </p:clrMapOvr>
+  <p:timing>
+    <p:tnLst>
+      <p:par>
+        <p:cTn id="1" dur="indefinite" restart="never" nodeType="tmRoot"/>
+      </p:par>
+    </p:tnLst>
+  </p:timing>
+</p:sld>
+</file>
+
+<file path=ppt/slides/slide8.xml><?xml version="1.0" encoding="utf-8"?>
+<p:sld xmlns:a="http://schemas.openxmlformats.org/drawingml/2006/main" xmlns:r="http://schemas.openxmlformats.org/officeDocument/2006/relationships" xmlns:p="http://schemas.openxmlformats.org/presentationml/2006/main">
+  <p:cSld>
+    <p:spTree>
+      <p:nvGrpSpPr>
+        <p:cNvPr id="1" name=""/>
+        <p:cNvGrpSpPr/>
+        <p:nvPr/>
+      </p:nvGrpSpPr>
+      <p:grpSpPr>
+        <a:xfrm>
+          <a:off x="0" y="0"/>
+          <a:ext cx="0" cy="0"/>
+          <a:chOff x="0" y="0"/>
+          <a:chExt cx="0" cy="0"/>
+        </a:xfrm>
+      </p:grpSpPr>
+      <p:sp>
+        <p:nvSpPr>
+          <p:cNvPr id="2" name="Text Placeholder 1"/>
+          <p:cNvSpPr>
+            <a:spLocks noGrp="1"/>
+          </p:cNvSpPr>
+          <p:nvPr>
+            <p:ph type="body" sz="quarter" idx="10"/>
+          </p:nvPr>
+        </p:nvSpPr>
+        <p:spPr/>
+        <p:txBody>
+          <a:bodyPr/>
+          <a:lstStyle/>
+          <a:p>
+            <a:r>
+              <a:rPr lang="en-US" dirty="0" smtClean="0"/>
+              <a:t>Support vector machine (SVM)</a:t>
+            </a:r>
+            <a:endParaRPr lang="en-US" dirty="0"/>
+          </a:p>
+        </p:txBody>
+      </p:sp>
+      <p:sp>
+        <p:nvSpPr>
+          <p:cNvPr id="3" name="Text Placeholder 2"/>
+          <p:cNvSpPr>
+            <a:spLocks noGrp="1"/>
+          </p:cNvSpPr>
+          <p:nvPr>
+            <p:ph type="body" sz="quarter" idx="11"/>
+          </p:nvPr>
+        </p:nvSpPr>
+        <p:spPr>
+          <a:xfrm>
+            <a:off x="492996" y="1726998"/>
+            <a:ext cx="8659793" cy="4722440"/>
+          </a:xfrm>
+        </p:spPr>
+        <p:txBody>
+          <a:bodyPr/>
+          <a:lstStyle/>
+          <a:p>
+            <a:pPr defTabSz="914400">
+              <a:spcBef>
+                <a:spcPts val="0"/>
+              </a:spcBef>
+            </a:pPr>
+            <a:r>
+              <a:rPr lang="en-US" dirty="0" smtClean="0"/>
+              <a:t>What happens when no maximal margin classifier exists?</a:t>
+            </a:r>
+          </a:p>
+        </p:txBody>
+      </p:sp>
+      <p:pic>
+        <p:nvPicPr>
+          <p:cNvPr id="4" name="Picture 3"/>
+          <p:cNvPicPr>
+            <a:picLocks noChangeAspect="1"/>
+          </p:cNvPicPr>
+          <p:nvPr/>
+        </p:nvPicPr>
+        <p:blipFill>
+          <a:blip r:embed="rId3"/>
+          <a:stretch>
+            <a:fillRect/>
+          </a:stretch>
+        </p:blipFill>
+        <p:spPr>
+          <a:xfrm>
+            <a:off x="1357661" y="2652138"/>
+            <a:ext cx="5715000" cy="3797300"/>
+          </a:xfrm>
+          <a:prstGeom prst="rect">
+            <a:avLst/>
+          </a:prstGeom>
+        </p:spPr>
+      </p:pic>
+    </p:spTree>
+    <p:extLst>
+      <p:ext uri="{BB962C8B-B14F-4D97-AF65-F5344CB8AC3E}">
+        <p14:creationId xmlns:p14="http://schemas.microsoft.com/office/powerpoint/2010/main" val="1720537587"/>
+      </p:ext>
+    </p:extLst>
+  </p:cSld>
+  <p:clrMapOvr>
+    <a:masterClrMapping/>
+  </p:clrMapOvr>
+  <p:timing>
+    <p:tnLst>
+      <p:par>
+        <p:cTn id="1" dur="indefinite" restart="never" nodeType="tmRoot"/>
+      </p:par>
+    </p:tnLst>
+  </p:timing>
+</p:sld>
+</file>
+
+<file path=ppt/slides/slide9.xml><?xml version="1.0" encoding="utf-8"?>
+<p:sld xmlns:a="http://schemas.openxmlformats.org/drawingml/2006/main" xmlns:r="http://schemas.openxmlformats.org/officeDocument/2006/relationships" xmlns:p="http://schemas.openxmlformats.org/presentationml/2006/main">
+  <p:cSld>
+    <p:spTree>
+      <p:nvGrpSpPr>
+        <p:cNvPr id="1" name=""/>
+        <p:cNvGrpSpPr/>
+        <p:nvPr/>
+      </p:nvGrpSpPr>
+      <p:grpSpPr>
+        <a:xfrm>
+          <a:off x="0" y="0"/>
+          <a:ext cx="0" cy="0"/>
+          <a:chOff x="0" y="0"/>
+          <a:chExt cx="0" cy="0"/>
+        </a:xfrm>
+      </p:grpSpPr>
+      <p:sp>
+        <p:nvSpPr>
+          <p:cNvPr id="2" name="Text Placeholder 1"/>
+          <p:cNvSpPr>
+            <a:spLocks noGrp="1"/>
+          </p:cNvSpPr>
+          <p:nvPr>
+            <p:ph type="body" sz="quarter" idx="10"/>
+          </p:nvPr>
+        </p:nvSpPr>
+        <p:spPr/>
+        <p:txBody>
+          <a:bodyPr/>
+          <a:lstStyle/>
+          <a:p>
+            <a:r>
+              <a:rPr lang="en-US" dirty="0" smtClean="0"/>
+              <a:t>Support vector machine (SVM)</a:t>
+            </a:r>
+            <a:endParaRPr lang="en-US" dirty="0"/>
+          </a:p>
+        </p:txBody>
+      </p:sp>
+      <p:sp>
+        <p:nvSpPr>
+          <p:cNvPr id="3" name="Text Placeholder 2"/>
+          <p:cNvSpPr>
+            <a:spLocks noGrp="1"/>
+          </p:cNvSpPr>
+          <p:nvPr>
+            <p:ph type="body" sz="quarter" idx="11"/>
+          </p:nvPr>
+        </p:nvSpPr>
+        <p:spPr>
+          <a:xfrm>
+            <a:off x="492996" y="1726998"/>
+            <a:ext cx="8659793" cy="4722440"/>
+          </a:xfrm>
+        </p:spPr>
+        <p:txBody>
+          <a:bodyPr/>
+          <a:lstStyle/>
+          <a:p>
+            <a:pPr defTabSz="914400">
+              <a:spcBef>
+                <a:spcPts val="0"/>
+              </a:spcBef>
+            </a:pPr>
+            <a:r>
+              <a:rPr lang="en-US" dirty="0" smtClean="0"/>
+              <a:t>How do we fit a decision boundary?</a:t>
+            </a:r>
+          </a:p>
+          <a:p>
+            <a:pPr lvl="1" defTabSz="914400">
+              <a:spcBef>
+                <a:spcPts val="0"/>
+              </a:spcBef>
+            </a:pPr>
+            <a:r>
+              <a:rPr lang="en-US" dirty="0" smtClean="0"/>
+              <a:t>The C parameter is the “budget” for the amount of points that can violate the decision boundary during training</a:t>
+            </a:r>
+          </a:p>
+          <a:p>
+            <a:pPr lvl="2" defTabSz="914400">
+              <a:spcBef>
+                <a:spcPts val="0"/>
+              </a:spcBef>
+            </a:pPr>
+            <a:r>
+              <a:rPr lang="en-US" dirty="0" smtClean="0"/>
+              <a:t>When C is small or close to 0, no violates</a:t>
+            </a:r>
+          </a:p>
+          <a:p>
+            <a:pPr lvl="2" defTabSz="914400">
+              <a:spcBef>
+                <a:spcPts val="0"/>
+              </a:spcBef>
+            </a:pPr>
+            <a:r>
+              <a:rPr lang="en-US" dirty="0" smtClean="0"/>
+              <a:t>As C increases, the extent of violates increases</a:t>
+            </a:r>
+          </a:p>
+          <a:p>
+            <a:pPr lvl="1" defTabSz="914400">
+              <a:spcBef>
+                <a:spcPts val="0"/>
+              </a:spcBef>
+            </a:pPr>
+            <a:r>
+              <a:rPr lang="en-US" dirty="0" smtClean="0"/>
+              <a:t>Thus, C is our bias/variance tradeoff parameter</a:t>
+            </a:r>
+          </a:p>
+        </p:txBody>
+      </p:sp>
+      <p:pic>
+        <p:nvPicPr>
+          <p:cNvPr id="5" name="Picture 4"/>
+          <p:cNvPicPr>
+            <a:picLocks noChangeAspect="1"/>
+          </p:cNvPicPr>
+          <p:nvPr/>
+        </p:nvPicPr>
+        <p:blipFill>
+          <a:blip r:embed="rId3"/>
+          <a:stretch>
+            <a:fillRect/>
+          </a:stretch>
+        </p:blipFill>
+        <p:spPr>
+          <a:xfrm>
+            <a:off x="1184352" y="3727932"/>
+            <a:ext cx="5216448" cy="3084996"/>
+          </a:xfrm>
+          <a:prstGeom prst="rect">
+            <a:avLst/>
+          </a:prstGeom>
+        </p:spPr>
+      </p:pic>
+      <p:sp>
+        <p:nvSpPr>
+          <p:cNvPr id="6" name="TextBox 5"/>
+          <p:cNvSpPr txBox="1"/>
+          <p:nvPr/>
+        </p:nvSpPr>
+        <p:spPr>
+          <a:xfrm>
+            <a:off x="6224731" y="4047038"/>
+            <a:ext cx="2631688" cy="1200329"/>
+          </a:xfrm>
+          <a:prstGeom prst="rect">
+            <a:avLst/>
+          </a:prstGeom>
+          <a:noFill/>
+        </p:spPr>
+        <p:txBody>
+          <a:bodyPr wrap="square" rtlCol="0">
+            <a:spAutoFit/>
+          </a:bodyPr>
+          <a:lstStyle/>
+          <a:p>
+            <a:r>
+              <a:rPr lang="en-US" smtClean="0"/>
+              <a:t>Notice how </a:t>
+            </a:r>
+            <a:r>
+              <a:rPr lang="en-US" dirty="0" smtClean="0"/>
+              <a:t>sensitive the plane fitting is when add a new observation and don’t allow violations.</a:t>
+            </a:r>
+            <a:endParaRPr lang="en-US" dirty="0"/>
+          </a:p>
+        </p:txBody>
+      </p:sp>
+    </p:spTree>
+    <p:extLst>
+      <p:ext uri="{BB962C8B-B14F-4D97-AF65-F5344CB8AC3E}">
+        <p14:creationId xmlns:p14="http://schemas.microsoft.com/office/powerpoint/2010/main" val="202390937"/>
       </p:ext>
     </p:extLst>
   </p:cSld>
